--- a/ppt/How do Programmers Maintain Concurrent Code.pptx
+++ b/ppt/How do Programmers Maintain Concurrent Code.pptx
@@ -7,11 +7,20 @@
   <p:sldIdLst>
     <p:sldId id="256" r:id="rId2"/>
     <p:sldId id="257" r:id="rId3"/>
-    <p:sldId id="258" r:id="rId4"/>
-    <p:sldId id="259" r:id="rId5"/>
-    <p:sldId id="260" r:id="rId6"/>
-    <p:sldId id="261" r:id="rId7"/>
-    <p:sldId id="262" r:id="rId8"/>
+    <p:sldId id="263" r:id="rId4"/>
+    <p:sldId id="272" r:id="rId5"/>
+    <p:sldId id="265" r:id="rId6"/>
+    <p:sldId id="266" r:id="rId7"/>
+    <p:sldId id="258" r:id="rId8"/>
+    <p:sldId id="264" r:id="rId9"/>
+    <p:sldId id="260" r:id="rId10"/>
+    <p:sldId id="261" r:id="rId11"/>
+    <p:sldId id="267" r:id="rId12"/>
+    <p:sldId id="268" r:id="rId13"/>
+    <p:sldId id="269" r:id="rId14"/>
+    <p:sldId id="270" r:id="rId15"/>
+    <p:sldId id="271" r:id="rId16"/>
+    <p:sldId id="262" r:id="rId17"/>
   </p:sldIdLst>
   <p:sldSz cx="12192000" cy="6858000"/>
   <p:notesSz cx="6858000" cy="9144000"/>
@@ -271,7 +280,7 @@
           <a:p>
             <a:fld id="{490664B0-45A2-4F7B-B2CE-D09F748B33D9}" type="datetimeFigureOut">
               <a:rPr lang="en-US" smtClean="0"/>
-              <a:t>11/30/2017</a:t>
+              <a:t>12/2/2017</a:t>
             </a:fld>
             <a:endParaRPr lang="en-US"/>
           </a:p>
@@ -471,7 +480,7 @@
           <a:p>
             <a:fld id="{490664B0-45A2-4F7B-B2CE-D09F748B33D9}" type="datetimeFigureOut">
               <a:rPr lang="en-US" smtClean="0"/>
-              <a:t>11/30/2017</a:t>
+              <a:t>12/2/2017</a:t>
             </a:fld>
             <a:endParaRPr lang="en-US"/>
           </a:p>
@@ -681,7 +690,7 @@
           <a:p>
             <a:fld id="{490664B0-45A2-4F7B-B2CE-D09F748B33D9}" type="datetimeFigureOut">
               <a:rPr lang="en-US" smtClean="0"/>
-              <a:t>11/30/2017</a:t>
+              <a:t>12/2/2017</a:t>
             </a:fld>
             <a:endParaRPr lang="en-US"/>
           </a:p>
@@ -881,7 +890,7 @@
           <a:p>
             <a:fld id="{490664B0-45A2-4F7B-B2CE-D09F748B33D9}" type="datetimeFigureOut">
               <a:rPr lang="en-US" smtClean="0"/>
-              <a:t>11/30/2017</a:t>
+              <a:t>12/2/2017</a:t>
             </a:fld>
             <a:endParaRPr lang="en-US"/>
           </a:p>
@@ -1157,7 +1166,7 @@
           <a:p>
             <a:fld id="{490664B0-45A2-4F7B-B2CE-D09F748B33D9}" type="datetimeFigureOut">
               <a:rPr lang="en-US" smtClean="0"/>
-              <a:t>11/30/2017</a:t>
+              <a:t>12/2/2017</a:t>
             </a:fld>
             <a:endParaRPr lang="en-US"/>
           </a:p>
@@ -1425,7 +1434,7 @@
           <a:p>
             <a:fld id="{490664B0-45A2-4F7B-B2CE-D09F748B33D9}" type="datetimeFigureOut">
               <a:rPr lang="en-US" smtClean="0"/>
-              <a:t>11/30/2017</a:t>
+              <a:t>12/2/2017</a:t>
             </a:fld>
             <a:endParaRPr lang="en-US"/>
           </a:p>
@@ -1840,7 +1849,7 @@
           <a:p>
             <a:fld id="{490664B0-45A2-4F7B-B2CE-D09F748B33D9}" type="datetimeFigureOut">
               <a:rPr lang="en-US" smtClean="0"/>
-              <a:t>11/30/2017</a:t>
+              <a:t>12/2/2017</a:t>
             </a:fld>
             <a:endParaRPr lang="en-US"/>
           </a:p>
@@ -1982,7 +1991,7 @@
           <a:p>
             <a:fld id="{490664B0-45A2-4F7B-B2CE-D09F748B33D9}" type="datetimeFigureOut">
               <a:rPr lang="en-US" smtClean="0"/>
-              <a:t>11/30/2017</a:t>
+              <a:t>12/2/2017</a:t>
             </a:fld>
             <a:endParaRPr lang="en-US"/>
           </a:p>
@@ -2095,7 +2104,7 @@
           <a:p>
             <a:fld id="{490664B0-45A2-4F7B-B2CE-D09F748B33D9}" type="datetimeFigureOut">
               <a:rPr lang="en-US" smtClean="0"/>
-              <a:t>11/30/2017</a:t>
+              <a:t>12/2/2017</a:t>
             </a:fld>
             <a:endParaRPr lang="en-US"/>
           </a:p>
@@ -2408,7 +2417,7 @@
           <a:p>
             <a:fld id="{490664B0-45A2-4F7B-B2CE-D09F748B33D9}" type="datetimeFigureOut">
               <a:rPr lang="en-US" smtClean="0"/>
-              <a:t>11/30/2017</a:t>
+              <a:t>12/2/2017</a:t>
             </a:fld>
             <a:endParaRPr lang="en-US"/>
           </a:p>
@@ -2697,7 +2706,7 @@
           <a:p>
             <a:fld id="{490664B0-45A2-4F7B-B2CE-D09F748B33D9}" type="datetimeFigureOut">
               <a:rPr lang="en-US" smtClean="0"/>
-              <a:t>11/30/2017</a:t>
+              <a:t>12/2/2017</a:t>
             </a:fld>
             <a:endParaRPr lang="en-US"/>
           </a:p>
@@ -2940,7 +2949,7 @@
           <a:p>
             <a:fld id="{490664B0-45A2-4F7B-B2CE-D09F748B33D9}" type="datetimeFigureOut">
               <a:rPr lang="en-US" smtClean="0"/>
-              <a:t>11/30/2017</a:t>
+              <a:t>12/2/2017</a:t>
             </a:fld>
             <a:endParaRPr lang="en-US"/>
           </a:p>
@@ -3446,6 +3455,617 @@
 </p:sld>
 </file>
 
+<file path=ppt/slides/slide10.xml><?xml version="1.0" encoding="utf-8"?>
+<p:sld xmlns:a="http://schemas.openxmlformats.org/drawingml/2006/main" xmlns:r="http://schemas.openxmlformats.org/officeDocument/2006/relationships" xmlns:p="http://schemas.openxmlformats.org/presentationml/2006/main">
+  <p:cSld>
+    <p:spTree>
+      <p:nvGrpSpPr>
+        <p:cNvPr id="1" name=""/>
+        <p:cNvGrpSpPr/>
+        <p:nvPr/>
+      </p:nvGrpSpPr>
+      <p:grpSpPr>
+        <a:xfrm>
+          <a:off x="0" y="0"/>
+          <a:ext cx="0" cy="0"/>
+          <a:chOff x="0" y="0"/>
+          <a:chExt cx="0" cy="0"/>
+        </a:xfrm>
+      </p:grpSpPr>
+      <p:sp>
+        <p:nvSpPr>
+          <p:cNvPr id="2" name="标题 1">
+            <a:extLst>
+              <a:ext uri="{FF2B5EF4-FFF2-40B4-BE49-F238E27FC236}">
+                <a16:creationId xmlns:a16="http://schemas.microsoft.com/office/drawing/2014/main" id="{C64A22C4-B02A-45D0-BC08-C0E7D4AAD7DA}"/>
+              </a:ext>
+            </a:extLst>
+          </p:cNvPr>
+          <p:cNvSpPr>
+            <a:spLocks noGrp="1"/>
+          </p:cNvSpPr>
+          <p:nvPr>
+            <p:ph type="title"/>
+          </p:nvPr>
+        </p:nvSpPr>
+        <p:spPr/>
+        <p:txBody>
+          <a:bodyPr/>
+          <a:lstStyle/>
+          <a:p>
+            <a:r>
+              <a:rPr lang="en-US" dirty="0"/>
+              <a:t>Results - RQ1</a:t>
+            </a:r>
+          </a:p>
+        </p:txBody>
+      </p:sp>
+      <p:sp>
+        <p:nvSpPr>
+          <p:cNvPr id="3" name="内容占位符 2">
+            <a:extLst>
+              <a:ext uri="{FF2B5EF4-FFF2-40B4-BE49-F238E27FC236}">
+                <a16:creationId xmlns:a16="http://schemas.microsoft.com/office/drawing/2014/main" id="{CB0DD814-C3F6-43AF-90D2-E8BF51F11DAB}"/>
+              </a:ext>
+            </a:extLst>
+          </p:cNvPr>
+          <p:cNvSpPr>
+            <a:spLocks noGrp="1"/>
+          </p:cNvSpPr>
+          <p:nvPr>
+            <p:ph idx="1"/>
+          </p:nvPr>
+        </p:nvSpPr>
+        <p:spPr/>
+        <p:txBody>
+          <a:bodyPr/>
+          <a:lstStyle/>
+          <a:p>
+            <a:r>
+              <a:rPr lang="en-US" dirty="0"/>
+              <a:t>Changing lock types</a:t>
+            </a:r>
+          </a:p>
+          <a:p>
+            <a:r>
+              <a:rPr lang="en-US" dirty="0"/>
+              <a:t>Changing locked variables</a:t>
+            </a:r>
+          </a:p>
+          <a:p>
+            <a:r>
+              <a:rPr lang="en-US" dirty="0"/>
+              <a:t>Modifications inside critical section bodies</a:t>
+            </a:r>
+          </a:p>
+          <a:p>
+            <a:r>
+              <a:rPr lang="en-US" dirty="0"/>
+              <a:t>Changing the volatile keyword</a:t>
+            </a:r>
+          </a:p>
+          <a:p>
+            <a:r>
+              <a:rPr lang="en-US" dirty="0"/>
+              <a:t>Replacing self-written code with Parallel APIs</a:t>
+            </a:r>
+          </a:p>
+        </p:txBody>
+      </p:sp>
+    </p:spTree>
+    <p:extLst>
+      <p:ext uri="{BB962C8B-B14F-4D97-AF65-F5344CB8AC3E}">
+        <p14:creationId xmlns:p14="http://schemas.microsoft.com/office/powerpoint/2010/main" val="3271420780"/>
+      </p:ext>
+    </p:extLst>
+  </p:cSld>
+  <p:clrMapOvr>
+    <a:masterClrMapping/>
+  </p:clrMapOvr>
+</p:sld>
+</file>
+
+<file path=ppt/slides/slide11.xml><?xml version="1.0" encoding="utf-8"?>
+<p:sld xmlns:a="http://schemas.openxmlformats.org/drawingml/2006/main" xmlns:r="http://schemas.openxmlformats.org/officeDocument/2006/relationships" xmlns:p="http://schemas.openxmlformats.org/presentationml/2006/main">
+  <p:cSld>
+    <p:spTree>
+      <p:nvGrpSpPr>
+        <p:cNvPr id="1" name=""/>
+        <p:cNvGrpSpPr/>
+        <p:nvPr/>
+      </p:nvGrpSpPr>
+      <p:grpSpPr>
+        <a:xfrm>
+          <a:off x="0" y="0"/>
+          <a:ext cx="0" cy="0"/>
+          <a:chOff x="0" y="0"/>
+          <a:chExt cx="0" cy="0"/>
+        </a:xfrm>
+      </p:grpSpPr>
+      <p:sp>
+        <p:nvSpPr>
+          <p:cNvPr id="2" name="标题 1">
+            <a:extLst>
+              <a:ext uri="{FF2B5EF4-FFF2-40B4-BE49-F238E27FC236}">
+                <a16:creationId xmlns:a16="http://schemas.microsoft.com/office/drawing/2014/main" id="{10EAB626-3653-4313-B1E9-9B501338A662}"/>
+              </a:ext>
+            </a:extLst>
+          </p:cNvPr>
+          <p:cNvSpPr>
+            <a:spLocks noGrp="1"/>
+          </p:cNvSpPr>
+          <p:nvPr>
+            <p:ph type="title"/>
+          </p:nvPr>
+        </p:nvSpPr>
+        <p:spPr/>
+        <p:txBody>
+          <a:bodyPr/>
+          <a:lstStyle/>
+          <a:p>
+            <a:r>
+              <a:rPr lang="en-US" dirty="0"/>
+              <a:t>Changing lock types</a:t>
+            </a:r>
+          </a:p>
+        </p:txBody>
+      </p:sp>
+      <p:sp>
+        <p:nvSpPr>
+          <p:cNvPr id="3" name="内容占位符 2">
+            <a:extLst>
+              <a:ext uri="{FF2B5EF4-FFF2-40B4-BE49-F238E27FC236}">
+                <a16:creationId xmlns:a16="http://schemas.microsoft.com/office/drawing/2014/main" id="{6AF71328-9E65-49D6-8C96-2955C1750354}"/>
+              </a:ext>
+            </a:extLst>
+          </p:cNvPr>
+          <p:cNvSpPr>
+            <a:spLocks noGrp="1"/>
+          </p:cNvSpPr>
+          <p:nvPr>
+            <p:ph idx="1"/>
+          </p:nvPr>
+        </p:nvSpPr>
+        <p:spPr/>
+        <p:txBody>
+          <a:bodyPr/>
+          <a:lstStyle/>
+          <a:p>
+            <a:endParaRPr lang="en-US"/>
+          </a:p>
+        </p:txBody>
+      </p:sp>
+    </p:spTree>
+    <p:extLst>
+      <p:ext uri="{BB962C8B-B14F-4D97-AF65-F5344CB8AC3E}">
+        <p14:creationId xmlns:p14="http://schemas.microsoft.com/office/powerpoint/2010/main" val="4067548756"/>
+      </p:ext>
+    </p:extLst>
+  </p:cSld>
+  <p:clrMapOvr>
+    <a:masterClrMapping/>
+  </p:clrMapOvr>
+</p:sld>
+</file>
+
+<file path=ppt/slides/slide12.xml><?xml version="1.0" encoding="utf-8"?>
+<p:sld xmlns:a="http://schemas.openxmlformats.org/drawingml/2006/main" xmlns:r="http://schemas.openxmlformats.org/officeDocument/2006/relationships" xmlns:p="http://schemas.openxmlformats.org/presentationml/2006/main">
+  <p:cSld>
+    <p:spTree>
+      <p:nvGrpSpPr>
+        <p:cNvPr id="1" name=""/>
+        <p:cNvGrpSpPr/>
+        <p:nvPr/>
+      </p:nvGrpSpPr>
+      <p:grpSpPr>
+        <a:xfrm>
+          <a:off x="0" y="0"/>
+          <a:ext cx="0" cy="0"/>
+          <a:chOff x="0" y="0"/>
+          <a:chExt cx="0" cy="0"/>
+        </a:xfrm>
+      </p:grpSpPr>
+      <p:sp>
+        <p:nvSpPr>
+          <p:cNvPr id="2" name="标题 1">
+            <a:extLst>
+              <a:ext uri="{FF2B5EF4-FFF2-40B4-BE49-F238E27FC236}">
+                <a16:creationId xmlns:a16="http://schemas.microsoft.com/office/drawing/2014/main" id="{96BDA6BF-0090-43C0-A8DC-6990093770B6}"/>
+              </a:ext>
+            </a:extLst>
+          </p:cNvPr>
+          <p:cNvSpPr>
+            <a:spLocks noGrp="1"/>
+          </p:cNvSpPr>
+          <p:nvPr>
+            <p:ph type="title"/>
+          </p:nvPr>
+        </p:nvSpPr>
+        <p:spPr/>
+        <p:txBody>
+          <a:bodyPr/>
+          <a:lstStyle/>
+          <a:p>
+            <a:r>
+              <a:rPr lang="en-US" dirty="0"/>
+              <a:t>Changing locked variables</a:t>
+            </a:r>
+          </a:p>
+        </p:txBody>
+      </p:sp>
+      <p:sp>
+        <p:nvSpPr>
+          <p:cNvPr id="3" name="内容占位符 2">
+            <a:extLst>
+              <a:ext uri="{FF2B5EF4-FFF2-40B4-BE49-F238E27FC236}">
+                <a16:creationId xmlns:a16="http://schemas.microsoft.com/office/drawing/2014/main" id="{76BCF74B-03A3-4565-A20C-AA20CB7D1F3E}"/>
+              </a:ext>
+            </a:extLst>
+          </p:cNvPr>
+          <p:cNvSpPr>
+            <a:spLocks noGrp="1"/>
+          </p:cNvSpPr>
+          <p:nvPr>
+            <p:ph idx="1"/>
+          </p:nvPr>
+        </p:nvSpPr>
+        <p:spPr/>
+        <p:txBody>
+          <a:bodyPr/>
+          <a:lstStyle/>
+          <a:p>
+            <a:endParaRPr lang="en-US"/>
+          </a:p>
+        </p:txBody>
+      </p:sp>
+    </p:spTree>
+    <p:extLst>
+      <p:ext uri="{BB962C8B-B14F-4D97-AF65-F5344CB8AC3E}">
+        <p14:creationId xmlns:p14="http://schemas.microsoft.com/office/powerpoint/2010/main" val="3467078169"/>
+      </p:ext>
+    </p:extLst>
+  </p:cSld>
+  <p:clrMapOvr>
+    <a:masterClrMapping/>
+  </p:clrMapOvr>
+</p:sld>
+</file>
+
+<file path=ppt/slides/slide13.xml><?xml version="1.0" encoding="utf-8"?>
+<p:sld xmlns:a="http://schemas.openxmlformats.org/drawingml/2006/main" xmlns:r="http://schemas.openxmlformats.org/officeDocument/2006/relationships" xmlns:p="http://schemas.openxmlformats.org/presentationml/2006/main">
+  <p:cSld>
+    <p:spTree>
+      <p:nvGrpSpPr>
+        <p:cNvPr id="1" name=""/>
+        <p:cNvGrpSpPr/>
+        <p:nvPr/>
+      </p:nvGrpSpPr>
+      <p:grpSpPr>
+        <a:xfrm>
+          <a:off x="0" y="0"/>
+          <a:ext cx="0" cy="0"/>
+          <a:chOff x="0" y="0"/>
+          <a:chExt cx="0" cy="0"/>
+        </a:xfrm>
+      </p:grpSpPr>
+      <p:sp>
+        <p:nvSpPr>
+          <p:cNvPr id="2" name="标题 1">
+            <a:extLst>
+              <a:ext uri="{FF2B5EF4-FFF2-40B4-BE49-F238E27FC236}">
+                <a16:creationId xmlns:a16="http://schemas.microsoft.com/office/drawing/2014/main" id="{72B06BC6-6D23-4871-B5CF-A8CED514C80F}"/>
+              </a:ext>
+            </a:extLst>
+          </p:cNvPr>
+          <p:cNvSpPr>
+            <a:spLocks noGrp="1"/>
+          </p:cNvSpPr>
+          <p:nvPr>
+            <p:ph type="title"/>
+          </p:nvPr>
+        </p:nvSpPr>
+        <p:spPr/>
+        <p:txBody>
+          <a:bodyPr/>
+          <a:lstStyle/>
+          <a:p>
+            <a:r>
+              <a:rPr lang="en-US" dirty="0"/>
+              <a:t>Modifications inside critical section bodies</a:t>
+            </a:r>
+          </a:p>
+        </p:txBody>
+      </p:sp>
+      <p:sp>
+        <p:nvSpPr>
+          <p:cNvPr id="3" name="内容占位符 2">
+            <a:extLst>
+              <a:ext uri="{FF2B5EF4-FFF2-40B4-BE49-F238E27FC236}">
+                <a16:creationId xmlns:a16="http://schemas.microsoft.com/office/drawing/2014/main" id="{137221E6-5FBE-4BB8-AD02-9A1EC1F73A5A}"/>
+              </a:ext>
+            </a:extLst>
+          </p:cNvPr>
+          <p:cNvSpPr>
+            <a:spLocks noGrp="1"/>
+          </p:cNvSpPr>
+          <p:nvPr>
+            <p:ph idx="1"/>
+          </p:nvPr>
+        </p:nvSpPr>
+        <p:spPr/>
+        <p:txBody>
+          <a:bodyPr/>
+          <a:lstStyle/>
+          <a:p>
+            <a:endParaRPr lang="en-US"/>
+          </a:p>
+        </p:txBody>
+      </p:sp>
+    </p:spTree>
+    <p:extLst>
+      <p:ext uri="{BB962C8B-B14F-4D97-AF65-F5344CB8AC3E}">
+        <p14:creationId xmlns:p14="http://schemas.microsoft.com/office/powerpoint/2010/main" val="1692918029"/>
+      </p:ext>
+    </p:extLst>
+  </p:cSld>
+  <p:clrMapOvr>
+    <a:masterClrMapping/>
+  </p:clrMapOvr>
+</p:sld>
+</file>
+
+<file path=ppt/slides/slide14.xml><?xml version="1.0" encoding="utf-8"?>
+<p:sld xmlns:a="http://schemas.openxmlformats.org/drawingml/2006/main" xmlns:r="http://schemas.openxmlformats.org/officeDocument/2006/relationships" xmlns:p="http://schemas.openxmlformats.org/presentationml/2006/main">
+  <p:cSld>
+    <p:spTree>
+      <p:nvGrpSpPr>
+        <p:cNvPr id="1" name=""/>
+        <p:cNvGrpSpPr/>
+        <p:nvPr/>
+      </p:nvGrpSpPr>
+      <p:grpSpPr>
+        <a:xfrm>
+          <a:off x="0" y="0"/>
+          <a:ext cx="0" cy="0"/>
+          <a:chOff x="0" y="0"/>
+          <a:chExt cx="0" cy="0"/>
+        </a:xfrm>
+      </p:grpSpPr>
+      <p:sp>
+        <p:nvSpPr>
+          <p:cNvPr id="2" name="标题 1">
+            <a:extLst>
+              <a:ext uri="{FF2B5EF4-FFF2-40B4-BE49-F238E27FC236}">
+                <a16:creationId xmlns:a16="http://schemas.microsoft.com/office/drawing/2014/main" id="{CA99931B-2904-411B-9D94-1AF46F8E0F73}"/>
+              </a:ext>
+            </a:extLst>
+          </p:cNvPr>
+          <p:cNvSpPr>
+            <a:spLocks noGrp="1"/>
+          </p:cNvSpPr>
+          <p:nvPr>
+            <p:ph type="title"/>
+          </p:nvPr>
+        </p:nvSpPr>
+        <p:spPr/>
+        <p:txBody>
+          <a:bodyPr/>
+          <a:lstStyle/>
+          <a:p>
+            <a:r>
+              <a:rPr lang="en-US" dirty="0"/>
+              <a:t>Changing the volatile keyword</a:t>
+            </a:r>
+          </a:p>
+        </p:txBody>
+      </p:sp>
+      <p:sp>
+        <p:nvSpPr>
+          <p:cNvPr id="3" name="内容占位符 2">
+            <a:extLst>
+              <a:ext uri="{FF2B5EF4-FFF2-40B4-BE49-F238E27FC236}">
+                <a16:creationId xmlns:a16="http://schemas.microsoft.com/office/drawing/2014/main" id="{7B57D373-1211-4606-AE20-06561F22713C}"/>
+              </a:ext>
+            </a:extLst>
+          </p:cNvPr>
+          <p:cNvSpPr>
+            <a:spLocks noGrp="1"/>
+          </p:cNvSpPr>
+          <p:nvPr>
+            <p:ph idx="1"/>
+          </p:nvPr>
+        </p:nvSpPr>
+        <p:spPr/>
+        <p:txBody>
+          <a:bodyPr/>
+          <a:lstStyle/>
+          <a:p>
+            <a:endParaRPr lang="en-US"/>
+          </a:p>
+        </p:txBody>
+      </p:sp>
+    </p:spTree>
+    <p:extLst>
+      <p:ext uri="{BB962C8B-B14F-4D97-AF65-F5344CB8AC3E}">
+        <p14:creationId xmlns:p14="http://schemas.microsoft.com/office/powerpoint/2010/main" val="2817891009"/>
+      </p:ext>
+    </p:extLst>
+  </p:cSld>
+  <p:clrMapOvr>
+    <a:masterClrMapping/>
+  </p:clrMapOvr>
+</p:sld>
+</file>
+
+<file path=ppt/slides/slide15.xml><?xml version="1.0" encoding="utf-8"?>
+<p:sld xmlns:a="http://schemas.openxmlformats.org/drawingml/2006/main" xmlns:r="http://schemas.openxmlformats.org/officeDocument/2006/relationships" xmlns:p="http://schemas.openxmlformats.org/presentationml/2006/main">
+  <p:cSld>
+    <p:spTree>
+      <p:nvGrpSpPr>
+        <p:cNvPr id="1" name=""/>
+        <p:cNvGrpSpPr/>
+        <p:nvPr/>
+      </p:nvGrpSpPr>
+      <p:grpSpPr>
+        <a:xfrm>
+          <a:off x="0" y="0"/>
+          <a:ext cx="0" cy="0"/>
+          <a:chOff x="0" y="0"/>
+          <a:chExt cx="0" cy="0"/>
+        </a:xfrm>
+      </p:grpSpPr>
+      <p:sp>
+        <p:nvSpPr>
+          <p:cNvPr id="2" name="标题 1">
+            <a:extLst>
+              <a:ext uri="{FF2B5EF4-FFF2-40B4-BE49-F238E27FC236}">
+                <a16:creationId xmlns:a16="http://schemas.microsoft.com/office/drawing/2014/main" id="{890C30DC-B1CF-43DC-B594-B0BE0A31E974}"/>
+              </a:ext>
+            </a:extLst>
+          </p:cNvPr>
+          <p:cNvSpPr>
+            <a:spLocks noGrp="1"/>
+          </p:cNvSpPr>
+          <p:nvPr>
+            <p:ph type="title"/>
+          </p:nvPr>
+        </p:nvSpPr>
+        <p:spPr/>
+        <p:txBody>
+          <a:bodyPr/>
+          <a:lstStyle/>
+          <a:p>
+            <a:r>
+              <a:rPr lang="en-US" dirty="0"/>
+              <a:t>Replacing self-written code with Parallel APIs</a:t>
+            </a:r>
+          </a:p>
+        </p:txBody>
+      </p:sp>
+      <p:sp>
+        <p:nvSpPr>
+          <p:cNvPr id="3" name="内容占位符 2">
+            <a:extLst>
+              <a:ext uri="{FF2B5EF4-FFF2-40B4-BE49-F238E27FC236}">
+                <a16:creationId xmlns:a16="http://schemas.microsoft.com/office/drawing/2014/main" id="{BAAD52DF-DD88-4CB6-9595-73C95C39F1D3}"/>
+              </a:ext>
+            </a:extLst>
+          </p:cNvPr>
+          <p:cNvSpPr>
+            <a:spLocks noGrp="1"/>
+          </p:cNvSpPr>
+          <p:nvPr>
+            <p:ph idx="1"/>
+          </p:nvPr>
+        </p:nvSpPr>
+        <p:spPr/>
+        <p:txBody>
+          <a:bodyPr/>
+          <a:lstStyle/>
+          <a:p>
+            <a:endParaRPr lang="en-US" dirty="0"/>
+          </a:p>
+        </p:txBody>
+      </p:sp>
+    </p:spTree>
+    <p:extLst>
+      <p:ext uri="{BB962C8B-B14F-4D97-AF65-F5344CB8AC3E}">
+        <p14:creationId xmlns:p14="http://schemas.microsoft.com/office/powerpoint/2010/main" val="1332754715"/>
+      </p:ext>
+    </p:extLst>
+  </p:cSld>
+  <p:clrMapOvr>
+    <a:masterClrMapping/>
+  </p:clrMapOvr>
+</p:sld>
+</file>
+
+<file path=ppt/slides/slide16.xml><?xml version="1.0" encoding="utf-8"?>
+<p:sld xmlns:a="http://schemas.openxmlformats.org/drawingml/2006/main" xmlns:r="http://schemas.openxmlformats.org/officeDocument/2006/relationships" xmlns:p="http://schemas.openxmlformats.org/presentationml/2006/main">
+  <p:cSld>
+    <p:spTree>
+      <p:nvGrpSpPr>
+        <p:cNvPr id="1" name=""/>
+        <p:cNvGrpSpPr/>
+        <p:nvPr/>
+      </p:nvGrpSpPr>
+      <p:grpSpPr>
+        <a:xfrm>
+          <a:off x="0" y="0"/>
+          <a:ext cx="0" cy="0"/>
+          <a:chOff x="0" y="0"/>
+          <a:chExt cx="0" cy="0"/>
+        </a:xfrm>
+      </p:grpSpPr>
+      <p:sp>
+        <p:nvSpPr>
+          <p:cNvPr id="2" name="标题 1">
+            <a:extLst>
+              <a:ext uri="{FF2B5EF4-FFF2-40B4-BE49-F238E27FC236}">
+                <a16:creationId xmlns:a16="http://schemas.microsoft.com/office/drawing/2014/main" id="{D91E2233-FB63-49E3-911C-B1CCF839AD31}"/>
+              </a:ext>
+            </a:extLst>
+          </p:cNvPr>
+          <p:cNvSpPr>
+            <a:spLocks noGrp="1"/>
+          </p:cNvSpPr>
+          <p:nvPr>
+            <p:ph type="title"/>
+          </p:nvPr>
+        </p:nvSpPr>
+        <p:spPr/>
+        <p:txBody>
+          <a:bodyPr/>
+          <a:lstStyle/>
+          <a:p>
+            <a:r>
+              <a:rPr lang="en-US" dirty="0"/>
+              <a:t>Results - RQ2</a:t>
+            </a:r>
+          </a:p>
+        </p:txBody>
+      </p:sp>
+      <p:sp>
+        <p:nvSpPr>
+          <p:cNvPr id="3" name="内容占位符 2">
+            <a:extLst>
+              <a:ext uri="{FF2B5EF4-FFF2-40B4-BE49-F238E27FC236}">
+                <a16:creationId xmlns:a16="http://schemas.microsoft.com/office/drawing/2014/main" id="{4D11BC15-7859-4B31-BD53-38D19F24A9B8}"/>
+              </a:ext>
+            </a:extLst>
+          </p:cNvPr>
+          <p:cNvSpPr>
+            <a:spLocks noGrp="1"/>
+          </p:cNvSpPr>
+          <p:nvPr>
+            <p:ph idx="1"/>
+          </p:nvPr>
+        </p:nvSpPr>
+        <p:spPr/>
+        <p:txBody>
+          <a:bodyPr/>
+          <a:lstStyle/>
+          <a:p>
+            <a:r>
+              <a:rPr lang="en-US" dirty="0"/>
+              <a:t>2 of 3 pull requests are accepted</a:t>
+            </a:r>
+          </a:p>
+        </p:txBody>
+      </p:sp>
+    </p:spTree>
+    <p:extLst>
+      <p:ext uri="{BB962C8B-B14F-4D97-AF65-F5344CB8AC3E}">
+        <p14:creationId xmlns:p14="http://schemas.microsoft.com/office/powerpoint/2010/main" val="320273518"/>
+      </p:ext>
+    </p:extLst>
+  </p:cSld>
+  <p:clrMapOvr>
+    <a:masterClrMapping/>
+  </p:clrMapOvr>
+</p:sld>
+</file>
+
 <file path=ppt/slides/slide2.xml><?xml version="1.0" encoding="utf-8"?>
 <p:sld xmlns:a="http://schemas.openxmlformats.org/drawingml/2006/main" xmlns:r="http://schemas.openxmlformats.org/officeDocument/2006/relationships" xmlns:p="http://schemas.openxmlformats.org/presentationml/2006/main">
   <p:cSld>
@@ -3514,14 +4134,14 @@
           <a:p>
             <a:r>
               <a:rPr lang="en-US" dirty="0"/>
-              <a:t>Software maintenance is expensive</a:t>
+              <a:t>Software maintenance</a:t>
             </a:r>
           </a:p>
           <a:p>
             <a:pPr lvl="1"/>
             <a:r>
               <a:rPr lang="en-US" dirty="0"/>
-              <a:t>Almost 80% of whole budget</a:t>
+              <a:t>Expensive, almost 80% of whole budget</a:t>
             </a:r>
           </a:p>
           <a:p>
@@ -3534,27 +4154,21 @@
           <a:p>
             <a:r>
               <a:rPr lang="en-US" dirty="0"/>
-              <a:t>Concurrent programming is pervasive</a:t>
+              <a:t>Concurrent programming</a:t>
             </a:r>
           </a:p>
           <a:p>
             <a:pPr lvl="1"/>
             <a:r>
               <a:rPr lang="en-US" dirty="0"/>
-              <a:t>Employed by more than 75% of projects of a recent study</a:t>
-            </a:r>
-          </a:p>
-          <a:p>
+              <a:t>Pervasive, employed by more than 75% of projects of a recent study</a:t>
+            </a:r>
+          </a:p>
+          <a:p>
+            <a:pPr lvl="1"/>
             <a:r>
               <a:rPr lang="en-US" dirty="0"/>
-              <a:t>Concurrent programming is difficult</a:t>
-            </a:r>
-          </a:p>
-          <a:p>
-            <a:pPr lvl="1"/>
-            <a:r>
-              <a:rPr lang="en-US" dirty="0"/>
-              <a:t>Error-prone</a:t>
+              <a:t>Difficult, Error-prone, e.g. race, deadlock, etc.</a:t>
             </a:r>
           </a:p>
           <a:p>
@@ -3600,7 +4214,7 @@
           <p:cNvPr id="2" name="标题 1">
             <a:extLst>
               <a:ext uri="{FF2B5EF4-FFF2-40B4-BE49-F238E27FC236}">
-                <a16:creationId xmlns:a16="http://schemas.microsoft.com/office/drawing/2014/main" id="{4C5133D9-7400-4CDF-AD34-BF3C76036403}"/>
+                <a16:creationId xmlns:a16="http://schemas.microsoft.com/office/drawing/2014/main" id="{8322C722-5730-49E1-82D8-775D0B241630}"/>
               </a:ext>
             </a:extLst>
           </p:cNvPr>
@@ -3618,7 +4232,7 @@
           <a:p>
             <a:r>
               <a:rPr lang="en-US" dirty="0"/>
-              <a:t>Research Questions</a:t>
+              <a:t>Background</a:t>
             </a:r>
           </a:p>
         </p:txBody>
@@ -3628,7 +4242,7 @@
           <p:cNvPr id="3" name="内容占位符 2">
             <a:extLst>
               <a:ext uri="{FF2B5EF4-FFF2-40B4-BE49-F238E27FC236}">
-                <a16:creationId xmlns:a16="http://schemas.microsoft.com/office/drawing/2014/main" id="{270FDC99-894F-4369-8E48-7666FF1E5546}"/>
+                <a16:creationId xmlns:a16="http://schemas.microsoft.com/office/drawing/2014/main" id="{4AE946D8-C643-43E2-B170-E0A3DE5AA3E1}"/>
               </a:ext>
             </a:extLst>
           </p:cNvPr>
@@ -3646,24 +4260,26 @@
           <a:p>
             <a:r>
               <a:rPr lang="en-US" dirty="0"/>
-              <a:t>RQ1. What change patterns are followed when programmers maintain concurrent code?</a:t>
-            </a:r>
+              <a:t>A recent study investigated </a:t>
+            </a:r>
+            <a:r>
+              <a:rPr lang="fr-FR" dirty="0"/>
+              <a:t>how programmers maintain concurrent code. They sampled 25 commits.</a:t>
+            </a:r>
+            <a:endParaRPr lang="en-US" dirty="0"/>
           </a:p>
           <a:p>
             <a:r>
               <a:rPr lang="en-US" dirty="0"/>
-              <a:t>RQ2. How useful are our extracted change patterns, when programmers maintain concurrent code?</a:t>
-            </a:r>
-          </a:p>
-          <a:p>
-            <a:endParaRPr lang="en-US" dirty="0"/>
+              <a:t>Another study explored transformation patterns during software maintenance. They do not touch concurrent code.</a:t>
+            </a:r>
           </a:p>
         </p:txBody>
       </p:sp>
     </p:spTree>
     <p:extLst>
       <p:ext uri="{BB962C8B-B14F-4D97-AF65-F5344CB8AC3E}">
-        <p14:creationId xmlns:p14="http://schemas.microsoft.com/office/powerpoint/2010/main" val="2034817437"/>
+        <p14:creationId xmlns:p14="http://schemas.microsoft.com/office/powerpoint/2010/main" val="2612386675"/>
       </p:ext>
     </p:extLst>
   </p:cSld>
@@ -3695,7 +4311,726 @@
           <p:cNvPr id="2" name="标题 1">
             <a:extLst>
               <a:ext uri="{FF2B5EF4-FFF2-40B4-BE49-F238E27FC236}">
-                <a16:creationId xmlns:a16="http://schemas.microsoft.com/office/drawing/2014/main" id="{4CBE08AB-3DE0-4A1C-9B71-7E55ED13EDD8}"/>
+                <a16:creationId xmlns:a16="http://schemas.microsoft.com/office/drawing/2014/main" id="{086E88EA-FE0A-4432-B682-B5B6B145382B}"/>
+              </a:ext>
+            </a:extLst>
+          </p:cNvPr>
+          <p:cNvSpPr>
+            <a:spLocks noGrp="1"/>
+          </p:cNvSpPr>
+          <p:nvPr>
+            <p:ph type="title"/>
+          </p:nvPr>
+        </p:nvSpPr>
+        <p:spPr/>
+        <p:txBody>
+          <a:bodyPr/>
+          <a:lstStyle/>
+          <a:p>
+            <a:r>
+              <a:rPr lang="en-US" dirty="0"/>
+              <a:t>Example</a:t>
+            </a:r>
+          </a:p>
+        </p:txBody>
+      </p:sp>
+      <p:sp>
+        <p:nvSpPr>
+          <p:cNvPr id="3" name="内容占位符 2">
+            <a:extLst>
+              <a:ext uri="{FF2B5EF4-FFF2-40B4-BE49-F238E27FC236}">
+                <a16:creationId xmlns:a16="http://schemas.microsoft.com/office/drawing/2014/main" id="{25F67B0E-5C28-496C-8D16-D19F7405A02F}"/>
+              </a:ext>
+            </a:extLst>
+          </p:cNvPr>
+          <p:cNvSpPr>
+            <a:spLocks noGrp="1"/>
+          </p:cNvSpPr>
+          <p:nvPr>
+            <p:ph idx="1"/>
+          </p:nvPr>
+        </p:nvSpPr>
+        <p:spPr/>
+        <p:txBody>
+          <a:bodyPr/>
+          <a:lstStyle/>
+          <a:p>
+            <a:r>
+              <a:rPr lang="en-US" dirty="0"/>
+              <a:t>Hadoop - commit 4a1acf</a:t>
+            </a:r>
+          </a:p>
+        </p:txBody>
+      </p:sp>
+      <p:sp>
+        <p:nvSpPr>
+          <p:cNvPr id="4" name="文本框 3">
+            <a:extLst>
+              <a:ext uri="{FF2B5EF4-FFF2-40B4-BE49-F238E27FC236}">
+                <a16:creationId xmlns:a16="http://schemas.microsoft.com/office/drawing/2014/main" id="{1807069D-9BBA-4D06-ACA8-DB92A677C1AC}"/>
+              </a:ext>
+            </a:extLst>
+          </p:cNvPr>
+          <p:cNvSpPr txBox="1"/>
+          <p:nvPr/>
+        </p:nvSpPr>
+        <p:spPr>
+          <a:xfrm>
+            <a:off x="838201" y="2453004"/>
+            <a:ext cx="10515600" cy="2800767"/>
+          </a:xfrm>
+          <a:prstGeom prst="rect">
+            <a:avLst/>
+          </a:prstGeom>
+        </p:spPr>
+        <p:style>
+          <a:lnRef idx="2">
+            <a:schemeClr val="dk1"/>
+          </a:lnRef>
+          <a:fillRef idx="1">
+            <a:schemeClr val="lt1"/>
+          </a:fillRef>
+          <a:effectRef idx="0">
+            <a:schemeClr val="dk1"/>
+          </a:effectRef>
+          <a:fontRef idx="minor">
+            <a:schemeClr val="dk1"/>
+          </a:fontRef>
+        </p:style>
+        <p:txBody>
+          <a:bodyPr wrap="square" rtlCol="0">
+            <a:spAutoFit/>
+          </a:bodyPr>
+          <a:lstStyle/>
+          <a:p>
+            <a:r>
+              <a:rPr lang="en-US" sz="2200" dirty="0">
+                <a:solidFill>
+                  <a:srgbClr val="FF0000"/>
+                </a:solidFill>
+                <a:latin typeface="Consolas" panose="020B0609020204030204" pitchFamily="49" charset="0"/>
+              </a:rPr>
+              <a:t>-    </a:t>
+            </a:r>
+            <a:r>
+              <a:rPr lang="en-US" sz="2200" dirty="0" err="1">
+                <a:solidFill>
+                  <a:srgbClr val="FF0000"/>
+                </a:solidFill>
+                <a:latin typeface="Consolas" panose="020B0609020204030204" pitchFamily="49" charset="0"/>
+              </a:rPr>
+              <a:t>PortmapMapping</a:t>
+            </a:r>
+            <a:r>
+              <a:rPr lang="en-US" sz="2200" dirty="0">
+                <a:solidFill>
+                  <a:srgbClr val="FF0000"/>
+                </a:solidFill>
+                <a:latin typeface="Consolas" panose="020B0609020204030204" pitchFamily="49" charset="0"/>
+              </a:rPr>
+              <a:t> value = null;</a:t>
+            </a:r>
+          </a:p>
+          <a:p>
+            <a:r>
+              <a:rPr lang="en-US" sz="2200" dirty="0">
+                <a:solidFill>
+                  <a:srgbClr val="FF0000"/>
+                </a:solidFill>
+                <a:latin typeface="Consolas" panose="020B0609020204030204" pitchFamily="49" charset="0"/>
+              </a:rPr>
+              <a:t>-    synchronized(this) {</a:t>
+            </a:r>
+          </a:p>
+          <a:p>
+            <a:r>
+              <a:rPr lang="en-US" sz="2200" dirty="0">
+                <a:solidFill>
+                  <a:srgbClr val="FF0000"/>
+                </a:solidFill>
+                <a:latin typeface="Consolas" panose="020B0609020204030204" pitchFamily="49" charset="0"/>
+              </a:rPr>
+              <a:t>-      </a:t>
+            </a:r>
+            <a:r>
+              <a:rPr lang="en-US" sz="2200" dirty="0" err="1">
+                <a:solidFill>
+                  <a:srgbClr val="FF0000"/>
+                </a:solidFill>
+                <a:latin typeface="Consolas" panose="020B0609020204030204" pitchFamily="49" charset="0"/>
+              </a:rPr>
+              <a:t>map.put</a:t>
+            </a:r>
+            <a:r>
+              <a:rPr lang="en-US" sz="2200" dirty="0">
+                <a:solidFill>
+                  <a:srgbClr val="FF0000"/>
+                </a:solidFill>
+                <a:latin typeface="Consolas" panose="020B0609020204030204" pitchFamily="49" charset="0"/>
+              </a:rPr>
+              <a:t>(key, mapping);</a:t>
+            </a:r>
+          </a:p>
+          <a:p>
+            <a:r>
+              <a:rPr lang="en-US" sz="2200" dirty="0">
+                <a:solidFill>
+                  <a:srgbClr val="FF0000"/>
+                </a:solidFill>
+                <a:latin typeface="Consolas" panose="020B0609020204030204" pitchFamily="49" charset="0"/>
+              </a:rPr>
+              <a:t>-      value = </a:t>
+            </a:r>
+            <a:r>
+              <a:rPr lang="en-US" sz="2200" dirty="0" err="1">
+                <a:solidFill>
+                  <a:srgbClr val="FF0000"/>
+                </a:solidFill>
+                <a:latin typeface="Consolas" panose="020B0609020204030204" pitchFamily="49" charset="0"/>
+              </a:rPr>
+              <a:t>map.get</a:t>
+            </a:r>
+            <a:r>
+              <a:rPr lang="en-US" sz="2200" dirty="0">
+                <a:solidFill>
+                  <a:srgbClr val="FF0000"/>
+                </a:solidFill>
+                <a:latin typeface="Consolas" panose="020B0609020204030204" pitchFamily="49" charset="0"/>
+              </a:rPr>
+              <a:t>(key);</a:t>
+            </a:r>
+          </a:p>
+          <a:p>
+            <a:r>
+              <a:rPr lang="en-US" sz="2200" dirty="0">
+                <a:solidFill>
+                  <a:srgbClr val="FF0000"/>
+                </a:solidFill>
+                <a:latin typeface="Consolas" panose="020B0609020204030204" pitchFamily="49" charset="0"/>
+              </a:rPr>
+              <a:t>-    }  </a:t>
+            </a:r>
+          </a:p>
+          <a:p>
+            <a:r>
+              <a:rPr lang="en-US" sz="2200" dirty="0">
+                <a:solidFill>
+                  <a:srgbClr val="FF0000"/>
+                </a:solidFill>
+                <a:latin typeface="Consolas" panose="020B0609020204030204" pitchFamily="49" charset="0"/>
+              </a:rPr>
+              <a:t>-    return </a:t>
+            </a:r>
+            <a:r>
+              <a:rPr lang="en-US" sz="2200" dirty="0" err="1">
+                <a:solidFill>
+                  <a:srgbClr val="FF0000"/>
+                </a:solidFill>
+                <a:latin typeface="Consolas" panose="020B0609020204030204" pitchFamily="49" charset="0"/>
+              </a:rPr>
+              <a:t>PortmapResponse.intReply</a:t>
+            </a:r>
+            <a:r>
+              <a:rPr lang="en-US" sz="2200" dirty="0">
+                <a:solidFill>
+                  <a:srgbClr val="FF0000"/>
+                </a:solidFill>
+                <a:latin typeface="Consolas" panose="020B0609020204030204" pitchFamily="49" charset="0"/>
+              </a:rPr>
+              <a:t>(out, </a:t>
+            </a:r>
+            <a:r>
+              <a:rPr lang="en-US" sz="2200" dirty="0" err="1">
+                <a:solidFill>
+                  <a:srgbClr val="FF0000"/>
+                </a:solidFill>
+                <a:latin typeface="Consolas" panose="020B0609020204030204" pitchFamily="49" charset="0"/>
+              </a:rPr>
+              <a:t>xid</a:t>
+            </a:r>
+            <a:r>
+              <a:rPr lang="en-US" sz="2200" dirty="0">
+                <a:solidFill>
+                  <a:srgbClr val="FF0000"/>
+                </a:solidFill>
+                <a:latin typeface="Consolas" panose="020B0609020204030204" pitchFamily="49" charset="0"/>
+              </a:rPr>
+              <a:t>, </a:t>
+            </a:r>
+            <a:r>
+              <a:rPr lang="en-US" sz="2200" dirty="0" err="1">
+                <a:solidFill>
+                  <a:srgbClr val="FF0000"/>
+                </a:solidFill>
+                <a:latin typeface="Consolas" panose="020B0609020204030204" pitchFamily="49" charset="0"/>
+              </a:rPr>
+              <a:t>value.getPort</a:t>
+            </a:r>
+            <a:r>
+              <a:rPr lang="en-US" sz="2200" dirty="0">
+                <a:solidFill>
+                  <a:srgbClr val="FF0000"/>
+                </a:solidFill>
+                <a:latin typeface="Consolas" panose="020B0609020204030204" pitchFamily="49" charset="0"/>
+              </a:rPr>
+              <a:t>());</a:t>
+            </a:r>
+          </a:p>
+          <a:p>
+            <a:r>
+              <a:rPr lang="en-US" sz="2200" dirty="0">
+                <a:solidFill>
+                  <a:srgbClr val="0070C0"/>
+                </a:solidFill>
+                <a:latin typeface="Consolas" panose="020B0609020204030204" pitchFamily="49" charset="0"/>
+              </a:rPr>
+              <a:t>+    </a:t>
+            </a:r>
+            <a:r>
+              <a:rPr lang="en-US" sz="2200" dirty="0" err="1">
+                <a:solidFill>
+                  <a:srgbClr val="0070C0"/>
+                </a:solidFill>
+                <a:latin typeface="Consolas" panose="020B0609020204030204" pitchFamily="49" charset="0"/>
+              </a:rPr>
+              <a:t>map.put</a:t>
+            </a:r>
+            <a:r>
+              <a:rPr lang="en-US" sz="2200" dirty="0">
+                <a:solidFill>
+                  <a:srgbClr val="0070C0"/>
+                </a:solidFill>
+                <a:latin typeface="Consolas" panose="020B0609020204030204" pitchFamily="49" charset="0"/>
+              </a:rPr>
+              <a:t>(key, mapping);</a:t>
+            </a:r>
+          </a:p>
+          <a:p>
+            <a:r>
+              <a:rPr lang="en-US" sz="2200" dirty="0">
+                <a:solidFill>
+                  <a:srgbClr val="0070C0"/>
+                </a:solidFill>
+                <a:latin typeface="Consolas" panose="020B0609020204030204" pitchFamily="49" charset="0"/>
+              </a:rPr>
+              <a:t>+    return </a:t>
+            </a:r>
+            <a:r>
+              <a:rPr lang="en-US" sz="2200" dirty="0" err="1">
+                <a:solidFill>
+                  <a:srgbClr val="0070C0"/>
+                </a:solidFill>
+                <a:latin typeface="Consolas" panose="020B0609020204030204" pitchFamily="49" charset="0"/>
+              </a:rPr>
+              <a:t>PortmapResponse.intReply</a:t>
+            </a:r>
+            <a:r>
+              <a:rPr lang="en-US" sz="2200" dirty="0">
+                <a:solidFill>
+                  <a:srgbClr val="0070C0"/>
+                </a:solidFill>
+                <a:latin typeface="Consolas" panose="020B0609020204030204" pitchFamily="49" charset="0"/>
+              </a:rPr>
+              <a:t>(out, </a:t>
+            </a:r>
+            <a:r>
+              <a:rPr lang="en-US" sz="2200" dirty="0" err="1">
+                <a:solidFill>
+                  <a:srgbClr val="0070C0"/>
+                </a:solidFill>
+                <a:latin typeface="Consolas" panose="020B0609020204030204" pitchFamily="49" charset="0"/>
+              </a:rPr>
+              <a:t>xid</a:t>
+            </a:r>
+            <a:r>
+              <a:rPr lang="en-US" sz="2200" dirty="0">
+                <a:solidFill>
+                  <a:srgbClr val="0070C0"/>
+                </a:solidFill>
+                <a:latin typeface="Consolas" panose="020B0609020204030204" pitchFamily="49" charset="0"/>
+              </a:rPr>
+              <a:t>, </a:t>
+            </a:r>
+            <a:r>
+              <a:rPr lang="en-US" sz="2200" dirty="0" err="1">
+                <a:solidFill>
+                  <a:srgbClr val="0070C0"/>
+                </a:solidFill>
+                <a:latin typeface="Consolas" panose="020B0609020204030204" pitchFamily="49" charset="0"/>
+              </a:rPr>
+              <a:t>mapping.getPort</a:t>
+            </a:r>
+            <a:r>
+              <a:rPr lang="en-US" sz="2200" dirty="0">
+                <a:solidFill>
+                  <a:srgbClr val="0070C0"/>
+                </a:solidFill>
+                <a:latin typeface="Consolas" panose="020B0609020204030204" pitchFamily="49" charset="0"/>
+              </a:rPr>
+              <a:t>());</a:t>
+            </a:r>
+          </a:p>
+        </p:txBody>
+      </p:sp>
+    </p:spTree>
+    <p:extLst>
+      <p:ext uri="{BB962C8B-B14F-4D97-AF65-F5344CB8AC3E}">
+        <p14:creationId xmlns:p14="http://schemas.microsoft.com/office/powerpoint/2010/main" val="2443007036"/>
+      </p:ext>
+    </p:extLst>
+  </p:cSld>
+  <p:clrMapOvr>
+    <a:masterClrMapping/>
+  </p:clrMapOvr>
+</p:sld>
+</file>
+
+<file path=ppt/slides/slide5.xml><?xml version="1.0" encoding="utf-8"?>
+<p:sld xmlns:a="http://schemas.openxmlformats.org/drawingml/2006/main" xmlns:r="http://schemas.openxmlformats.org/officeDocument/2006/relationships" xmlns:p="http://schemas.openxmlformats.org/presentationml/2006/main">
+  <p:cSld>
+    <p:spTree>
+      <p:nvGrpSpPr>
+        <p:cNvPr id="1" name=""/>
+        <p:cNvGrpSpPr/>
+        <p:nvPr/>
+      </p:nvGrpSpPr>
+      <p:grpSpPr>
+        <a:xfrm>
+          <a:off x="0" y="0"/>
+          <a:ext cx="0" cy="0"/>
+          <a:chOff x="0" y="0"/>
+          <a:chExt cx="0" cy="0"/>
+        </a:xfrm>
+      </p:grpSpPr>
+      <p:sp>
+        <p:nvSpPr>
+          <p:cNvPr id="2" name="标题 1">
+            <a:extLst>
+              <a:ext uri="{FF2B5EF4-FFF2-40B4-BE49-F238E27FC236}">
+                <a16:creationId xmlns:a16="http://schemas.microsoft.com/office/drawing/2014/main" id="{C46EE09E-EDAC-4261-A451-48BB8D97215C}"/>
+              </a:ext>
+            </a:extLst>
+          </p:cNvPr>
+          <p:cNvSpPr>
+            <a:spLocks noGrp="1"/>
+          </p:cNvSpPr>
+          <p:nvPr>
+            <p:ph type="title"/>
+          </p:nvPr>
+        </p:nvSpPr>
+        <p:spPr/>
+        <p:txBody>
+          <a:bodyPr/>
+          <a:lstStyle/>
+          <a:p>
+            <a:r>
+              <a:rPr lang="en-US" dirty="0"/>
+              <a:t>Benefit</a:t>
+            </a:r>
+          </a:p>
+        </p:txBody>
+      </p:sp>
+      <p:sp>
+        <p:nvSpPr>
+          <p:cNvPr id="3" name="内容占位符 2">
+            <a:extLst>
+              <a:ext uri="{FF2B5EF4-FFF2-40B4-BE49-F238E27FC236}">
+                <a16:creationId xmlns:a16="http://schemas.microsoft.com/office/drawing/2014/main" id="{631194A0-BB9A-40AD-8771-3CD4142A4C1C}"/>
+              </a:ext>
+            </a:extLst>
+          </p:cNvPr>
+          <p:cNvSpPr>
+            <a:spLocks noGrp="1"/>
+          </p:cNvSpPr>
+          <p:nvPr>
+            <p:ph idx="1"/>
+          </p:nvPr>
+        </p:nvSpPr>
+        <p:spPr/>
+        <p:txBody>
+          <a:bodyPr/>
+          <a:lstStyle/>
+          <a:p>
+            <a:r>
+              <a:rPr lang="en-US" dirty="0"/>
+              <a:t>The results can deepen the knowledge on how to maintain concurrent code</a:t>
+            </a:r>
+          </a:p>
+          <a:p>
+            <a:pPr lvl="1"/>
+            <a:r>
+              <a:rPr lang="en-US" dirty="0"/>
+              <a:t>Threading / initialization issues. Not all were valid. Make them volatile anyway so </a:t>
+            </a:r>
+            <a:r>
+              <a:rPr lang="en-US" dirty="0" err="1"/>
+              <a:t>FindBugs</a:t>
+            </a:r>
+            <a:r>
+              <a:rPr lang="en-US" dirty="0"/>
+              <a:t> doesn’t complain. (A commit message of Tomcat)</a:t>
+            </a:r>
+          </a:p>
+          <a:p>
+            <a:r>
+              <a:rPr lang="en-US" dirty="0"/>
+              <a:t>The results can be useful to improve existing tools</a:t>
+            </a:r>
+          </a:p>
+          <a:p>
+            <a:pPr lvl="1"/>
+            <a:r>
+              <a:rPr lang="en-US" dirty="0"/>
+              <a:t>Apply our extract change patterns to update concurrent code automatically</a:t>
+            </a:r>
+          </a:p>
+        </p:txBody>
+      </p:sp>
+    </p:spTree>
+    <p:extLst>
+      <p:ext uri="{BB962C8B-B14F-4D97-AF65-F5344CB8AC3E}">
+        <p14:creationId xmlns:p14="http://schemas.microsoft.com/office/powerpoint/2010/main" val="3996458760"/>
+      </p:ext>
+    </p:extLst>
+  </p:cSld>
+  <p:clrMapOvr>
+    <a:masterClrMapping/>
+  </p:clrMapOvr>
+</p:sld>
+</file>
+
+<file path=ppt/slides/slide6.xml><?xml version="1.0" encoding="utf-8"?>
+<p:sld xmlns:a="http://schemas.openxmlformats.org/drawingml/2006/main" xmlns:r="http://schemas.openxmlformats.org/officeDocument/2006/relationships" xmlns:p="http://schemas.openxmlformats.org/presentationml/2006/main">
+  <p:cSld>
+    <p:spTree>
+      <p:nvGrpSpPr>
+        <p:cNvPr id="1" name=""/>
+        <p:cNvGrpSpPr/>
+        <p:nvPr/>
+      </p:nvGrpSpPr>
+      <p:grpSpPr>
+        <a:xfrm>
+          <a:off x="0" y="0"/>
+          <a:ext cx="0" cy="0"/>
+          <a:chOff x="0" y="0"/>
+          <a:chExt cx="0" cy="0"/>
+        </a:xfrm>
+      </p:grpSpPr>
+      <p:sp>
+        <p:nvSpPr>
+          <p:cNvPr id="2" name="标题 1">
+            <a:extLst>
+              <a:ext uri="{FF2B5EF4-FFF2-40B4-BE49-F238E27FC236}">
+                <a16:creationId xmlns:a16="http://schemas.microsoft.com/office/drawing/2014/main" id="{767D974D-3553-448D-8910-6B6969B6912D}"/>
+              </a:ext>
+            </a:extLst>
+          </p:cNvPr>
+          <p:cNvSpPr>
+            <a:spLocks noGrp="1"/>
+          </p:cNvSpPr>
+          <p:nvPr>
+            <p:ph type="title"/>
+          </p:nvPr>
+        </p:nvSpPr>
+        <p:spPr/>
+        <p:txBody>
+          <a:bodyPr/>
+          <a:lstStyle/>
+          <a:p>
+            <a:r>
+              <a:rPr lang="en-US" dirty="0"/>
+              <a:t>Challenge</a:t>
+            </a:r>
+          </a:p>
+        </p:txBody>
+      </p:sp>
+      <p:sp>
+        <p:nvSpPr>
+          <p:cNvPr id="3" name="内容占位符 2">
+            <a:extLst>
+              <a:ext uri="{FF2B5EF4-FFF2-40B4-BE49-F238E27FC236}">
+                <a16:creationId xmlns:a16="http://schemas.microsoft.com/office/drawing/2014/main" id="{8535D117-A2A9-4F7A-8844-8DE6EAD3B8B2}"/>
+              </a:ext>
+            </a:extLst>
+          </p:cNvPr>
+          <p:cNvSpPr>
+            <a:spLocks noGrp="1"/>
+          </p:cNvSpPr>
+          <p:nvPr>
+            <p:ph idx="1"/>
+          </p:nvPr>
+        </p:nvSpPr>
+        <p:spPr/>
+        <p:txBody>
+          <a:bodyPr/>
+          <a:lstStyle/>
+          <a:p>
+            <a:r>
+              <a:rPr lang="en-US" dirty="0"/>
+              <a:t>It is tedious to manually collect many concurrency-related code changes for analysis</a:t>
+            </a:r>
+          </a:p>
+          <a:p>
+            <a:r>
+              <a:rPr lang="en-US" dirty="0"/>
+              <a:t>The changes on concurrent code can be complicated</a:t>
+            </a:r>
+            <a:br>
+              <a:rPr lang="en-US" dirty="0"/>
+            </a:br>
+            <a:endParaRPr lang="en-US" dirty="0"/>
+          </a:p>
+        </p:txBody>
+      </p:sp>
+    </p:spTree>
+    <p:extLst>
+      <p:ext uri="{BB962C8B-B14F-4D97-AF65-F5344CB8AC3E}">
+        <p14:creationId xmlns:p14="http://schemas.microsoft.com/office/powerpoint/2010/main" val="1483108571"/>
+      </p:ext>
+    </p:extLst>
+  </p:cSld>
+  <p:clrMapOvr>
+    <a:masterClrMapping/>
+  </p:clrMapOvr>
+</p:sld>
+</file>
+
+<file path=ppt/slides/slide7.xml><?xml version="1.0" encoding="utf-8"?>
+<p:sld xmlns:a="http://schemas.openxmlformats.org/drawingml/2006/main" xmlns:r="http://schemas.openxmlformats.org/officeDocument/2006/relationships" xmlns:p="http://schemas.openxmlformats.org/presentationml/2006/main">
+  <p:cSld>
+    <p:spTree>
+      <p:nvGrpSpPr>
+        <p:cNvPr id="1" name=""/>
+        <p:cNvGrpSpPr/>
+        <p:nvPr/>
+      </p:nvGrpSpPr>
+      <p:grpSpPr>
+        <a:xfrm>
+          <a:off x="0" y="0"/>
+          <a:ext cx="0" cy="0"/>
+          <a:chOff x="0" y="0"/>
+          <a:chExt cx="0" cy="0"/>
+        </a:xfrm>
+      </p:grpSpPr>
+      <p:sp>
+        <p:nvSpPr>
+          <p:cNvPr id="2" name="标题 1">
+            <a:extLst>
+              <a:ext uri="{FF2B5EF4-FFF2-40B4-BE49-F238E27FC236}">
+                <a16:creationId xmlns:a16="http://schemas.microsoft.com/office/drawing/2014/main" id="{4C5133D9-7400-4CDF-AD34-BF3C76036403}"/>
+              </a:ext>
+            </a:extLst>
+          </p:cNvPr>
+          <p:cNvSpPr>
+            <a:spLocks noGrp="1"/>
+          </p:cNvSpPr>
+          <p:nvPr>
+            <p:ph type="title"/>
+          </p:nvPr>
+        </p:nvSpPr>
+        <p:spPr/>
+        <p:txBody>
+          <a:bodyPr/>
+          <a:lstStyle/>
+          <a:p>
+            <a:r>
+              <a:rPr lang="en-US" dirty="0"/>
+              <a:t>Research Questions</a:t>
+            </a:r>
+          </a:p>
+        </p:txBody>
+      </p:sp>
+      <p:sp>
+        <p:nvSpPr>
+          <p:cNvPr id="3" name="内容占位符 2">
+            <a:extLst>
+              <a:ext uri="{FF2B5EF4-FFF2-40B4-BE49-F238E27FC236}">
+                <a16:creationId xmlns:a16="http://schemas.microsoft.com/office/drawing/2014/main" id="{270FDC99-894F-4369-8E48-7666FF1E5546}"/>
+              </a:ext>
+            </a:extLst>
+          </p:cNvPr>
+          <p:cNvSpPr>
+            <a:spLocks noGrp="1"/>
+          </p:cNvSpPr>
+          <p:nvPr>
+            <p:ph idx="1"/>
+          </p:nvPr>
+        </p:nvSpPr>
+        <p:spPr/>
+        <p:txBody>
+          <a:bodyPr/>
+          <a:lstStyle/>
+          <a:p>
+            <a:r>
+              <a:rPr lang="en-US" dirty="0"/>
+              <a:t>RQ1. What change patterns are followed when programmers maintain concurrent code?</a:t>
+            </a:r>
+          </a:p>
+          <a:p>
+            <a:pPr lvl="1"/>
+            <a:r>
+              <a:rPr lang="en-US" dirty="0"/>
+              <a:t>Abstract description of similar code changes that appear many times in code revision history</a:t>
+            </a:r>
+          </a:p>
+          <a:p>
+            <a:r>
+              <a:rPr lang="en-US" dirty="0"/>
+              <a:t>RQ2. How useful are our extracted change patterns, when programmers maintain concurrent code?</a:t>
+            </a:r>
+          </a:p>
+          <a:p>
+            <a:pPr lvl="1"/>
+            <a:r>
+              <a:rPr lang="en-US" dirty="0"/>
+              <a:t>Search matching code, apply change patterns </a:t>
+            </a:r>
+            <a:br>
+              <a:rPr lang="en-US" dirty="0"/>
+            </a:br>
+            <a:endParaRPr lang="en-US" dirty="0"/>
+          </a:p>
+          <a:p>
+            <a:endParaRPr lang="en-US" dirty="0"/>
+          </a:p>
+        </p:txBody>
+      </p:sp>
+    </p:spTree>
+    <p:extLst>
+      <p:ext uri="{BB962C8B-B14F-4D97-AF65-F5344CB8AC3E}">
+        <p14:creationId xmlns:p14="http://schemas.microsoft.com/office/powerpoint/2010/main" val="2034817437"/>
+      </p:ext>
+    </p:extLst>
+  </p:cSld>
+  <p:clrMapOvr>
+    <a:masterClrMapping/>
+  </p:clrMapOvr>
+</p:sld>
+</file>
+
+<file path=ppt/slides/slide8.xml><?xml version="1.0" encoding="utf-8"?>
+<p:sld xmlns:a="http://schemas.openxmlformats.org/drawingml/2006/main" xmlns:r="http://schemas.openxmlformats.org/officeDocument/2006/relationships" xmlns:p="http://schemas.openxmlformats.org/presentationml/2006/main">
+  <p:cSld>
+    <p:spTree>
+      <p:nvGrpSpPr>
+        <p:cNvPr id="1" name=""/>
+        <p:cNvGrpSpPr/>
+        <p:nvPr/>
+      </p:nvGrpSpPr>
+      <p:grpSpPr>
+        <a:xfrm>
+          <a:off x="0" y="0"/>
+          <a:ext cx="0" cy="0"/>
+          <a:chOff x="0" y="0"/>
+          <a:chExt cx="0" cy="0"/>
+        </a:xfrm>
+      </p:grpSpPr>
+      <p:sp>
+        <p:nvSpPr>
+          <p:cNvPr id="2" name="标题 1">
+            <a:extLst>
+              <a:ext uri="{FF2B5EF4-FFF2-40B4-BE49-F238E27FC236}">
+                <a16:creationId xmlns:a16="http://schemas.microsoft.com/office/drawing/2014/main" id="{FB4C3851-66C9-4806-B1A1-D144D7E8174C}"/>
               </a:ext>
             </a:extLst>
           </p:cNvPr>
@@ -3714,6 +5049,34 @@
             <a:r>
               <a:rPr lang="en-US" dirty="0"/>
               <a:t>Data Set</a:t>
+            </a:r>
+          </a:p>
+        </p:txBody>
+      </p:sp>
+      <p:sp>
+        <p:nvSpPr>
+          <p:cNvPr id="3" name="内容占位符 2">
+            <a:extLst>
+              <a:ext uri="{FF2B5EF4-FFF2-40B4-BE49-F238E27FC236}">
+                <a16:creationId xmlns:a16="http://schemas.microsoft.com/office/drawing/2014/main" id="{4E13E6FF-9664-4DF0-90F0-990613D4ED63}"/>
+              </a:ext>
+            </a:extLst>
+          </p:cNvPr>
+          <p:cNvSpPr>
+            <a:spLocks noGrp="1"/>
+          </p:cNvSpPr>
+          <p:nvPr>
+            <p:ph idx="1"/>
+          </p:nvPr>
+        </p:nvSpPr>
+        <p:spPr/>
+        <p:txBody>
+          <a:bodyPr/>
+          <a:lstStyle/>
+          <a:p>
+            <a:r>
+              <a:rPr lang="en-US" dirty="0"/>
+              <a:t>Java open-source projects from Apache</a:t>
             </a:r>
           </a:p>
         </p:txBody>
@@ -3723,24 +5086,23 @@
           <p:cNvPr id="4" name="内容占位符 3">
             <a:extLst>
               <a:ext uri="{FF2B5EF4-FFF2-40B4-BE49-F238E27FC236}">
-                <a16:creationId xmlns:a16="http://schemas.microsoft.com/office/drawing/2014/main" id="{E8C97595-4A87-430C-979B-CB818EF14833}"/>
+                <a16:creationId xmlns:a16="http://schemas.microsoft.com/office/drawing/2014/main" id="{FF79D648-CAA1-4B66-B329-0E99DA758029}"/>
               </a:ext>
             </a:extLst>
           </p:cNvPr>
           <p:cNvGraphicFramePr>
-            <a:graphicFrameLocks noGrp="1"/>
+            <a:graphicFrameLocks/>
           </p:cNvGraphicFramePr>
           <p:nvPr>
-            <p:ph idx="1"/>
             <p:extLst>
               <p:ext uri="{D42A27DB-BD31-4B8C-83A1-F6EECF244321}">
-                <p14:modId xmlns:p14="http://schemas.microsoft.com/office/powerpoint/2010/main" val="3011543616"/>
+                <p14:modId xmlns:p14="http://schemas.microsoft.com/office/powerpoint/2010/main" val="3624664434"/>
               </p:ext>
             </p:extLst>
           </p:nvPr>
         </p:nvGraphicFramePr>
         <p:xfrm>
-          <a:off x="838200" y="1964397"/>
+          <a:off x="838200" y="2517934"/>
           <a:ext cx="10515600" cy="2966720"/>
         </p:xfrm>
         <a:graphic>
@@ -4297,7 +5659,7 @@
     </p:spTree>
     <p:extLst>
       <p:ext uri="{BB962C8B-B14F-4D97-AF65-F5344CB8AC3E}">
-        <p14:creationId xmlns:p14="http://schemas.microsoft.com/office/powerpoint/2010/main" val="3446145006"/>
+        <p14:creationId xmlns:p14="http://schemas.microsoft.com/office/powerpoint/2010/main" val="3969949902"/>
       </p:ext>
     </p:extLst>
   </p:cSld>
@@ -4307,7 +5669,7 @@
 </p:sld>
 </file>
 
-<file path=ppt/slides/slide5.xml><?xml version="1.0" encoding="utf-8"?>
+<file path=ppt/slides/slide9.xml><?xml version="1.0" encoding="utf-8"?>
 <p:sld xmlns:a="http://schemas.openxmlformats.org/drawingml/2006/main" xmlns:r="http://schemas.openxmlformats.org/officeDocument/2006/relationships" xmlns:p="http://schemas.openxmlformats.org/presentationml/2006/main">
   <p:cSld>
     <p:spTree>
@@ -4417,202 +5779,6 @@
     <p:extLst>
       <p:ext uri="{BB962C8B-B14F-4D97-AF65-F5344CB8AC3E}">
         <p14:creationId xmlns:p14="http://schemas.microsoft.com/office/powerpoint/2010/main" val="575823501"/>
-      </p:ext>
-    </p:extLst>
-  </p:cSld>
-  <p:clrMapOvr>
-    <a:masterClrMapping/>
-  </p:clrMapOvr>
-</p:sld>
-</file>
-
-<file path=ppt/slides/slide6.xml><?xml version="1.0" encoding="utf-8"?>
-<p:sld xmlns:a="http://schemas.openxmlformats.org/drawingml/2006/main" xmlns:r="http://schemas.openxmlformats.org/officeDocument/2006/relationships" xmlns:p="http://schemas.openxmlformats.org/presentationml/2006/main">
-  <p:cSld>
-    <p:spTree>
-      <p:nvGrpSpPr>
-        <p:cNvPr id="1" name=""/>
-        <p:cNvGrpSpPr/>
-        <p:nvPr/>
-      </p:nvGrpSpPr>
-      <p:grpSpPr>
-        <a:xfrm>
-          <a:off x="0" y="0"/>
-          <a:ext cx="0" cy="0"/>
-          <a:chOff x="0" y="0"/>
-          <a:chExt cx="0" cy="0"/>
-        </a:xfrm>
-      </p:grpSpPr>
-      <p:sp>
-        <p:nvSpPr>
-          <p:cNvPr id="2" name="标题 1">
-            <a:extLst>
-              <a:ext uri="{FF2B5EF4-FFF2-40B4-BE49-F238E27FC236}">
-                <a16:creationId xmlns:a16="http://schemas.microsoft.com/office/drawing/2014/main" id="{C64A22C4-B02A-45D0-BC08-C0E7D4AAD7DA}"/>
-              </a:ext>
-            </a:extLst>
-          </p:cNvPr>
-          <p:cNvSpPr>
-            <a:spLocks noGrp="1"/>
-          </p:cNvSpPr>
-          <p:nvPr>
-            <p:ph type="title"/>
-          </p:nvPr>
-        </p:nvSpPr>
-        <p:spPr/>
-        <p:txBody>
-          <a:bodyPr/>
-          <a:lstStyle/>
-          <a:p>
-            <a:r>
-              <a:rPr lang="en-US" dirty="0"/>
-              <a:t>Results - RQ1</a:t>
-            </a:r>
-          </a:p>
-        </p:txBody>
-      </p:sp>
-      <p:sp>
-        <p:nvSpPr>
-          <p:cNvPr id="3" name="内容占位符 2">
-            <a:extLst>
-              <a:ext uri="{FF2B5EF4-FFF2-40B4-BE49-F238E27FC236}">
-                <a16:creationId xmlns:a16="http://schemas.microsoft.com/office/drawing/2014/main" id="{CB0DD814-C3F6-43AF-90D2-E8BF51F11DAB}"/>
-              </a:ext>
-            </a:extLst>
-          </p:cNvPr>
-          <p:cNvSpPr>
-            <a:spLocks noGrp="1"/>
-          </p:cNvSpPr>
-          <p:nvPr>
-            <p:ph idx="1"/>
-          </p:nvPr>
-        </p:nvSpPr>
-        <p:spPr/>
-        <p:txBody>
-          <a:bodyPr/>
-          <a:lstStyle/>
-          <a:p>
-            <a:r>
-              <a:rPr lang="en-US" dirty="0"/>
-              <a:t>Changing lock types</a:t>
-            </a:r>
-          </a:p>
-          <a:p>
-            <a:r>
-              <a:rPr lang="en-US" dirty="0"/>
-              <a:t>Changing locked variables</a:t>
-            </a:r>
-          </a:p>
-          <a:p>
-            <a:r>
-              <a:rPr lang="en-US" dirty="0"/>
-              <a:t>Modifications inside critical section bodies</a:t>
-            </a:r>
-          </a:p>
-          <a:p>
-            <a:r>
-              <a:rPr lang="en-US" dirty="0"/>
-              <a:t>Changing the volatile keyword</a:t>
-            </a:r>
-          </a:p>
-          <a:p>
-            <a:r>
-              <a:rPr lang="en-US" dirty="0"/>
-              <a:t>Replacing self-written code with Parallel APIs</a:t>
-            </a:r>
-          </a:p>
-        </p:txBody>
-      </p:sp>
-    </p:spTree>
-    <p:extLst>
-      <p:ext uri="{BB962C8B-B14F-4D97-AF65-F5344CB8AC3E}">
-        <p14:creationId xmlns:p14="http://schemas.microsoft.com/office/powerpoint/2010/main" val="3271420780"/>
-      </p:ext>
-    </p:extLst>
-  </p:cSld>
-  <p:clrMapOvr>
-    <a:masterClrMapping/>
-  </p:clrMapOvr>
-</p:sld>
-</file>
-
-<file path=ppt/slides/slide7.xml><?xml version="1.0" encoding="utf-8"?>
-<p:sld xmlns:a="http://schemas.openxmlformats.org/drawingml/2006/main" xmlns:r="http://schemas.openxmlformats.org/officeDocument/2006/relationships" xmlns:p="http://schemas.openxmlformats.org/presentationml/2006/main">
-  <p:cSld>
-    <p:spTree>
-      <p:nvGrpSpPr>
-        <p:cNvPr id="1" name=""/>
-        <p:cNvGrpSpPr/>
-        <p:nvPr/>
-      </p:nvGrpSpPr>
-      <p:grpSpPr>
-        <a:xfrm>
-          <a:off x="0" y="0"/>
-          <a:ext cx="0" cy="0"/>
-          <a:chOff x="0" y="0"/>
-          <a:chExt cx="0" cy="0"/>
-        </a:xfrm>
-      </p:grpSpPr>
-      <p:sp>
-        <p:nvSpPr>
-          <p:cNvPr id="2" name="标题 1">
-            <a:extLst>
-              <a:ext uri="{FF2B5EF4-FFF2-40B4-BE49-F238E27FC236}">
-                <a16:creationId xmlns:a16="http://schemas.microsoft.com/office/drawing/2014/main" id="{D91E2233-FB63-49E3-911C-B1CCF839AD31}"/>
-              </a:ext>
-            </a:extLst>
-          </p:cNvPr>
-          <p:cNvSpPr>
-            <a:spLocks noGrp="1"/>
-          </p:cNvSpPr>
-          <p:nvPr>
-            <p:ph type="title"/>
-          </p:nvPr>
-        </p:nvSpPr>
-        <p:spPr/>
-        <p:txBody>
-          <a:bodyPr/>
-          <a:lstStyle/>
-          <a:p>
-            <a:r>
-              <a:rPr lang="en-US" dirty="0"/>
-              <a:t>Results - RQ2</a:t>
-            </a:r>
-          </a:p>
-        </p:txBody>
-      </p:sp>
-      <p:sp>
-        <p:nvSpPr>
-          <p:cNvPr id="3" name="内容占位符 2">
-            <a:extLst>
-              <a:ext uri="{FF2B5EF4-FFF2-40B4-BE49-F238E27FC236}">
-                <a16:creationId xmlns:a16="http://schemas.microsoft.com/office/drawing/2014/main" id="{4D11BC15-7859-4B31-BD53-38D19F24A9B8}"/>
-              </a:ext>
-            </a:extLst>
-          </p:cNvPr>
-          <p:cNvSpPr>
-            <a:spLocks noGrp="1"/>
-          </p:cNvSpPr>
-          <p:nvPr>
-            <p:ph idx="1"/>
-          </p:nvPr>
-        </p:nvSpPr>
-        <p:spPr/>
-        <p:txBody>
-          <a:bodyPr/>
-          <a:lstStyle/>
-          <a:p>
-            <a:r>
-              <a:rPr lang="en-US" dirty="0"/>
-              <a:t>2 of 3 pull requests are accepted</a:t>
-            </a:r>
-          </a:p>
-        </p:txBody>
-      </p:sp>
-    </p:spTree>
-    <p:extLst>
-      <p:ext uri="{BB962C8B-B14F-4D97-AF65-F5344CB8AC3E}">
-        <p14:creationId xmlns:p14="http://schemas.microsoft.com/office/powerpoint/2010/main" val="320273518"/>
       </p:ext>
     </p:extLst>
   </p:cSld>

--- a/ppt/How do Programmers Maintain Concurrent Code.pptx
+++ b/ppt/How do Programmers Maintain Concurrent Code.pptx
@@ -14,13 +14,20 @@
     <p:sldId id="258" r:id="rId8"/>
     <p:sldId id="264" r:id="rId9"/>
     <p:sldId id="260" r:id="rId10"/>
-    <p:sldId id="261" r:id="rId11"/>
-    <p:sldId id="267" r:id="rId12"/>
-    <p:sldId id="268" r:id="rId13"/>
-    <p:sldId id="269" r:id="rId14"/>
-    <p:sldId id="270" r:id="rId15"/>
-    <p:sldId id="271" r:id="rId16"/>
-    <p:sldId id="262" r:id="rId17"/>
+    <p:sldId id="273" r:id="rId11"/>
+    <p:sldId id="274" r:id="rId12"/>
+    <p:sldId id="275" r:id="rId13"/>
+    <p:sldId id="276" r:id="rId14"/>
+    <p:sldId id="261" r:id="rId15"/>
+    <p:sldId id="267" r:id="rId16"/>
+    <p:sldId id="268" r:id="rId17"/>
+    <p:sldId id="269" r:id="rId18"/>
+    <p:sldId id="270" r:id="rId19"/>
+    <p:sldId id="271" r:id="rId20"/>
+    <p:sldId id="262" r:id="rId21"/>
+    <p:sldId id="277" r:id="rId22"/>
+    <p:sldId id="278" r:id="rId23"/>
+    <p:sldId id="279" r:id="rId24"/>
   </p:sldIdLst>
   <p:sldSz cx="12192000" cy="6858000"/>
   <p:notesSz cx="6858000" cy="9144000"/>
@@ -3442,6 +3449,147 @@
           </a:p>
         </p:txBody>
       </p:sp>
+      <p:pic>
+        <p:nvPicPr>
+          <p:cNvPr id="2052" name="Picture 4" descr="http://setcas.com/wp-content/uploads/2015/06/58F58PICqeQ.jpg">
+            <a:extLst>
+              <a:ext uri="{FF2B5EF4-FFF2-40B4-BE49-F238E27FC236}">
+                <a16:creationId xmlns:a16="http://schemas.microsoft.com/office/drawing/2014/main" id="{EC51BBE5-C066-4E03-9CD7-D4DA0E3BD3E1}"/>
+              </a:ext>
+            </a:extLst>
+          </p:cNvPr>
+          <p:cNvPicPr>
+            <a:picLocks noChangeAspect="1" noChangeArrowheads="1"/>
+          </p:cNvPicPr>
+          <p:nvPr/>
+        </p:nvPicPr>
+        <p:blipFill>
+          <a:blip r:embed="rId2">
+            <a:extLst>
+              <a:ext uri="{28A0092B-C50C-407E-A947-70E740481C1C}">
+                <a14:useLocalDpi xmlns:a14="http://schemas.microsoft.com/office/drawing/2010/main" val="0"/>
+              </a:ext>
+            </a:extLst>
+          </a:blip>
+          <a:srcRect/>
+          <a:stretch>
+            <a:fillRect/>
+          </a:stretch>
+        </p:blipFill>
+        <p:spPr bwMode="auto">
+          <a:xfrm>
+            <a:off x="10597662" y="5549401"/>
+            <a:ext cx="1219198" cy="965980"/>
+          </a:xfrm>
+          <a:prstGeom prst="rect">
+            <a:avLst/>
+          </a:prstGeom>
+          <a:noFill/>
+          <a:extLst>
+            <a:ext uri="{909E8E84-426E-40DD-AFC4-6F175D3DCCD1}">
+              <a14:hiddenFill xmlns:a14="http://schemas.microsoft.com/office/drawing/2010/main">
+                <a:solidFill>
+                  <a:srgbClr val="FFFFFF"/>
+                </a:solidFill>
+              </a14:hiddenFill>
+            </a:ext>
+          </a:extLst>
+        </p:spPr>
+      </p:pic>
+      <p:pic>
+        <p:nvPicPr>
+          <p:cNvPr id="2054" name="Picture 6" descr="https://upload.wikimedia.org/wikipedia/en/d/da/Sjtu-logo-standard-red.png">
+            <a:extLst>
+              <a:ext uri="{FF2B5EF4-FFF2-40B4-BE49-F238E27FC236}">
+                <a16:creationId xmlns:a16="http://schemas.microsoft.com/office/drawing/2014/main" id="{EF6B2A8A-DF49-4BCE-95B1-9EAB8CC17B18}"/>
+              </a:ext>
+            </a:extLst>
+          </p:cNvPr>
+          <p:cNvPicPr>
+            <a:picLocks noChangeAspect="1" noChangeArrowheads="1"/>
+          </p:cNvPicPr>
+          <p:nvPr/>
+        </p:nvPicPr>
+        <p:blipFill>
+          <a:blip r:embed="rId3">
+            <a:extLst>
+              <a:ext uri="{28A0092B-C50C-407E-A947-70E740481C1C}">
+                <a14:useLocalDpi xmlns:a14="http://schemas.microsoft.com/office/drawing/2010/main" val="0"/>
+              </a:ext>
+            </a:extLst>
+          </a:blip>
+          <a:srcRect/>
+          <a:stretch>
+            <a:fillRect/>
+          </a:stretch>
+        </p:blipFill>
+        <p:spPr bwMode="auto">
+          <a:xfrm>
+            <a:off x="347705" y="253778"/>
+            <a:ext cx="1271200" cy="1271200"/>
+          </a:xfrm>
+          <a:prstGeom prst="rect">
+            <a:avLst/>
+          </a:prstGeom>
+          <a:noFill/>
+          <a:extLst>
+            <a:ext uri="{909E8E84-426E-40DD-AFC4-6F175D3DCCD1}">
+              <a14:hiddenFill xmlns:a14="http://schemas.microsoft.com/office/drawing/2010/main">
+                <a:solidFill>
+                  <a:srgbClr val="FFFFFF"/>
+                </a:solidFill>
+              </a14:hiddenFill>
+            </a:ext>
+          </a:extLst>
+        </p:spPr>
+      </p:pic>
+      <p:pic>
+        <p:nvPicPr>
+          <p:cNvPr id="2056" name="Picture 8" descr="Related image">
+            <a:extLst>
+              <a:ext uri="{FF2B5EF4-FFF2-40B4-BE49-F238E27FC236}">
+                <a16:creationId xmlns:a16="http://schemas.microsoft.com/office/drawing/2014/main" id="{589FE87C-8B43-472E-A6A6-0AA96143C95E}"/>
+              </a:ext>
+            </a:extLst>
+          </p:cNvPr>
+          <p:cNvPicPr>
+            <a:picLocks noChangeAspect="1" noChangeArrowheads="1"/>
+          </p:cNvPicPr>
+          <p:nvPr/>
+        </p:nvPicPr>
+        <p:blipFill>
+          <a:blip r:embed="rId4">
+            <a:extLst>
+              <a:ext uri="{28A0092B-C50C-407E-A947-70E740481C1C}">
+                <a14:useLocalDpi xmlns:a14="http://schemas.microsoft.com/office/drawing/2010/main" val="0"/>
+              </a:ext>
+            </a:extLst>
+          </a:blip>
+          <a:srcRect/>
+          <a:stretch>
+            <a:fillRect/>
+          </a:stretch>
+        </p:blipFill>
+        <p:spPr bwMode="auto">
+          <a:xfrm>
+            <a:off x="8383120" y="5257800"/>
+            <a:ext cx="1980080" cy="1359511"/>
+          </a:xfrm>
+          <a:prstGeom prst="rect">
+            <a:avLst/>
+          </a:prstGeom>
+          <a:noFill/>
+          <a:extLst>
+            <a:ext uri="{909E8E84-426E-40DD-AFC4-6F175D3DCCD1}">
+              <a14:hiddenFill xmlns:a14="http://schemas.microsoft.com/office/drawing/2010/main">
+                <a:solidFill>
+                  <a:srgbClr val="FFFFFF"/>
+                </a:solidFill>
+              </a14:hiddenFill>
+            </a:ext>
+          </a:extLst>
+        </p:spPr>
+      </p:pic>
     </p:spTree>
     <p:extLst>
       <p:ext uri="{BB962C8B-B14F-4D97-AF65-F5344CB8AC3E}">
@@ -3477,7 +3625,7 @@
           <p:cNvPr id="2" name="标题 1">
             <a:extLst>
               <a:ext uri="{FF2B5EF4-FFF2-40B4-BE49-F238E27FC236}">
-                <a16:creationId xmlns:a16="http://schemas.microsoft.com/office/drawing/2014/main" id="{C64A22C4-B02A-45D0-BC08-C0E7D4AAD7DA}"/>
+                <a16:creationId xmlns:a16="http://schemas.microsoft.com/office/drawing/2014/main" id="{9381E308-052B-4FED-B85D-4773BDDA4085}"/>
               </a:ext>
             </a:extLst>
           </p:cNvPr>
@@ -3495,7 +3643,7 @@
           <a:p>
             <a:r>
               <a:rPr lang="en-US" dirty="0"/>
-              <a:t>Results - RQ1</a:t>
+              <a:t>Collecting Commits</a:t>
             </a:r>
           </a:p>
         </p:txBody>
@@ -3505,7 +3653,7 @@
           <p:cNvPr id="3" name="内容占位符 2">
             <a:extLst>
               <a:ext uri="{FF2B5EF4-FFF2-40B4-BE49-F238E27FC236}">
-                <a16:creationId xmlns:a16="http://schemas.microsoft.com/office/drawing/2014/main" id="{CB0DD814-C3F6-43AF-90D2-E8BF51F11DAB}"/>
+                <a16:creationId xmlns:a16="http://schemas.microsoft.com/office/drawing/2014/main" id="{AADB491A-E9AA-4880-B094-8A8CF92984ED}"/>
               </a:ext>
             </a:extLst>
           </p:cNvPr>
@@ -3521,41 +3669,44 @@
           <a:bodyPr/>
           <a:lstStyle/>
           <a:p>
-            <a:r>
-              <a:rPr lang="en-US" dirty="0"/>
-              <a:t>Changing lock types</a:t>
-            </a:r>
-          </a:p>
-          <a:p>
-            <a:r>
-              <a:rPr lang="en-US" dirty="0"/>
-              <a:t>Changing locked variables</a:t>
-            </a:r>
-          </a:p>
-          <a:p>
-            <a:r>
-              <a:rPr lang="en-US" dirty="0"/>
-              <a:t>Modifications inside critical section bodies</a:t>
-            </a:r>
-          </a:p>
-          <a:p>
-            <a:r>
-              <a:rPr lang="en-US" dirty="0"/>
-              <a:t>Changing the volatile keyword</a:t>
-            </a:r>
-          </a:p>
-          <a:p>
-            <a:r>
-              <a:rPr lang="en-US" dirty="0"/>
-              <a:t>Replacing self-written code with Parallel APIs</a:t>
-            </a:r>
-          </a:p>
-        </p:txBody>
-      </p:sp>
+            <a:endParaRPr lang="en-US" dirty="0"/>
+          </a:p>
+        </p:txBody>
+      </p:sp>
+      <p:pic>
+        <p:nvPicPr>
+          <p:cNvPr id="6" name="图片 5">
+            <a:extLst>
+              <a:ext uri="{FF2B5EF4-FFF2-40B4-BE49-F238E27FC236}">
+                <a16:creationId xmlns:a16="http://schemas.microsoft.com/office/drawing/2014/main" id="{ED65FB1B-5D4E-4E0C-A287-DDB1B94959C5}"/>
+              </a:ext>
+            </a:extLst>
+          </p:cNvPr>
+          <p:cNvPicPr>
+            <a:picLocks noChangeAspect="1"/>
+          </p:cNvPicPr>
+          <p:nvPr/>
+        </p:nvPicPr>
+        <p:blipFill>
+          <a:blip r:embed="rId2"/>
+          <a:stretch>
+            <a:fillRect/>
+          </a:stretch>
+        </p:blipFill>
+        <p:spPr>
+          <a:xfrm>
+            <a:off x="0" y="1324566"/>
+            <a:ext cx="12192000" cy="5533434"/>
+          </a:xfrm>
+          <a:prstGeom prst="rect">
+            <a:avLst/>
+          </a:prstGeom>
+        </p:spPr>
+      </p:pic>
     </p:spTree>
     <p:extLst>
       <p:ext uri="{BB962C8B-B14F-4D97-AF65-F5344CB8AC3E}">
-        <p14:creationId xmlns:p14="http://schemas.microsoft.com/office/powerpoint/2010/main" val="3271420780"/>
+        <p14:creationId xmlns:p14="http://schemas.microsoft.com/office/powerpoint/2010/main" val="1471824823"/>
       </p:ext>
     </p:extLst>
   </p:cSld>
@@ -3587,7 +3738,7 @@
           <p:cNvPr id="2" name="标题 1">
             <a:extLst>
               <a:ext uri="{FF2B5EF4-FFF2-40B4-BE49-F238E27FC236}">
-                <a16:creationId xmlns:a16="http://schemas.microsoft.com/office/drawing/2014/main" id="{10EAB626-3653-4313-B1E9-9B501338A662}"/>
+                <a16:creationId xmlns:a16="http://schemas.microsoft.com/office/drawing/2014/main" id="{D2C1242D-4138-4090-AD64-8DE1A490DC9D}"/>
               </a:ext>
             </a:extLst>
           </p:cNvPr>
@@ -3605,7 +3756,7 @@
           <a:p>
             <a:r>
               <a:rPr lang="en-US" dirty="0"/>
-              <a:t>Changing lock types</a:t>
+              <a:t>Identifying Commits - Textual Matching</a:t>
             </a:r>
           </a:p>
         </p:txBody>
@@ -3615,7 +3766,7 @@
           <p:cNvPr id="3" name="内容占位符 2">
             <a:extLst>
               <a:ext uri="{FF2B5EF4-FFF2-40B4-BE49-F238E27FC236}">
-                <a16:creationId xmlns:a16="http://schemas.microsoft.com/office/drawing/2014/main" id="{6AF71328-9E65-49D6-8C96-2955C1750354}"/>
+                <a16:creationId xmlns:a16="http://schemas.microsoft.com/office/drawing/2014/main" id="{6487BB62-0D65-4479-A7B3-B13558EEFEA8}"/>
               </a:ext>
             </a:extLst>
           </p:cNvPr>
@@ -3628,17 +3779,108 @@
         </p:nvSpPr>
         <p:spPr/>
         <p:txBody>
-          <a:bodyPr/>
+          <a:bodyPr>
+            <a:normAutofit/>
+          </a:bodyPr>
           <a:lstStyle/>
           <a:p>
-            <a:endParaRPr lang="en-US"/>
+            <a:r>
+              <a:rPr lang="en-US" dirty="0">
+                <a:solidFill>
+                  <a:srgbClr val="FF0000"/>
+                </a:solidFill>
+              </a:rPr>
+              <a:t>Concurrency-related commit </a:t>
+            </a:r>
+            <a:r>
+              <a:rPr lang="zh-CN" altLang="en-US" dirty="0"/>
+              <a:t>→</a:t>
+            </a:r>
+            <a:r>
+              <a:rPr lang="en-US" dirty="0"/>
+              <a:t> a commit that involves synchronization, thread, or concurrent API classes</a:t>
+            </a:r>
+          </a:p>
+          <a:p>
+            <a:r>
+              <a:rPr lang="en-US" dirty="0">
+                <a:solidFill>
+                  <a:srgbClr val="FF0000"/>
+                </a:solidFill>
+              </a:rPr>
+              <a:t>96</a:t>
+            </a:r>
+            <a:r>
+              <a:rPr lang="en-US" dirty="0"/>
+              <a:t> keywords such as </a:t>
+            </a:r>
+            <a:r>
+              <a:rPr lang="en-US" dirty="0">
+                <a:solidFill>
+                  <a:srgbClr val="FF0000"/>
+                </a:solidFill>
+              </a:rPr>
+              <a:t>synchronized</a:t>
+            </a:r>
+            <a:r>
+              <a:rPr lang="en-US" dirty="0"/>
+              <a:t>, </a:t>
+            </a:r>
+            <a:r>
+              <a:rPr lang="en-US" dirty="0">
+                <a:solidFill>
+                  <a:srgbClr val="FF0000"/>
+                </a:solidFill>
+              </a:rPr>
+              <a:t>volatile</a:t>
+            </a:r>
+            <a:r>
+              <a:rPr lang="en-US" dirty="0"/>
+              <a:t>, and concurrent API class names</a:t>
+            </a:r>
+          </a:p>
+          <a:p>
+            <a:r>
+              <a:rPr lang="en-US" dirty="0"/>
+              <a:t>Select </a:t>
+            </a:r>
+            <a:r>
+              <a:rPr lang="en-US" dirty="0">
+                <a:solidFill>
+                  <a:srgbClr val="FF0000"/>
+                </a:solidFill>
+              </a:rPr>
+              <a:t>11,868</a:t>
+            </a:r>
+            <a:r>
+              <a:rPr lang="en-US" dirty="0"/>
+              <a:t> commits that are concurrency-related commits. Too many for manual analysis</a:t>
+            </a:r>
+          </a:p>
+          <a:p>
+            <a:r>
+              <a:rPr lang="en-US" dirty="0"/>
+              <a:t>Select </a:t>
+            </a:r>
+            <a:r>
+              <a:rPr lang="en-US" dirty="0">
+                <a:solidFill>
+                  <a:srgbClr val="FF0000"/>
+                </a:solidFill>
+              </a:rPr>
+              <a:t>561</a:t>
+            </a:r>
+            <a:r>
+              <a:rPr lang="en-US" dirty="0"/>
+              <a:t> commits for manual analysis from the 11,868 commits by checking whether a commit message contains concurrency-related keywords.</a:t>
+            </a:r>
           </a:p>
         </p:txBody>
       </p:sp>
     </p:spTree>
     <p:extLst>
       <p:ext uri="{BB962C8B-B14F-4D97-AF65-F5344CB8AC3E}">
-        <p14:creationId xmlns:p14="http://schemas.microsoft.com/office/powerpoint/2010/main" val="4067548756"/>
+        <p14:creationId xmlns:p14="http://schemas.microsoft.com/office/powerpoint/2010/main" val="1159580046"/>
       </p:ext>
     </p:extLst>
   </p:cSld>
@@ -3670,7 +3912,7 @@
           <p:cNvPr id="2" name="标题 1">
             <a:extLst>
               <a:ext uri="{FF2B5EF4-FFF2-40B4-BE49-F238E27FC236}">
-                <a16:creationId xmlns:a16="http://schemas.microsoft.com/office/drawing/2014/main" id="{96BDA6BF-0090-43C0-A8DC-6990093770B6}"/>
+                <a16:creationId xmlns:a16="http://schemas.microsoft.com/office/drawing/2014/main" id="{211BD14C-A4B4-46C7-A997-23311C5EBDD0}"/>
               </a:ext>
             </a:extLst>
           </p:cNvPr>
@@ -3688,7 +3930,7 @@
           <a:p>
             <a:r>
               <a:rPr lang="en-US" dirty="0"/>
-              <a:t>Changing locked variables</a:t>
+              <a:t>Identifying Commits - Machine Learning</a:t>
             </a:r>
           </a:p>
         </p:txBody>
@@ -3698,7 +3940,7 @@
           <p:cNvPr id="3" name="内容占位符 2">
             <a:extLst>
               <a:ext uri="{FF2B5EF4-FFF2-40B4-BE49-F238E27FC236}">
-                <a16:creationId xmlns:a16="http://schemas.microsoft.com/office/drawing/2014/main" id="{76BCF74B-03A3-4565-A20C-AA20CB7D1F3E}"/>
+                <a16:creationId xmlns:a16="http://schemas.microsoft.com/office/drawing/2014/main" id="{90B68443-803E-4247-B5E3-F0CBA57FC69A}"/>
               </a:ext>
             </a:extLst>
           </p:cNvPr>
@@ -3714,14 +3956,536 @@
           <a:bodyPr/>
           <a:lstStyle/>
           <a:p>
-            <a:endParaRPr lang="en-US"/>
-          </a:p>
-        </p:txBody>
-      </p:sp>
+            <a:r>
+              <a:rPr lang="en-US" dirty="0"/>
+              <a:t>SVM</a:t>
+            </a:r>
+          </a:p>
+          <a:p>
+            <a:r>
+              <a:rPr lang="en-US" dirty="0"/>
+              <a:t>LIBSVM</a:t>
+            </a:r>
+          </a:p>
+          <a:p>
+            <a:r>
+              <a:rPr lang="en-US" dirty="0"/>
+              <a:t>12 features</a:t>
+            </a:r>
+          </a:p>
+        </p:txBody>
+      </p:sp>
+      <p:graphicFrame>
+        <p:nvGraphicFramePr>
+          <p:cNvPr id="4" name="表格 3">
+            <a:extLst>
+              <a:ext uri="{FF2B5EF4-FFF2-40B4-BE49-F238E27FC236}">
+                <a16:creationId xmlns:a16="http://schemas.microsoft.com/office/drawing/2014/main" id="{BEA44472-A60C-4B2A-904F-92D32F4C44C4}"/>
+              </a:ext>
+            </a:extLst>
+          </p:cNvPr>
+          <p:cNvGraphicFramePr>
+            <a:graphicFrameLocks noGrp="1"/>
+          </p:cNvGraphicFramePr>
+          <p:nvPr>
+            <p:extLst>
+              <p:ext uri="{D42A27DB-BD31-4B8C-83A1-F6EECF244321}">
+                <p14:modId xmlns:p14="http://schemas.microsoft.com/office/powerpoint/2010/main" val="584995889"/>
+              </p:ext>
+            </p:extLst>
+          </p:nvPr>
+        </p:nvGraphicFramePr>
+        <p:xfrm>
+          <a:off x="3438769" y="1825625"/>
+          <a:ext cx="8128000" cy="4079240"/>
+        </p:xfrm>
+        <a:graphic>
+          <a:graphicData uri="http://schemas.openxmlformats.org/drawingml/2006/table">
+            <a:tbl>
+              <a:tblPr firstRow="1" bandRow="1">
+                <a:tableStyleId>{5C22544A-7EE6-4342-B048-85BDC9FD1C3A}</a:tableStyleId>
+              </a:tblPr>
+              <a:tblGrid>
+                <a:gridCol w="1309077">
+                  <a:extLst>
+                    <a:ext uri="{9D8B030D-6E8A-4147-A177-3AD203B41FA5}">
+                      <a16:colId xmlns:a16="http://schemas.microsoft.com/office/drawing/2014/main" val="4170061876"/>
+                    </a:ext>
+                  </a:extLst>
+                </a:gridCol>
+                <a:gridCol w="6818923">
+                  <a:extLst>
+                    <a:ext uri="{9D8B030D-6E8A-4147-A177-3AD203B41FA5}">
+                      <a16:colId xmlns:a16="http://schemas.microsoft.com/office/drawing/2014/main" val="2383329400"/>
+                    </a:ext>
+                  </a:extLst>
+                </a:gridCol>
+              </a:tblGrid>
+              <a:tr h="370840">
+                <a:tc>
+                  <a:txBody>
+                    <a:bodyPr/>
+                    <a:lstStyle/>
+                    <a:p>
+                      <a:r>
+                        <a:rPr lang="en-US" dirty="0"/>
+                        <a:t>Feature</a:t>
+                      </a:r>
+                    </a:p>
+                  </a:txBody>
+                  <a:tcPr/>
+                </a:tc>
+                <a:tc>
+                  <a:txBody>
+                    <a:bodyPr/>
+                    <a:lstStyle/>
+                    <a:p>
+                      <a:r>
+                        <a:rPr lang="en-US" dirty="0"/>
+                        <a:t>Explanation</a:t>
+                      </a:r>
+                    </a:p>
+                  </a:txBody>
+                  <a:tcPr/>
+                </a:tc>
+                <a:extLst>
+                  <a:ext uri="{0D108BD9-81ED-4DB2-BD59-A6C34878D82A}">
+                    <a16:rowId xmlns:a16="http://schemas.microsoft.com/office/drawing/2014/main" val="3517580884"/>
+                  </a:ext>
+                </a:extLst>
+              </a:tr>
+              <a:tr h="370840">
+                <a:tc>
+                  <a:txBody>
+                    <a:bodyPr/>
+                    <a:lstStyle/>
+                    <a:p>
+                      <a:r>
+                        <a:rPr lang="en-US" dirty="0" err="1"/>
+                        <a:t>msgKey</a:t>
+                      </a:r>
+                      <a:endParaRPr lang="en-US" dirty="0"/>
+                    </a:p>
+                  </a:txBody>
+                  <a:tcPr/>
+                </a:tc>
+                <a:tc>
+                  <a:txBody>
+                    <a:bodyPr/>
+                    <a:lstStyle/>
+                    <a:p>
+                      <a:r>
+                        <a:rPr lang="en-US" dirty="0"/>
+                        <a:t>Number of keywords in commit message</a:t>
+                      </a:r>
+                    </a:p>
+                  </a:txBody>
+                  <a:tcPr/>
+                </a:tc>
+                <a:extLst>
+                  <a:ext uri="{0D108BD9-81ED-4DB2-BD59-A6C34878D82A}">
+                    <a16:rowId xmlns:a16="http://schemas.microsoft.com/office/drawing/2014/main" val="4249909400"/>
+                  </a:ext>
+                </a:extLst>
+              </a:tr>
+              <a:tr h="370840">
+                <a:tc>
+                  <a:txBody>
+                    <a:bodyPr/>
+                    <a:lstStyle/>
+                    <a:p>
+                      <a:r>
+                        <a:rPr lang="en-US" dirty="0"/>
+                        <a:t>file</a:t>
+                      </a:r>
+                    </a:p>
+                  </a:txBody>
+                  <a:tcPr/>
+                </a:tc>
+                <a:tc>
+                  <a:txBody>
+                    <a:bodyPr/>
+                    <a:lstStyle/>
+                    <a:p>
+                      <a:r>
+                        <a:rPr lang="en-US" altLang="zh-CN" dirty="0"/>
+                        <a:t>Number of files in a commit</a:t>
+                      </a:r>
+                    </a:p>
+                  </a:txBody>
+                  <a:tcPr/>
+                </a:tc>
+                <a:extLst>
+                  <a:ext uri="{0D108BD9-81ED-4DB2-BD59-A6C34878D82A}">
+                    <a16:rowId xmlns:a16="http://schemas.microsoft.com/office/drawing/2014/main" val="3283018488"/>
+                  </a:ext>
+                </a:extLst>
+              </a:tr>
+              <a:tr h="370840">
+                <a:tc>
+                  <a:txBody>
+                    <a:bodyPr/>
+                    <a:lstStyle/>
+                    <a:p>
+                      <a:r>
+                        <a:rPr lang="en-US" altLang="zh-CN" dirty="0"/>
+                        <a:t>hunk</a:t>
+                      </a:r>
+                      <a:endParaRPr lang="en-US" dirty="0"/>
+                    </a:p>
+                  </a:txBody>
+                  <a:tcPr/>
+                </a:tc>
+                <a:tc>
+                  <a:txBody>
+                    <a:bodyPr/>
+                    <a:lstStyle/>
+                    <a:p>
+                      <a:r>
+                        <a:rPr lang="en-US" dirty="0"/>
+                        <a:t>Number of hunks in a commit</a:t>
+                      </a:r>
+                    </a:p>
+                  </a:txBody>
+                  <a:tcPr/>
+                </a:tc>
+                <a:extLst>
+                  <a:ext uri="{0D108BD9-81ED-4DB2-BD59-A6C34878D82A}">
+                    <a16:rowId xmlns:a16="http://schemas.microsoft.com/office/drawing/2014/main" val="4283242819"/>
+                  </a:ext>
+                </a:extLst>
+              </a:tr>
+              <a:tr h="370840">
+                <a:tc>
+                  <a:txBody>
+                    <a:bodyPr/>
+                    <a:lstStyle/>
+                    <a:p>
+                      <a:r>
+                        <a:rPr lang="en-US" dirty="0" err="1"/>
+                        <a:t>lineAdd</a:t>
+                      </a:r>
+                      <a:endParaRPr lang="en-US" dirty="0"/>
+                    </a:p>
+                  </a:txBody>
+                  <a:tcPr/>
+                </a:tc>
+                <a:tc>
+                  <a:txBody>
+                    <a:bodyPr/>
+                    <a:lstStyle/>
+                    <a:p>
+                      <a:r>
+                        <a:rPr lang="en-US" dirty="0"/>
+                        <a:t>Number of added lines in a commit</a:t>
+                      </a:r>
+                    </a:p>
+                  </a:txBody>
+                  <a:tcPr/>
+                </a:tc>
+                <a:extLst>
+                  <a:ext uri="{0D108BD9-81ED-4DB2-BD59-A6C34878D82A}">
+                    <a16:rowId xmlns:a16="http://schemas.microsoft.com/office/drawing/2014/main" val="3920313429"/>
+                  </a:ext>
+                </a:extLst>
+              </a:tr>
+              <a:tr h="370840">
+                <a:tc>
+                  <a:txBody>
+                    <a:bodyPr/>
+                    <a:lstStyle/>
+                    <a:p>
+                      <a:r>
+                        <a:rPr lang="en-US" dirty="0" err="1"/>
+                        <a:t>lineRemove</a:t>
+                      </a:r>
+                      <a:endParaRPr lang="en-US" dirty="0"/>
+                    </a:p>
+                  </a:txBody>
+                  <a:tcPr/>
+                </a:tc>
+                <a:tc>
+                  <a:txBody>
+                    <a:bodyPr/>
+                    <a:lstStyle/>
+                    <a:p>
+                      <a:pPr marL="0" marR="0" lvl="0" indent="0" algn="l" defTabSz="914400" rtl="0" eaLnBrk="1" fontAlgn="auto" latinLnBrk="0" hangingPunct="1">
+                        <a:lnSpc>
+                          <a:spcPct val="100000"/>
+                        </a:lnSpc>
+                        <a:spcBef>
+                          <a:spcPts val="0"/>
+                        </a:spcBef>
+                        <a:spcAft>
+                          <a:spcPts val="0"/>
+                        </a:spcAft>
+                        <a:buClrTx/>
+                        <a:buSzTx/>
+                        <a:buFontTx/>
+                        <a:buNone/>
+                        <a:tabLst/>
+                        <a:defRPr/>
+                      </a:pPr>
+                      <a:r>
+                        <a:rPr lang="en-US" dirty="0"/>
+                        <a:t>Number of removed lines in a commit</a:t>
+                      </a:r>
+                    </a:p>
+                  </a:txBody>
+                  <a:tcPr/>
+                </a:tc>
+                <a:extLst>
+                  <a:ext uri="{0D108BD9-81ED-4DB2-BD59-A6C34878D82A}">
+                    <a16:rowId xmlns:a16="http://schemas.microsoft.com/office/drawing/2014/main" val="2145244438"/>
+                  </a:ext>
+                </a:extLst>
+              </a:tr>
+              <a:tr h="370840">
+                <a:tc>
+                  <a:txBody>
+                    <a:bodyPr/>
+                    <a:lstStyle/>
+                    <a:p>
+                      <a:r>
+                        <a:rPr lang="en-US" dirty="0" err="1"/>
+                        <a:t>lineSub</a:t>
+                      </a:r>
+                      <a:endParaRPr lang="en-US" dirty="0"/>
+                    </a:p>
+                  </a:txBody>
+                  <a:tcPr/>
+                </a:tc>
+                <a:tc>
+                  <a:txBody>
+                    <a:bodyPr/>
+                    <a:lstStyle/>
+                    <a:p>
+                      <a:r>
+                        <a:rPr lang="en-US" dirty="0" err="1"/>
+                        <a:t>lineAdd</a:t>
+                      </a:r>
+                      <a:r>
+                        <a:rPr lang="en-US" dirty="0"/>
+                        <a:t> - </a:t>
+                      </a:r>
+                      <a:r>
+                        <a:rPr lang="en-US" dirty="0" err="1"/>
+                        <a:t>lineRemove</a:t>
+                      </a:r>
+                      <a:endParaRPr lang="en-US" dirty="0"/>
+                    </a:p>
+                  </a:txBody>
+                  <a:tcPr/>
+                </a:tc>
+                <a:extLst>
+                  <a:ext uri="{0D108BD9-81ED-4DB2-BD59-A6C34878D82A}">
+                    <a16:rowId xmlns:a16="http://schemas.microsoft.com/office/drawing/2014/main" val="3084816125"/>
+                  </a:ext>
+                </a:extLst>
+              </a:tr>
+              <a:tr h="370840">
+                <a:tc>
+                  <a:txBody>
+                    <a:bodyPr/>
+                    <a:lstStyle/>
+                    <a:p>
+                      <a:r>
+                        <a:rPr lang="en-US" dirty="0" err="1"/>
+                        <a:t>lineSum</a:t>
+                      </a:r>
+                      <a:endParaRPr lang="en-US" dirty="0"/>
+                    </a:p>
+                  </a:txBody>
+                  <a:tcPr/>
+                </a:tc>
+                <a:tc>
+                  <a:txBody>
+                    <a:bodyPr/>
+                    <a:lstStyle/>
+                    <a:p>
+                      <a:pPr marL="0" marR="0" lvl="0" indent="0" algn="l" defTabSz="914400" rtl="0" eaLnBrk="1" fontAlgn="auto" latinLnBrk="0" hangingPunct="1">
+                        <a:lnSpc>
+                          <a:spcPct val="100000"/>
+                        </a:lnSpc>
+                        <a:spcBef>
+                          <a:spcPts val="0"/>
+                        </a:spcBef>
+                        <a:spcAft>
+                          <a:spcPts val="0"/>
+                        </a:spcAft>
+                        <a:buClrTx/>
+                        <a:buSzTx/>
+                        <a:buFontTx/>
+                        <a:buNone/>
+                        <a:tabLst/>
+                        <a:defRPr/>
+                      </a:pPr>
+                      <a:r>
+                        <a:rPr lang="en-US" dirty="0" err="1"/>
+                        <a:t>lineAdd</a:t>
+                      </a:r>
+                      <a:r>
+                        <a:rPr lang="en-US" dirty="0"/>
+                        <a:t> + </a:t>
+                      </a:r>
+                      <a:r>
+                        <a:rPr lang="en-US" dirty="0" err="1"/>
+                        <a:t>lineRemove</a:t>
+                      </a:r>
+                      <a:endParaRPr lang="en-US" dirty="0"/>
+                    </a:p>
+                  </a:txBody>
+                  <a:tcPr/>
+                </a:tc>
+                <a:extLst>
+                  <a:ext uri="{0D108BD9-81ED-4DB2-BD59-A6C34878D82A}">
+                    <a16:rowId xmlns:a16="http://schemas.microsoft.com/office/drawing/2014/main" val="2045158457"/>
+                  </a:ext>
+                </a:extLst>
+              </a:tr>
+              <a:tr h="370840">
+                <a:tc>
+                  <a:txBody>
+                    <a:bodyPr/>
+                    <a:lstStyle/>
+                    <a:p>
+                      <a:r>
+                        <a:rPr lang="en-US" dirty="0" err="1"/>
+                        <a:t>keyAdd</a:t>
+                      </a:r>
+                      <a:endParaRPr lang="en-US" dirty="0"/>
+                    </a:p>
+                  </a:txBody>
+                  <a:tcPr/>
+                </a:tc>
+                <a:tc>
+                  <a:txBody>
+                    <a:bodyPr/>
+                    <a:lstStyle/>
+                    <a:p>
+                      <a:pPr marL="0" marR="0" lvl="0" indent="0" algn="l" defTabSz="914400" rtl="0" eaLnBrk="1" fontAlgn="auto" latinLnBrk="0" hangingPunct="1">
+                        <a:lnSpc>
+                          <a:spcPct val="100000"/>
+                        </a:lnSpc>
+                        <a:spcBef>
+                          <a:spcPts val="0"/>
+                        </a:spcBef>
+                        <a:spcAft>
+                          <a:spcPts val="0"/>
+                        </a:spcAft>
+                        <a:buClrTx/>
+                        <a:buSzTx/>
+                        <a:buFontTx/>
+                        <a:buNone/>
+                        <a:tabLst/>
+                        <a:defRPr/>
+                      </a:pPr>
+                      <a:r>
+                        <a:rPr lang="en-US" dirty="0"/>
+                        <a:t>Number of added keywords in a commit</a:t>
+                      </a:r>
+                    </a:p>
+                  </a:txBody>
+                  <a:tcPr/>
+                </a:tc>
+                <a:extLst>
+                  <a:ext uri="{0D108BD9-81ED-4DB2-BD59-A6C34878D82A}">
+                    <a16:rowId xmlns:a16="http://schemas.microsoft.com/office/drawing/2014/main" val="3445406601"/>
+                  </a:ext>
+                </a:extLst>
+              </a:tr>
+              <a:tr h="370840">
+                <a:tc>
+                  <a:txBody>
+                    <a:bodyPr/>
+                    <a:lstStyle/>
+                    <a:p>
+                      <a:r>
+                        <a:rPr lang="en-US" dirty="0"/>
+                        <a:t>…</a:t>
+                      </a:r>
+                    </a:p>
+                  </a:txBody>
+                  <a:tcPr/>
+                </a:tc>
+                <a:tc>
+                  <a:txBody>
+                    <a:bodyPr/>
+                    <a:lstStyle/>
+                    <a:p>
+                      <a:pPr marL="0" marR="0" lvl="0" indent="0" algn="l" defTabSz="914400" rtl="0" eaLnBrk="1" fontAlgn="auto" latinLnBrk="0" hangingPunct="1">
+                        <a:lnSpc>
+                          <a:spcPct val="100000"/>
+                        </a:lnSpc>
+                        <a:spcBef>
+                          <a:spcPts val="0"/>
+                        </a:spcBef>
+                        <a:spcAft>
+                          <a:spcPts val="0"/>
+                        </a:spcAft>
+                        <a:buClrTx/>
+                        <a:buSzTx/>
+                        <a:buFontTx/>
+                        <a:buNone/>
+                        <a:tabLst/>
+                        <a:defRPr/>
+                      </a:pPr>
+                      <a:r>
+                        <a:rPr lang="en-US" dirty="0"/>
+                        <a:t>…</a:t>
+                      </a:r>
+                    </a:p>
+                  </a:txBody>
+                  <a:tcPr/>
+                </a:tc>
+                <a:extLst>
+                  <a:ext uri="{0D108BD9-81ED-4DB2-BD59-A6C34878D82A}">
+                    <a16:rowId xmlns:a16="http://schemas.microsoft.com/office/drawing/2014/main" val="3161827698"/>
+                  </a:ext>
+                </a:extLst>
+              </a:tr>
+              <a:tr h="370840">
+                <a:tc>
+                  <a:txBody>
+                    <a:bodyPr/>
+                    <a:lstStyle/>
+                    <a:p>
+                      <a:r>
+                        <a:rPr lang="en-US" dirty="0" err="1"/>
+                        <a:t>contextKey</a:t>
+                      </a:r>
+                      <a:endParaRPr lang="en-US" dirty="0"/>
+                    </a:p>
+                  </a:txBody>
+                  <a:tcPr/>
+                </a:tc>
+                <a:tc>
+                  <a:txBody>
+                    <a:bodyPr/>
+                    <a:lstStyle/>
+                    <a:p>
+                      <a:r>
+                        <a:rPr lang="en-US" dirty="0"/>
+                        <a:t>Number of keywords in context code</a:t>
+                      </a:r>
+                    </a:p>
+                  </a:txBody>
+                  <a:tcPr/>
+                </a:tc>
+                <a:extLst>
+                  <a:ext uri="{0D108BD9-81ED-4DB2-BD59-A6C34878D82A}">
+                    <a16:rowId xmlns:a16="http://schemas.microsoft.com/office/drawing/2014/main" val="3785579559"/>
+                  </a:ext>
+                </a:extLst>
+              </a:tr>
+            </a:tbl>
+          </a:graphicData>
+        </a:graphic>
+      </p:graphicFrame>
     </p:spTree>
     <p:extLst>
       <p:ext uri="{BB962C8B-B14F-4D97-AF65-F5344CB8AC3E}">
-        <p14:creationId xmlns:p14="http://schemas.microsoft.com/office/powerpoint/2010/main" val="3467078169"/>
+        <p14:creationId xmlns:p14="http://schemas.microsoft.com/office/powerpoint/2010/main" val="2153952614"/>
       </p:ext>
     </p:extLst>
   </p:cSld>
@@ -3753,7 +4517,7 @@
           <p:cNvPr id="2" name="标题 1">
             <a:extLst>
               <a:ext uri="{FF2B5EF4-FFF2-40B4-BE49-F238E27FC236}">
-                <a16:creationId xmlns:a16="http://schemas.microsoft.com/office/drawing/2014/main" id="{72B06BC6-6D23-4871-B5CF-A8CED514C80F}"/>
+                <a16:creationId xmlns:a16="http://schemas.microsoft.com/office/drawing/2014/main" id="{E9A7025E-5447-4730-A084-9536C7E1B3C8}"/>
               </a:ext>
             </a:extLst>
           </p:cNvPr>
@@ -3771,7 +4535,7 @@
           <a:p>
             <a:r>
               <a:rPr lang="en-US" dirty="0"/>
-              <a:t>Modifications inside critical section bodies</a:t>
+              <a:t>Identifying Commits - Machine Learning</a:t>
             </a:r>
           </a:p>
         </p:txBody>
@@ -3781,7 +4545,7 @@
           <p:cNvPr id="3" name="内容占位符 2">
             <a:extLst>
               <a:ext uri="{FF2B5EF4-FFF2-40B4-BE49-F238E27FC236}">
-                <a16:creationId xmlns:a16="http://schemas.microsoft.com/office/drawing/2014/main" id="{137221E6-5FBE-4BB8-AD02-9A1EC1F73A5A}"/>
+                <a16:creationId xmlns:a16="http://schemas.microsoft.com/office/drawing/2014/main" id="{C6A2F5D5-106F-4AD9-AEAF-3FD7162A5FFD}"/>
               </a:ext>
             </a:extLst>
           </p:cNvPr>
@@ -3797,14 +4561,104 @@
           <a:bodyPr/>
           <a:lstStyle/>
           <a:p>
-            <a:endParaRPr lang="en-US"/>
+            <a:r>
+              <a:rPr lang="en-US" dirty="0"/>
+              <a:t>We randomly select </a:t>
+            </a:r>
+            <a:r>
+              <a:rPr lang="en-US" dirty="0">
+                <a:solidFill>
+                  <a:srgbClr val="FF0000"/>
+                </a:solidFill>
+              </a:rPr>
+              <a:t>48</a:t>
+            </a:r>
+            <a:r>
+              <a:rPr lang="en-US" dirty="0"/>
+              <a:t> commits as a training set</a:t>
+            </a:r>
+          </a:p>
+          <a:p>
+            <a:pPr lvl="1"/>
+            <a:r>
+              <a:rPr lang="en-US" dirty="0">
+                <a:solidFill>
+                  <a:srgbClr val="FF0000"/>
+                </a:solidFill>
+              </a:rPr>
+              <a:t>15</a:t>
+            </a:r>
+            <a:r>
+              <a:rPr lang="en-US" dirty="0"/>
+              <a:t> positive instances and </a:t>
+            </a:r>
+            <a:r>
+              <a:rPr lang="en-US" dirty="0">
+                <a:solidFill>
+                  <a:srgbClr val="FF0000"/>
+                </a:solidFill>
+              </a:rPr>
+              <a:t>35</a:t>
+            </a:r>
+            <a:r>
+              <a:rPr lang="en-US" dirty="0"/>
+              <a:t> negative instances</a:t>
+            </a:r>
+          </a:p>
+          <a:p>
+            <a:r>
+              <a:rPr lang="en-US" dirty="0"/>
+              <a:t>The trained model selects </a:t>
+            </a:r>
+            <a:r>
+              <a:rPr lang="en-US" dirty="0">
+                <a:solidFill>
+                  <a:srgbClr val="FF0000"/>
+                </a:solidFill>
+              </a:rPr>
+              <a:t>135</a:t>
+            </a:r>
+            <a:r>
+              <a:rPr lang="en-US" dirty="0"/>
+              <a:t> positive commits</a:t>
+            </a:r>
+          </a:p>
+          <a:p>
+            <a:r>
+              <a:rPr lang="en-US" dirty="0"/>
+              <a:t>Precision = 0.74</a:t>
+            </a:r>
+          </a:p>
+          <a:p>
+            <a:pPr lvl="1"/>
+            <a:r>
+              <a:rPr lang="en-US" dirty="0"/>
+              <a:t>Manual inspection</a:t>
+            </a:r>
+          </a:p>
+          <a:p>
+            <a:r>
+              <a:rPr lang="en-US" dirty="0"/>
+              <a:t>Recall = ?</a:t>
+            </a:r>
+          </a:p>
+          <a:p>
+            <a:pPr lvl="1"/>
+            <a:r>
+              <a:rPr lang="en-US" dirty="0"/>
+              <a:t>Universe is too large</a:t>
+            </a:r>
+            <a:br>
+              <a:rPr lang="en-US" dirty="0"/>
+            </a:br>
+            <a:endParaRPr lang="en-US" dirty="0"/>
           </a:p>
         </p:txBody>
       </p:sp>
     </p:spTree>
     <p:extLst>
       <p:ext uri="{BB962C8B-B14F-4D97-AF65-F5344CB8AC3E}">
-        <p14:creationId xmlns:p14="http://schemas.microsoft.com/office/powerpoint/2010/main" val="1692918029"/>
+        <p14:creationId xmlns:p14="http://schemas.microsoft.com/office/powerpoint/2010/main" val="1040587621"/>
       </p:ext>
     </p:extLst>
   </p:cSld>
@@ -3836,7 +4690,7 @@
           <p:cNvPr id="2" name="标题 1">
             <a:extLst>
               <a:ext uri="{FF2B5EF4-FFF2-40B4-BE49-F238E27FC236}">
-                <a16:creationId xmlns:a16="http://schemas.microsoft.com/office/drawing/2014/main" id="{CA99931B-2904-411B-9D94-1AF46F8E0F73}"/>
+                <a16:creationId xmlns:a16="http://schemas.microsoft.com/office/drawing/2014/main" id="{C64A22C4-B02A-45D0-BC08-C0E7D4AAD7DA}"/>
               </a:ext>
             </a:extLst>
           </p:cNvPr>
@@ -3854,7 +4708,7 @@
           <a:p>
             <a:r>
               <a:rPr lang="en-US" dirty="0"/>
-              <a:t>Changing the volatile keyword</a:t>
+              <a:t>Results - RQ1. What Change Patterns</a:t>
             </a:r>
           </a:p>
         </p:txBody>
@@ -3864,7 +4718,7 @@
           <p:cNvPr id="3" name="内容占位符 2">
             <a:extLst>
               <a:ext uri="{FF2B5EF4-FFF2-40B4-BE49-F238E27FC236}">
-                <a16:creationId xmlns:a16="http://schemas.microsoft.com/office/drawing/2014/main" id="{7B57D373-1211-4606-AE20-06561F22713C}"/>
+                <a16:creationId xmlns:a16="http://schemas.microsoft.com/office/drawing/2014/main" id="{CB0DD814-C3F6-43AF-90D2-E8BF51F11DAB}"/>
               </a:ext>
             </a:extLst>
           </p:cNvPr>
@@ -3880,14 +4734,41 @@
           <a:bodyPr/>
           <a:lstStyle/>
           <a:p>
-            <a:endParaRPr lang="en-US"/>
+            <a:r>
+              <a:rPr lang="en-US" dirty="0"/>
+              <a:t>Changing lock types</a:t>
+            </a:r>
+          </a:p>
+          <a:p>
+            <a:r>
+              <a:rPr lang="en-US" dirty="0"/>
+              <a:t>Changing locked variables</a:t>
+            </a:r>
+          </a:p>
+          <a:p>
+            <a:r>
+              <a:rPr lang="en-US" dirty="0"/>
+              <a:t>Modifications inside critical section bodies</a:t>
+            </a:r>
+          </a:p>
+          <a:p>
+            <a:r>
+              <a:rPr lang="en-US" dirty="0"/>
+              <a:t>Changing the volatile keyword</a:t>
+            </a:r>
+          </a:p>
+          <a:p>
+            <a:r>
+              <a:rPr lang="en-US" dirty="0"/>
+              <a:t>Replacing self-written code with Parallel APIs</a:t>
+            </a:r>
           </a:p>
         </p:txBody>
       </p:sp>
     </p:spTree>
     <p:extLst>
       <p:ext uri="{BB962C8B-B14F-4D97-AF65-F5344CB8AC3E}">
-        <p14:creationId xmlns:p14="http://schemas.microsoft.com/office/powerpoint/2010/main" val="2817891009"/>
+        <p14:creationId xmlns:p14="http://schemas.microsoft.com/office/powerpoint/2010/main" val="3271420780"/>
       </p:ext>
     </p:extLst>
   </p:cSld>
@@ -3919,7 +4800,7 @@
           <p:cNvPr id="2" name="标题 1">
             <a:extLst>
               <a:ext uri="{FF2B5EF4-FFF2-40B4-BE49-F238E27FC236}">
-                <a16:creationId xmlns:a16="http://schemas.microsoft.com/office/drawing/2014/main" id="{890C30DC-B1CF-43DC-B594-B0BE0A31E974}"/>
+                <a16:creationId xmlns:a16="http://schemas.microsoft.com/office/drawing/2014/main" id="{10EAB626-3653-4313-B1E9-9B501338A662}"/>
               </a:ext>
             </a:extLst>
           </p:cNvPr>
@@ -3937,7 +4818,7 @@
           <a:p>
             <a:r>
               <a:rPr lang="en-US" dirty="0"/>
-              <a:t>Replacing self-written code with Parallel APIs</a:t>
+              <a:t>Changing Lock Types</a:t>
             </a:r>
           </a:p>
         </p:txBody>
@@ -3947,7 +4828,7 @@
           <p:cNvPr id="3" name="内容占位符 2">
             <a:extLst>
               <a:ext uri="{FF2B5EF4-FFF2-40B4-BE49-F238E27FC236}">
-                <a16:creationId xmlns:a16="http://schemas.microsoft.com/office/drawing/2014/main" id="{BAAD52DF-DD88-4CB6-9595-73C95C39F1D3}"/>
+                <a16:creationId xmlns:a16="http://schemas.microsoft.com/office/drawing/2014/main" id="{6AF71328-9E65-49D6-8C96-2955C1750354}"/>
               </a:ext>
             </a:extLst>
           </p:cNvPr>
@@ -3963,14 +4844,495 @@
           <a:bodyPr/>
           <a:lstStyle/>
           <a:p>
-            <a:endParaRPr lang="en-US" dirty="0"/>
+            <a:r>
+              <a:rPr lang="en-US" dirty="0"/>
+              <a:t>YARN</a:t>
+            </a:r>
+          </a:p>
+        </p:txBody>
+      </p:sp>
+      <p:sp>
+        <p:nvSpPr>
+          <p:cNvPr id="4" name="文本框 3">
+            <a:extLst>
+              <a:ext uri="{FF2B5EF4-FFF2-40B4-BE49-F238E27FC236}">
+                <a16:creationId xmlns:a16="http://schemas.microsoft.com/office/drawing/2014/main" id="{917924BB-EEA5-45B8-9F27-38E9CF258F47}"/>
+              </a:ext>
+            </a:extLst>
+          </p:cNvPr>
+          <p:cNvSpPr txBox="1"/>
+          <p:nvPr/>
+        </p:nvSpPr>
+        <p:spPr>
+          <a:xfrm>
+            <a:off x="3938954" y="1842711"/>
+            <a:ext cx="4314092" cy="1200329"/>
+          </a:xfrm>
+          <a:prstGeom prst="rect">
+            <a:avLst/>
+          </a:prstGeom>
+        </p:spPr>
+        <p:style>
+          <a:lnRef idx="2">
+            <a:schemeClr val="dk1"/>
+          </a:lnRef>
+          <a:fillRef idx="1">
+            <a:schemeClr val="lt1"/>
+          </a:fillRef>
+          <a:effectRef idx="0">
+            <a:schemeClr val="dk1"/>
+          </a:effectRef>
+          <a:fontRef idx="minor">
+            <a:schemeClr val="dk1"/>
+          </a:fontRef>
+        </p:style>
+        <p:txBody>
+          <a:bodyPr wrap="square" rtlCol="0">
+            <a:spAutoFit/>
+          </a:bodyPr>
+          <a:lstStyle/>
+          <a:p>
+            <a:r>
+              <a:rPr lang="en-US" dirty="0">
+                <a:solidFill>
+                  <a:srgbClr val="000000"/>
+                </a:solidFill>
+                <a:latin typeface="Consolas" panose="020B0609020204030204" pitchFamily="49" charset="0"/>
+              </a:rPr>
+              <a:t> </a:t>
+            </a:r>
+            <a:r>
+              <a:rPr lang="en-US" dirty="0" err="1">
+                <a:solidFill>
+                  <a:srgbClr val="000000"/>
+                </a:solidFill>
+                <a:latin typeface="Consolas" panose="020B0609020204030204" pitchFamily="49" charset="0"/>
+              </a:rPr>
+              <a:t>LeafQueue</a:t>
+            </a:r>
+            <a:r>
+              <a:rPr lang="en-US" dirty="0">
+                <a:solidFill>
+                  <a:srgbClr val="000000"/>
+                </a:solidFill>
+                <a:latin typeface="Consolas" panose="020B0609020204030204" pitchFamily="49" charset="0"/>
+              </a:rPr>
+              <a:t> </a:t>
+            </a:r>
+            <a:r>
+              <a:rPr lang="en-US" dirty="0" err="1">
+                <a:solidFill>
+                  <a:srgbClr val="000000"/>
+                </a:solidFill>
+                <a:latin typeface="Consolas" panose="020B0609020204030204" pitchFamily="49" charset="0"/>
+              </a:rPr>
+              <a:t>leafQueue</a:t>
+            </a:r>
+            <a:r>
+              <a:rPr lang="en-US" dirty="0">
+                <a:solidFill>
+                  <a:srgbClr val="000000"/>
+                </a:solidFill>
+                <a:latin typeface="Consolas" panose="020B0609020204030204" pitchFamily="49" charset="0"/>
+              </a:rPr>
+              <a:t> = ...;</a:t>
+            </a:r>
+            <a:br>
+              <a:rPr lang="en-US" dirty="0">
+                <a:solidFill>
+                  <a:srgbClr val="000000"/>
+                </a:solidFill>
+                <a:latin typeface="Consolas" panose="020B0609020204030204" pitchFamily="49" charset="0"/>
+              </a:rPr>
+            </a:br>
+            <a:r>
+              <a:rPr lang="en-US" dirty="0">
+                <a:solidFill>
+                  <a:srgbClr val="C00000"/>
+                </a:solidFill>
+                <a:latin typeface="Consolas" panose="020B0609020204030204" pitchFamily="49" charset="0"/>
+              </a:rPr>
+              <a:t>-synchronized (</a:t>
+            </a:r>
+            <a:r>
+              <a:rPr lang="en-US" dirty="0" err="1">
+                <a:solidFill>
+                  <a:srgbClr val="C00000"/>
+                </a:solidFill>
+                <a:latin typeface="Consolas" panose="020B0609020204030204" pitchFamily="49" charset="0"/>
+              </a:rPr>
+              <a:t>leafQueue</a:t>
+            </a:r>
+            <a:r>
+              <a:rPr lang="en-US" dirty="0">
+                <a:solidFill>
+                  <a:srgbClr val="C00000"/>
+                </a:solidFill>
+                <a:latin typeface="Consolas" panose="020B0609020204030204" pitchFamily="49" charset="0"/>
+              </a:rPr>
+              <a:t>) {</a:t>
+            </a:r>
+            <a:br>
+              <a:rPr lang="en-US" dirty="0">
+                <a:solidFill>
+                  <a:srgbClr val="C00000"/>
+                </a:solidFill>
+                <a:latin typeface="Consolas" panose="020B0609020204030204" pitchFamily="49" charset="0"/>
+              </a:rPr>
+            </a:br>
+            <a:r>
+              <a:rPr lang="en-US" dirty="0">
+                <a:solidFill>
+                  <a:srgbClr val="C00000"/>
+                </a:solidFill>
+                <a:latin typeface="Consolas" panose="020B0609020204030204" pitchFamily="49" charset="0"/>
+              </a:rPr>
+              <a:t>   </a:t>
+            </a:r>
+            <a:r>
+              <a:rPr lang="en-US" dirty="0">
+                <a:solidFill>
+                  <a:srgbClr val="000000"/>
+                </a:solidFill>
+                <a:latin typeface="Consolas" panose="020B0609020204030204" pitchFamily="49" charset="0"/>
+              </a:rPr>
+              <a:t>57 LOC</a:t>
+            </a:r>
+            <a:br>
+              <a:rPr lang="en-US" dirty="0">
+                <a:solidFill>
+                  <a:srgbClr val="000000"/>
+                </a:solidFill>
+                <a:latin typeface="Consolas" panose="020B0609020204030204" pitchFamily="49" charset="0"/>
+              </a:rPr>
+            </a:br>
+            <a:r>
+              <a:rPr lang="en-US" dirty="0">
+                <a:solidFill>
+                  <a:srgbClr val="000000"/>
+                </a:solidFill>
+                <a:latin typeface="Consolas" panose="020B0609020204030204" pitchFamily="49" charset="0"/>
+              </a:rPr>
+              <a:t> }</a:t>
+            </a:r>
+            <a:r>
+              <a:rPr lang="en-US" dirty="0">
+                <a:latin typeface="Consolas" panose="020B0609020204030204" pitchFamily="49" charset="0"/>
+              </a:rPr>
+              <a:t> </a:t>
+            </a:r>
+          </a:p>
+        </p:txBody>
+      </p:sp>
+      <p:sp>
+        <p:nvSpPr>
+          <p:cNvPr id="5" name="文本框 4">
+            <a:extLst>
+              <a:ext uri="{FF2B5EF4-FFF2-40B4-BE49-F238E27FC236}">
+                <a16:creationId xmlns:a16="http://schemas.microsoft.com/office/drawing/2014/main" id="{77DB325C-4DA2-493A-AAF8-1D2BE5E278A2}"/>
+              </a:ext>
+            </a:extLst>
+          </p:cNvPr>
+          <p:cNvSpPr txBox="1"/>
+          <p:nvPr/>
+        </p:nvSpPr>
+        <p:spPr>
+          <a:xfrm>
+            <a:off x="3351335" y="4452690"/>
+            <a:ext cx="5489330" cy="1477328"/>
+          </a:xfrm>
+          <a:prstGeom prst="rect">
+            <a:avLst/>
+          </a:prstGeom>
+        </p:spPr>
+        <p:style>
+          <a:lnRef idx="2">
+            <a:schemeClr val="dk1"/>
+          </a:lnRef>
+          <a:fillRef idx="1">
+            <a:schemeClr val="lt1"/>
+          </a:fillRef>
+          <a:effectRef idx="0">
+            <a:schemeClr val="dk1"/>
+          </a:effectRef>
+          <a:fontRef idx="minor">
+            <a:schemeClr val="dk1"/>
+          </a:fontRef>
+        </p:style>
+        <p:txBody>
+          <a:bodyPr wrap="square" rtlCol="0">
+            <a:spAutoFit/>
+          </a:bodyPr>
+          <a:lstStyle/>
+          <a:p>
+            <a:r>
+              <a:rPr lang="en-US" dirty="0">
+                <a:solidFill>
+                  <a:srgbClr val="000000"/>
+                </a:solidFill>
+                <a:latin typeface="Consolas" panose="020B0609020204030204" pitchFamily="49" charset="0"/>
+              </a:rPr>
+              <a:t> </a:t>
+            </a:r>
+            <a:r>
+              <a:rPr lang="en-US" dirty="0" err="1">
+                <a:solidFill>
+                  <a:srgbClr val="000000"/>
+                </a:solidFill>
+                <a:latin typeface="Consolas" panose="020B0609020204030204" pitchFamily="49" charset="0"/>
+              </a:rPr>
+              <a:t>LeafQueue</a:t>
+            </a:r>
+            <a:r>
+              <a:rPr lang="en-US" dirty="0">
+                <a:solidFill>
+                  <a:srgbClr val="000000"/>
+                </a:solidFill>
+                <a:latin typeface="Consolas" panose="020B0609020204030204" pitchFamily="49" charset="0"/>
+              </a:rPr>
+              <a:t> </a:t>
+            </a:r>
+            <a:r>
+              <a:rPr lang="en-US" dirty="0" err="1">
+                <a:solidFill>
+                  <a:srgbClr val="000000"/>
+                </a:solidFill>
+                <a:latin typeface="Consolas" panose="020B0609020204030204" pitchFamily="49" charset="0"/>
+              </a:rPr>
+              <a:t>leafQueue</a:t>
+            </a:r>
+            <a:r>
+              <a:rPr lang="en-US" dirty="0">
+                <a:solidFill>
+                  <a:srgbClr val="000000"/>
+                </a:solidFill>
+                <a:latin typeface="Consolas" panose="020B0609020204030204" pitchFamily="49" charset="0"/>
+              </a:rPr>
+              <a:t> = ...;</a:t>
+            </a:r>
+            <a:br>
+              <a:rPr lang="en-US" dirty="0">
+                <a:solidFill>
+                  <a:srgbClr val="000000"/>
+                </a:solidFill>
+                <a:latin typeface="Consolas" panose="020B0609020204030204" pitchFamily="49" charset="0"/>
+              </a:rPr>
+            </a:br>
+            <a:r>
+              <a:rPr lang="en-US" dirty="0">
+                <a:solidFill>
+                  <a:srgbClr val="0070C0"/>
+                </a:solidFill>
+                <a:latin typeface="Consolas" panose="020B0609020204030204" pitchFamily="49" charset="0"/>
+              </a:rPr>
+              <a:t>+try { </a:t>
+            </a:r>
+            <a:r>
+              <a:rPr lang="en-US" dirty="0" err="1">
+                <a:solidFill>
+                  <a:srgbClr val="0070C0"/>
+                </a:solidFill>
+                <a:latin typeface="Consolas" panose="020B0609020204030204" pitchFamily="49" charset="0"/>
+              </a:rPr>
+              <a:t>leafQueue.getReadLock</a:t>
+            </a:r>
+            <a:r>
+              <a:rPr lang="en-US" dirty="0">
+                <a:solidFill>
+                  <a:srgbClr val="0070C0"/>
+                </a:solidFill>
+                <a:latin typeface="Consolas" panose="020B0609020204030204" pitchFamily="49" charset="0"/>
+              </a:rPr>
+              <a:t>().lock();</a:t>
+            </a:r>
+            <a:br>
+              <a:rPr lang="en-US" dirty="0">
+                <a:solidFill>
+                  <a:srgbClr val="0070C0"/>
+                </a:solidFill>
+                <a:latin typeface="Consolas" panose="020B0609020204030204" pitchFamily="49" charset="0"/>
+              </a:rPr>
+            </a:br>
+            <a:r>
+              <a:rPr lang="en-US" dirty="0">
+                <a:solidFill>
+                  <a:srgbClr val="0070C0"/>
+                </a:solidFill>
+                <a:latin typeface="Consolas" panose="020B0609020204030204" pitchFamily="49" charset="0"/>
+              </a:rPr>
+              <a:t>   </a:t>
+            </a:r>
+            <a:r>
+              <a:rPr lang="en-US" dirty="0">
+                <a:solidFill>
+                  <a:srgbClr val="000000"/>
+                </a:solidFill>
+                <a:latin typeface="Consolas" panose="020B0609020204030204" pitchFamily="49" charset="0"/>
+              </a:rPr>
+              <a:t>57 LOC</a:t>
+            </a:r>
+            <a:br>
+              <a:rPr lang="en-US" dirty="0">
+                <a:solidFill>
+                  <a:srgbClr val="000000"/>
+                </a:solidFill>
+                <a:latin typeface="Consolas" panose="020B0609020204030204" pitchFamily="49" charset="0"/>
+              </a:rPr>
+            </a:br>
+            <a:r>
+              <a:rPr lang="en-US" dirty="0">
+                <a:solidFill>
+                  <a:srgbClr val="0070C0"/>
+                </a:solidFill>
+                <a:latin typeface="Consolas" panose="020B0609020204030204" pitchFamily="49" charset="0"/>
+              </a:rPr>
+              <a:t>+} finally {</a:t>
+            </a:r>
+            <a:br>
+              <a:rPr lang="en-US" dirty="0">
+                <a:solidFill>
+                  <a:srgbClr val="0070C0"/>
+                </a:solidFill>
+                <a:latin typeface="Consolas" panose="020B0609020204030204" pitchFamily="49" charset="0"/>
+              </a:rPr>
+            </a:br>
+            <a:r>
+              <a:rPr lang="en-US" dirty="0">
+                <a:solidFill>
+                  <a:srgbClr val="0070C0"/>
+                </a:solidFill>
+                <a:latin typeface="Consolas" panose="020B0609020204030204" pitchFamily="49" charset="0"/>
+              </a:rPr>
+              <a:t>+ </a:t>
+            </a:r>
+            <a:r>
+              <a:rPr lang="en-US" dirty="0" err="1">
+                <a:solidFill>
+                  <a:srgbClr val="0070C0"/>
+                </a:solidFill>
+                <a:latin typeface="Consolas" panose="020B0609020204030204" pitchFamily="49" charset="0"/>
+              </a:rPr>
+              <a:t>leafQueue.getReadLock</a:t>
+            </a:r>
+            <a:r>
+              <a:rPr lang="en-US" dirty="0">
+                <a:solidFill>
+                  <a:srgbClr val="0070C0"/>
+                </a:solidFill>
+                <a:latin typeface="Consolas" panose="020B0609020204030204" pitchFamily="49" charset="0"/>
+              </a:rPr>
+              <a:t>().</a:t>
+            </a:r>
+            <a:r>
+              <a:rPr lang="en-US" dirty="0">
+                <a:solidFill>
+                  <a:srgbClr val="5B9BD5"/>
+                </a:solidFill>
+                <a:latin typeface="Consolas" panose="020B0609020204030204" pitchFamily="49" charset="0"/>
+              </a:rPr>
+              <a:t>unlock();}</a:t>
+            </a:r>
+            <a:r>
+              <a:rPr lang="en-US" dirty="0">
+                <a:latin typeface="Consolas" panose="020B0609020204030204" pitchFamily="49" charset="0"/>
+              </a:rPr>
+              <a:t> </a:t>
+            </a:r>
+          </a:p>
+        </p:txBody>
+      </p:sp>
+      <p:sp>
+        <p:nvSpPr>
+          <p:cNvPr id="9" name="箭头: 下 8">
+            <a:extLst>
+              <a:ext uri="{FF2B5EF4-FFF2-40B4-BE49-F238E27FC236}">
+                <a16:creationId xmlns:a16="http://schemas.microsoft.com/office/drawing/2014/main" id="{C243EEE8-1AFB-4463-815D-155DF3546832}"/>
+              </a:ext>
+            </a:extLst>
+          </p:cNvPr>
+          <p:cNvSpPr/>
+          <p:nvPr/>
+        </p:nvSpPr>
+        <p:spPr>
+          <a:xfrm>
+            <a:off x="5873261" y="3401952"/>
+            <a:ext cx="445477" cy="691826"/>
+          </a:xfrm>
+          <a:prstGeom prst="downArrow">
+            <a:avLst/>
+          </a:prstGeom>
+        </p:spPr>
+        <p:style>
+          <a:lnRef idx="2">
+            <a:schemeClr val="accent1">
+              <a:shade val="50000"/>
+            </a:schemeClr>
+          </a:lnRef>
+          <a:fillRef idx="1">
+            <a:schemeClr val="accent1"/>
+          </a:fillRef>
+          <a:effectRef idx="0">
+            <a:schemeClr val="accent1"/>
+          </a:effectRef>
+          <a:fontRef idx="minor">
+            <a:schemeClr val="lt1"/>
+          </a:fontRef>
+        </p:style>
+        <p:txBody>
+          <a:bodyPr rtlCol="0" anchor="ctr"/>
+          <a:lstStyle/>
+          <a:p>
+            <a:pPr algn="ctr"/>
+            <a:endParaRPr lang="en-US"/>
+          </a:p>
+        </p:txBody>
+      </p:sp>
+      <p:sp>
+        <p:nvSpPr>
+          <p:cNvPr id="13" name="文本框 12">
+            <a:extLst>
+              <a:ext uri="{FF2B5EF4-FFF2-40B4-BE49-F238E27FC236}">
+                <a16:creationId xmlns:a16="http://schemas.microsoft.com/office/drawing/2014/main" id="{08316733-F6CF-4CD6-B09F-8DA0CC506FD9}"/>
+              </a:ext>
+            </a:extLst>
+          </p:cNvPr>
+          <p:cNvSpPr txBox="1"/>
+          <p:nvPr/>
+        </p:nvSpPr>
+        <p:spPr>
+          <a:xfrm>
+            <a:off x="9039958" y="3139671"/>
+            <a:ext cx="2782765" cy="954107"/>
+          </a:xfrm>
+          <a:prstGeom prst="rect">
+            <a:avLst/>
+          </a:prstGeom>
+          <a:noFill/>
+        </p:spPr>
+        <p:txBody>
+          <a:bodyPr wrap="square" rtlCol="0">
+            <a:spAutoFit/>
+          </a:bodyPr>
+          <a:lstStyle/>
+          <a:p>
+            <a:r>
+              <a:rPr lang="en-US" sz="2800" dirty="0">
+                <a:solidFill>
+                  <a:schemeClr val="tx1">
+                    <a:lumMod val="65000"/>
+                    <a:lumOff val="35000"/>
+                  </a:schemeClr>
+                </a:solidFill>
+              </a:rPr>
+              <a:t>Some details are omitted</a:t>
+            </a:r>
           </a:p>
         </p:txBody>
       </p:sp>
     </p:spTree>
     <p:extLst>
       <p:ext uri="{BB962C8B-B14F-4D97-AF65-F5344CB8AC3E}">
-        <p14:creationId xmlns:p14="http://schemas.microsoft.com/office/powerpoint/2010/main" val="1332754715"/>
+        <p14:creationId xmlns:p14="http://schemas.microsoft.com/office/powerpoint/2010/main" val="4067548756"/>
       </p:ext>
     </p:extLst>
   </p:cSld>
@@ -4002,7 +5364,7 @@
           <p:cNvPr id="2" name="标题 1">
             <a:extLst>
               <a:ext uri="{FF2B5EF4-FFF2-40B4-BE49-F238E27FC236}">
-                <a16:creationId xmlns:a16="http://schemas.microsoft.com/office/drawing/2014/main" id="{D91E2233-FB63-49E3-911C-B1CCF839AD31}"/>
+                <a16:creationId xmlns:a16="http://schemas.microsoft.com/office/drawing/2014/main" id="{96BDA6BF-0090-43C0-A8DC-6990093770B6}"/>
               </a:ext>
             </a:extLst>
           </p:cNvPr>
@@ -4020,7 +5382,7 @@
           <a:p>
             <a:r>
               <a:rPr lang="en-US" dirty="0"/>
-              <a:t>Results - RQ2</a:t>
+              <a:t>Changing Locked Variables</a:t>
             </a:r>
           </a:p>
         </p:txBody>
@@ -4030,7 +5392,7 @@
           <p:cNvPr id="3" name="内容占位符 2">
             <a:extLst>
               <a:ext uri="{FF2B5EF4-FFF2-40B4-BE49-F238E27FC236}">
-                <a16:creationId xmlns:a16="http://schemas.microsoft.com/office/drawing/2014/main" id="{4D11BC15-7859-4B31-BD53-38D19F24A9B8}"/>
+                <a16:creationId xmlns:a16="http://schemas.microsoft.com/office/drawing/2014/main" id="{76BCF74B-03A3-4565-A20C-AA20CB7D1F3E}"/>
               </a:ext>
             </a:extLst>
           </p:cNvPr>
@@ -4048,15 +5410,2456 @@
           <a:p>
             <a:r>
               <a:rPr lang="en-US" dirty="0"/>
-              <a:t>2 of 3 pull requests are accepted</a:t>
-            </a:r>
+              <a:t>FLINK</a:t>
+            </a:r>
+          </a:p>
+        </p:txBody>
+      </p:sp>
+      <p:sp>
+        <p:nvSpPr>
+          <p:cNvPr id="4" name="文本框 3">
+            <a:extLst>
+              <a:ext uri="{FF2B5EF4-FFF2-40B4-BE49-F238E27FC236}">
+                <a16:creationId xmlns:a16="http://schemas.microsoft.com/office/drawing/2014/main" id="{1352E534-F7B6-4B1F-B640-2C9DF3779E1F}"/>
+              </a:ext>
+            </a:extLst>
+          </p:cNvPr>
+          <p:cNvSpPr txBox="1"/>
+          <p:nvPr/>
+        </p:nvSpPr>
+        <p:spPr>
+          <a:xfrm>
+            <a:off x="3065584" y="1550035"/>
+            <a:ext cx="6318738" cy="2308324"/>
+          </a:xfrm>
+          <a:prstGeom prst="rect">
+            <a:avLst/>
+          </a:prstGeom>
+        </p:spPr>
+        <p:style>
+          <a:lnRef idx="2">
+            <a:schemeClr val="dk1"/>
+          </a:lnRef>
+          <a:fillRef idx="1">
+            <a:schemeClr val="lt1"/>
+          </a:fillRef>
+          <a:effectRef idx="0">
+            <a:schemeClr val="dk1"/>
+          </a:effectRef>
+          <a:fontRef idx="minor">
+            <a:schemeClr val="dk1"/>
+          </a:fontRef>
+        </p:style>
+        <p:txBody>
+          <a:bodyPr wrap="square" rtlCol="0">
+            <a:spAutoFit/>
+          </a:bodyPr>
+          <a:lstStyle/>
+          <a:p>
+            <a:r>
+              <a:rPr lang="en-US" dirty="0">
+                <a:solidFill>
+                  <a:srgbClr val="000000"/>
+                </a:solidFill>
+                <a:latin typeface="Consolas" panose="020B0609020204030204" pitchFamily="49" charset="0"/>
+              </a:rPr>
+              <a:t> static final Object lock = new Object();</a:t>
+            </a:r>
+            <a:br>
+              <a:rPr lang="en-US" dirty="0">
+                <a:solidFill>
+                  <a:srgbClr val="000000"/>
+                </a:solidFill>
+                <a:latin typeface="Consolas" panose="020B0609020204030204" pitchFamily="49" charset="0"/>
+              </a:rPr>
+            </a:br>
+            <a:r>
+              <a:rPr lang="en-US" dirty="0">
+                <a:solidFill>
+                  <a:srgbClr val="000000"/>
+                </a:solidFill>
+                <a:latin typeface="Consolas" panose="020B0609020204030204" pitchFamily="49" charset="0"/>
+              </a:rPr>
+              <a:t> Map&lt;...&gt; count = new </a:t>
+            </a:r>
+            <a:r>
+              <a:rPr lang="en-US" dirty="0" err="1">
+                <a:solidFill>
+                  <a:srgbClr val="000000"/>
+                </a:solidFill>
+                <a:latin typeface="Consolas" panose="020B0609020204030204" pitchFamily="49" charset="0"/>
+              </a:rPr>
+              <a:t>HashMap</a:t>
+            </a:r>
+            <a:r>
+              <a:rPr lang="en-US" dirty="0">
+                <a:solidFill>
+                  <a:srgbClr val="000000"/>
+                </a:solidFill>
+                <a:latin typeface="Consolas" panose="020B0609020204030204" pitchFamily="49" charset="0"/>
+              </a:rPr>
+              <a:t>&lt;&gt;();</a:t>
+            </a:r>
+            <a:br>
+              <a:rPr lang="en-US" dirty="0">
+                <a:solidFill>
+                  <a:srgbClr val="000000"/>
+                </a:solidFill>
+                <a:latin typeface="Consolas" panose="020B0609020204030204" pitchFamily="49" charset="0"/>
+              </a:rPr>
+            </a:br>
+            <a:r>
+              <a:rPr lang="en-US" dirty="0">
+                <a:solidFill>
+                  <a:srgbClr val="C00000"/>
+                </a:solidFill>
+                <a:latin typeface="Consolas" panose="020B0609020204030204" pitchFamily="49" charset="0"/>
+              </a:rPr>
+              <a:t>-synchronized (count) {</a:t>
+            </a:r>
+            <a:br>
+              <a:rPr lang="en-US" dirty="0">
+                <a:solidFill>
+                  <a:srgbClr val="C00000"/>
+                </a:solidFill>
+                <a:latin typeface="Consolas" panose="020B0609020204030204" pitchFamily="49" charset="0"/>
+              </a:rPr>
+            </a:br>
+            <a:r>
+              <a:rPr lang="en-US" dirty="0">
+                <a:solidFill>
+                  <a:srgbClr val="C00000"/>
+                </a:solidFill>
+                <a:latin typeface="Consolas" panose="020B0609020204030204" pitchFamily="49" charset="0"/>
+              </a:rPr>
+              <a:t>- Pair&lt;Job, String&gt; key =</a:t>
+            </a:r>
+            <a:br>
+              <a:rPr lang="en-US" dirty="0">
+                <a:solidFill>
+                  <a:srgbClr val="C00000"/>
+                </a:solidFill>
+                <a:latin typeface="Consolas" panose="020B0609020204030204" pitchFamily="49" charset="0"/>
+              </a:rPr>
+            </a:br>
+            <a:r>
+              <a:rPr lang="en-US" dirty="0">
+                <a:solidFill>
+                  <a:srgbClr val="C00000"/>
+                </a:solidFill>
+                <a:latin typeface="Consolas" panose="020B0609020204030204" pitchFamily="49" charset="0"/>
+              </a:rPr>
+              <a:t>- new </a:t>
+            </a:r>
+            <a:r>
+              <a:rPr lang="en-US" dirty="0" err="1">
+                <a:solidFill>
+                  <a:srgbClr val="C00000"/>
+                </a:solidFill>
+                <a:latin typeface="Consolas" panose="020B0609020204030204" pitchFamily="49" charset="0"/>
+              </a:rPr>
+              <a:t>ImmutablePair</a:t>
+            </a:r>
+            <a:r>
+              <a:rPr lang="en-US" dirty="0">
+                <a:solidFill>
+                  <a:srgbClr val="C00000"/>
+                </a:solidFill>
+                <a:latin typeface="Consolas" panose="020B0609020204030204" pitchFamily="49" charset="0"/>
+              </a:rPr>
+              <a:t>&lt;&gt;(</a:t>
+            </a:r>
+            <a:r>
+              <a:rPr lang="en-US" dirty="0" err="1">
+                <a:solidFill>
+                  <a:srgbClr val="C00000"/>
+                </a:solidFill>
+                <a:latin typeface="Consolas" panose="020B0609020204030204" pitchFamily="49" charset="0"/>
+              </a:rPr>
+              <a:t>jobID</a:t>
+            </a:r>
+            <a:r>
+              <a:rPr lang="en-US" dirty="0">
+                <a:solidFill>
+                  <a:srgbClr val="C00000"/>
+                </a:solidFill>
+                <a:latin typeface="Consolas" panose="020B0609020204030204" pitchFamily="49" charset="0"/>
+              </a:rPr>
+              <a:t>, name);</a:t>
+            </a:r>
+            <a:br>
+              <a:rPr lang="en-US" dirty="0">
+                <a:solidFill>
+                  <a:srgbClr val="C00000"/>
+                </a:solidFill>
+                <a:latin typeface="Consolas" panose="020B0609020204030204" pitchFamily="49" charset="0"/>
+              </a:rPr>
+            </a:br>
+            <a:r>
+              <a:rPr lang="en-US" dirty="0">
+                <a:solidFill>
+                  <a:srgbClr val="C00000"/>
+                </a:solidFill>
+                <a:latin typeface="Consolas" panose="020B0609020204030204" pitchFamily="49" charset="0"/>
+              </a:rPr>
+              <a:t>- if (</a:t>
+            </a:r>
+            <a:r>
+              <a:rPr lang="en-US" dirty="0" err="1">
+                <a:solidFill>
+                  <a:srgbClr val="C00000"/>
+                </a:solidFill>
+                <a:latin typeface="Consolas" panose="020B0609020204030204" pitchFamily="49" charset="0"/>
+              </a:rPr>
+              <a:t>count.containsKey</a:t>
+            </a:r>
+            <a:r>
+              <a:rPr lang="en-US" dirty="0">
+                <a:solidFill>
+                  <a:srgbClr val="C00000"/>
+                </a:solidFill>
+                <a:latin typeface="Consolas" panose="020B0609020204030204" pitchFamily="49" charset="0"/>
+              </a:rPr>
+              <a:t>(key)) {</a:t>
+            </a:r>
+            <a:br>
+              <a:rPr lang="en-US" dirty="0">
+                <a:solidFill>
+                  <a:srgbClr val="C00000"/>
+                </a:solidFill>
+                <a:latin typeface="Consolas" panose="020B0609020204030204" pitchFamily="49" charset="0"/>
+              </a:rPr>
+            </a:br>
+            <a:r>
+              <a:rPr lang="en-US" dirty="0">
+                <a:solidFill>
+                  <a:srgbClr val="C00000"/>
+                </a:solidFill>
+                <a:latin typeface="Consolas" panose="020B0609020204030204" pitchFamily="49" charset="0"/>
+              </a:rPr>
+              <a:t>- </a:t>
+            </a:r>
+            <a:r>
+              <a:rPr lang="en-US" dirty="0" err="1">
+                <a:solidFill>
+                  <a:srgbClr val="C00000"/>
+                </a:solidFill>
+                <a:latin typeface="Consolas" panose="020B0609020204030204" pitchFamily="49" charset="0"/>
+              </a:rPr>
+              <a:t>count.put</a:t>
+            </a:r>
+            <a:r>
+              <a:rPr lang="en-US" dirty="0">
+                <a:solidFill>
+                  <a:srgbClr val="C00000"/>
+                </a:solidFill>
+                <a:latin typeface="Consolas" panose="020B0609020204030204" pitchFamily="49" charset="0"/>
+              </a:rPr>
+              <a:t>(key, </a:t>
+            </a:r>
+            <a:r>
+              <a:rPr lang="en-US" dirty="0" err="1">
+                <a:solidFill>
+                  <a:srgbClr val="C00000"/>
+                </a:solidFill>
+                <a:latin typeface="Consolas" panose="020B0609020204030204" pitchFamily="49" charset="0"/>
+              </a:rPr>
+              <a:t>count.get</a:t>
+            </a:r>
+            <a:r>
+              <a:rPr lang="en-US" dirty="0">
+                <a:solidFill>
+                  <a:srgbClr val="C00000"/>
+                </a:solidFill>
+                <a:latin typeface="Consolas" panose="020B0609020204030204" pitchFamily="49" charset="0"/>
+              </a:rPr>
+              <a:t>(key) + 1);</a:t>
+            </a:r>
+            <a:br>
+              <a:rPr lang="en-US" dirty="0">
+                <a:solidFill>
+                  <a:srgbClr val="C00000"/>
+                </a:solidFill>
+                <a:latin typeface="Consolas" panose="020B0609020204030204" pitchFamily="49" charset="0"/>
+              </a:rPr>
+            </a:br>
+            <a:r>
+              <a:rPr lang="en-US" dirty="0">
+                <a:solidFill>
+                  <a:srgbClr val="C00000"/>
+                </a:solidFill>
+                <a:latin typeface="Consolas" panose="020B0609020204030204" pitchFamily="49" charset="0"/>
+              </a:rPr>
+              <a:t>- } else {</a:t>
+            </a:r>
+            <a:r>
+              <a:rPr lang="en-US" dirty="0" err="1">
+                <a:solidFill>
+                  <a:srgbClr val="C00000"/>
+                </a:solidFill>
+                <a:latin typeface="Consolas" panose="020B0609020204030204" pitchFamily="49" charset="0"/>
+              </a:rPr>
+              <a:t>count.put</a:t>
+            </a:r>
+            <a:r>
+              <a:rPr lang="en-US" dirty="0">
+                <a:solidFill>
+                  <a:srgbClr val="C00000"/>
+                </a:solidFill>
+                <a:latin typeface="Consolas" panose="020B0609020204030204" pitchFamily="49" charset="0"/>
+              </a:rPr>
+              <a:t>(key, 1);}}</a:t>
+            </a:r>
+            <a:r>
+              <a:rPr lang="en-US" dirty="0">
+                <a:latin typeface="Consolas" panose="020B0609020204030204" pitchFamily="49" charset="0"/>
+              </a:rPr>
+              <a:t> </a:t>
+            </a:r>
+          </a:p>
+        </p:txBody>
+      </p:sp>
+      <p:sp>
+        <p:nvSpPr>
+          <p:cNvPr id="5" name="文本框 4">
+            <a:extLst>
+              <a:ext uri="{FF2B5EF4-FFF2-40B4-BE49-F238E27FC236}">
+                <a16:creationId xmlns:a16="http://schemas.microsoft.com/office/drawing/2014/main" id="{9143C8EE-F872-498F-83F3-4748C9344176}"/>
+              </a:ext>
+            </a:extLst>
+          </p:cNvPr>
+          <p:cNvSpPr txBox="1"/>
+          <p:nvPr/>
+        </p:nvSpPr>
+        <p:spPr>
+          <a:xfrm>
+            <a:off x="3065584" y="3993296"/>
+            <a:ext cx="6318738" cy="2585323"/>
+          </a:xfrm>
+          <a:prstGeom prst="rect">
+            <a:avLst/>
+          </a:prstGeom>
+        </p:spPr>
+        <p:style>
+          <a:lnRef idx="2">
+            <a:schemeClr val="dk1"/>
+          </a:lnRef>
+          <a:fillRef idx="1">
+            <a:schemeClr val="lt1"/>
+          </a:fillRef>
+          <a:effectRef idx="0">
+            <a:schemeClr val="dk1"/>
+          </a:effectRef>
+          <a:fontRef idx="minor">
+            <a:schemeClr val="dk1"/>
+          </a:fontRef>
+        </p:style>
+        <p:txBody>
+          <a:bodyPr wrap="square" rtlCol="0">
+            <a:spAutoFit/>
+          </a:bodyPr>
+          <a:lstStyle/>
+          <a:p>
+            <a:r>
+              <a:rPr lang="en-US" dirty="0">
+                <a:solidFill>
+                  <a:srgbClr val="000000"/>
+                </a:solidFill>
+                <a:latin typeface="Consolas" panose="020B0609020204030204" pitchFamily="49" charset="0"/>
+              </a:rPr>
+              <a:t>static final Object lock = new Object();</a:t>
+            </a:r>
+            <a:br>
+              <a:rPr lang="en-US" dirty="0">
+                <a:solidFill>
+                  <a:srgbClr val="000000"/>
+                </a:solidFill>
+                <a:latin typeface="Consolas" panose="020B0609020204030204" pitchFamily="49" charset="0"/>
+              </a:rPr>
+            </a:br>
+            <a:r>
+              <a:rPr lang="en-US" dirty="0">
+                <a:solidFill>
+                  <a:srgbClr val="000000"/>
+                </a:solidFill>
+                <a:latin typeface="Consolas" panose="020B0609020204030204" pitchFamily="49" charset="0"/>
+              </a:rPr>
+              <a:t>Map&lt;...&gt; count = new </a:t>
+            </a:r>
+            <a:r>
+              <a:rPr lang="en-US" dirty="0" err="1">
+                <a:solidFill>
+                  <a:srgbClr val="000000"/>
+                </a:solidFill>
+                <a:latin typeface="Consolas" panose="020B0609020204030204" pitchFamily="49" charset="0"/>
+              </a:rPr>
+              <a:t>HashMap</a:t>
+            </a:r>
+            <a:r>
+              <a:rPr lang="en-US" dirty="0">
+                <a:solidFill>
+                  <a:srgbClr val="000000"/>
+                </a:solidFill>
+                <a:latin typeface="Consolas" panose="020B0609020204030204" pitchFamily="49" charset="0"/>
+              </a:rPr>
+              <a:t>&lt;&gt;();</a:t>
+            </a:r>
+            <a:br>
+              <a:rPr lang="en-US" dirty="0">
+                <a:solidFill>
+                  <a:srgbClr val="000000"/>
+                </a:solidFill>
+                <a:latin typeface="Consolas" panose="020B0609020204030204" pitchFamily="49" charset="0"/>
+              </a:rPr>
+            </a:br>
+            <a:r>
+              <a:rPr lang="en-US" dirty="0">
+                <a:solidFill>
+                  <a:srgbClr val="0070C0"/>
+                </a:solidFill>
+                <a:latin typeface="Consolas" panose="020B0609020204030204" pitchFamily="49" charset="0"/>
+              </a:rPr>
+              <a:t>+synchronized(lock)</a:t>
+            </a:r>
+            <a:br>
+              <a:rPr lang="en-US" dirty="0">
+                <a:solidFill>
+                  <a:srgbClr val="0070C0"/>
+                </a:solidFill>
+                <a:latin typeface="Consolas" panose="020B0609020204030204" pitchFamily="49" charset="0"/>
+              </a:rPr>
+            </a:br>
+            <a:r>
+              <a:rPr lang="en-US" dirty="0">
+                <a:solidFill>
+                  <a:srgbClr val="0070C0"/>
+                </a:solidFill>
+                <a:latin typeface="Consolas" panose="020B0609020204030204" pitchFamily="49" charset="0"/>
+              </a:rPr>
+              <a:t>+ if (!</a:t>
+            </a:r>
+            <a:r>
+              <a:rPr lang="en-US" dirty="0" err="1">
+                <a:solidFill>
+                  <a:srgbClr val="0070C0"/>
+                </a:solidFill>
+                <a:latin typeface="Consolas" panose="020B0609020204030204" pitchFamily="49" charset="0"/>
+              </a:rPr>
+              <a:t>jobCounts.containsKey</a:t>
+            </a:r>
+            <a:r>
+              <a:rPr lang="en-US" dirty="0">
+                <a:solidFill>
+                  <a:srgbClr val="0070C0"/>
+                </a:solidFill>
+                <a:latin typeface="Consolas" panose="020B0609020204030204" pitchFamily="49" charset="0"/>
+              </a:rPr>
+              <a:t>(</a:t>
+            </a:r>
+            <a:r>
+              <a:rPr lang="en-US" dirty="0" err="1">
+                <a:solidFill>
+                  <a:srgbClr val="0070C0"/>
+                </a:solidFill>
+                <a:latin typeface="Consolas" panose="020B0609020204030204" pitchFamily="49" charset="0"/>
+              </a:rPr>
+              <a:t>jobID</a:t>
+            </a:r>
+            <a:r>
+              <a:rPr lang="en-US" dirty="0">
+                <a:solidFill>
+                  <a:srgbClr val="0070C0"/>
+                </a:solidFill>
+                <a:latin typeface="Consolas" panose="020B0609020204030204" pitchFamily="49" charset="0"/>
+              </a:rPr>
+              <a:t>)) {</a:t>
+            </a:r>
+            <a:br>
+              <a:rPr lang="en-US" dirty="0">
+                <a:solidFill>
+                  <a:srgbClr val="0070C0"/>
+                </a:solidFill>
+                <a:latin typeface="Consolas" panose="020B0609020204030204" pitchFamily="49" charset="0"/>
+              </a:rPr>
+            </a:br>
+            <a:r>
+              <a:rPr lang="en-US" dirty="0">
+                <a:solidFill>
+                  <a:srgbClr val="0070C0"/>
+                </a:solidFill>
+                <a:latin typeface="Consolas" panose="020B0609020204030204" pitchFamily="49" charset="0"/>
+              </a:rPr>
+              <a:t>+ </a:t>
+            </a:r>
+            <a:r>
+              <a:rPr lang="en-US" dirty="0" err="1">
+                <a:solidFill>
+                  <a:srgbClr val="0070C0"/>
+                </a:solidFill>
+                <a:latin typeface="Consolas" panose="020B0609020204030204" pitchFamily="49" charset="0"/>
+              </a:rPr>
+              <a:t>jobCounts.put</a:t>
+            </a:r>
+            <a:r>
+              <a:rPr lang="en-US" dirty="0">
+                <a:solidFill>
+                  <a:srgbClr val="0070C0"/>
+                </a:solidFill>
+                <a:latin typeface="Consolas" panose="020B0609020204030204" pitchFamily="49" charset="0"/>
+              </a:rPr>
+              <a:t>(</a:t>
+            </a:r>
+            <a:r>
+              <a:rPr lang="en-US" dirty="0" err="1">
+                <a:solidFill>
+                  <a:srgbClr val="0070C0"/>
+                </a:solidFill>
+                <a:latin typeface="Consolas" panose="020B0609020204030204" pitchFamily="49" charset="0"/>
+              </a:rPr>
+              <a:t>jobID</a:t>
+            </a:r>
+            <a:r>
+              <a:rPr lang="en-US" dirty="0">
+                <a:solidFill>
+                  <a:srgbClr val="0070C0"/>
+                </a:solidFill>
+                <a:latin typeface="Consolas" panose="020B0609020204030204" pitchFamily="49" charset="0"/>
+              </a:rPr>
+              <a:t>, new </a:t>
+            </a:r>
+            <a:r>
+              <a:rPr lang="en-US" dirty="0" err="1">
+                <a:solidFill>
+                  <a:srgbClr val="0070C0"/>
+                </a:solidFill>
+                <a:latin typeface="Consolas" panose="020B0609020204030204" pitchFamily="49" charset="0"/>
+              </a:rPr>
+              <a:t>HashMap</a:t>
+            </a:r>
+            <a:r>
+              <a:rPr lang="en-US" dirty="0">
+                <a:solidFill>
+                  <a:srgbClr val="0070C0"/>
+                </a:solidFill>
+                <a:latin typeface="Consolas" panose="020B0609020204030204" pitchFamily="49" charset="0"/>
+              </a:rPr>
+              <a:t>&lt;&gt;());}</a:t>
+            </a:r>
+            <a:br>
+              <a:rPr lang="en-US" dirty="0">
+                <a:solidFill>
+                  <a:srgbClr val="0070C0"/>
+                </a:solidFill>
+                <a:latin typeface="Consolas" panose="020B0609020204030204" pitchFamily="49" charset="0"/>
+              </a:rPr>
+            </a:br>
+            <a:r>
+              <a:rPr lang="en-US" dirty="0">
+                <a:solidFill>
+                  <a:srgbClr val="0070C0"/>
+                </a:solidFill>
+                <a:latin typeface="Consolas" panose="020B0609020204030204" pitchFamily="49" charset="0"/>
+              </a:rPr>
+              <a:t>+ Map&lt;...&gt; count = </a:t>
+            </a:r>
+            <a:r>
+              <a:rPr lang="en-US" dirty="0" err="1">
+                <a:solidFill>
+                  <a:srgbClr val="0070C0"/>
+                </a:solidFill>
+                <a:latin typeface="Consolas" panose="020B0609020204030204" pitchFamily="49" charset="0"/>
+              </a:rPr>
+              <a:t>jobCounts.get</a:t>
+            </a:r>
+            <a:r>
+              <a:rPr lang="en-US" dirty="0">
+                <a:solidFill>
+                  <a:srgbClr val="0070C0"/>
+                </a:solidFill>
+                <a:latin typeface="Consolas" panose="020B0609020204030204" pitchFamily="49" charset="0"/>
+              </a:rPr>
+              <a:t>(</a:t>
+            </a:r>
+            <a:r>
+              <a:rPr lang="en-US" dirty="0" err="1">
+                <a:solidFill>
+                  <a:srgbClr val="0070C0"/>
+                </a:solidFill>
+                <a:latin typeface="Consolas" panose="020B0609020204030204" pitchFamily="49" charset="0"/>
+              </a:rPr>
+              <a:t>jobID</a:t>
+            </a:r>
+            <a:r>
+              <a:rPr lang="en-US" dirty="0">
+                <a:solidFill>
+                  <a:srgbClr val="0070C0"/>
+                </a:solidFill>
+                <a:latin typeface="Consolas" panose="020B0609020204030204" pitchFamily="49" charset="0"/>
+              </a:rPr>
+              <a:t>);</a:t>
+            </a:r>
+            <a:br>
+              <a:rPr lang="en-US" dirty="0">
+                <a:solidFill>
+                  <a:srgbClr val="0070C0"/>
+                </a:solidFill>
+                <a:latin typeface="Consolas" panose="020B0609020204030204" pitchFamily="49" charset="0"/>
+              </a:rPr>
+            </a:br>
+            <a:r>
+              <a:rPr lang="en-US" dirty="0">
+                <a:solidFill>
+                  <a:srgbClr val="0070C0"/>
+                </a:solidFill>
+                <a:latin typeface="Consolas" panose="020B0609020204030204" pitchFamily="49" charset="0"/>
+              </a:rPr>
+              <a:t>+ if (</a:t>
+            </a:r>
+            <a:r>
+              <a:rPr lang="en-US" dirty="0" err="1">
+                <a:solidFill>
+                  <a:srgbClr val="0070C0"/>
+                </a:solidFill>
+                <a:latin typeface="Consolas" panose="020B0609020204030204" pitchFamily="49" charset="0"/>
+              </a:rPr>
+              <a:t>count.containsKey</a:t>
+            </a:r>
+            <a:r>
+              <a:rPr lang="en-US" dirty="0">
+                <a:solidFill>
+                  <a:srgbClr val="0070C0"/>
+                </a:solidFill>
+                <a:latin typeface="Consolas" panose="020B0609020204030204" pitchFamily="49" charset="0"/>
+              </a:rPr>
+              <a:t>(name)) {</a:t>
+            </a:r>
+            <a:br>
+              <a:rPr lang="en-US" dirty="0">
+                <a:solidFill>
+                  <a:srgbClr val="0070C0"/>
+                </a:solidFill>
+                <a:latin typeface="Consolas" panose="020B0609020204030204" pitchFamily="49" charset="0"/>
+              </a:rPr>
+            </a:br>
+            <a:r>
+              <a:rPr lang="en-US" dirty="0">
+                <a:solidFill>
+                  <a:srgbClr val="0070C0"/>
+                </a:solidFill>
+                <a:latin typeface="Consolas" panose="020B0609020204030204" pitchFamily="49" charset="0"/>
+              </a:rPr>
+              <a:t>+ </a:t>
+            </a:r>
+            <a:r>
+              <a:rPr lang="en-US" dirty="0" err="1">
+                <a:solidFill>
+                  <a:srgbClr val="0070C0"/>
+                </a:solidFill>
+                <a:latin typeface="Consolas" panose="020B0609020204030204" pitchFamily="49" charset="0"/>
+              </a:rPr>
+              <a:t>count.put</a:t>
+            </a:r>
+            <a:r>
+              <a:rPr lang="en-US" dirty="0">
+                <a:solidFill>
+                  <a:srgbClr val="0070C0"/>
+                </a:solidFill>
+                <a:latin typeface="Consolas" panose="020B0609020204030204" pitchFamily="49" charset="0"/>
+              </a:rPr>
+              <a:t>(name, </a:t>
+            </a:r>
+            <a:r>
+              <a:rPr lang="en-US" dirty="0" err="1">
+                <a:solidFill>
+                  <a:srgbClr val="0070C0"/>
+                </a:solidFill>
+                <a:latin typeface="Consolas" panose="020B0609020204030204" pitchFamily="49" charset="0"/>
+              </a:rPr>
+              <a:t>count.get</a:t>
+            </a:r>
+            <a:r>
+              <a:rPr lang="en-US" dirty="0">
+                <a:solidFill>
+                  <a:srgbClr val="0070C0"/>
+                </a:solidFill>
+                <a:latin typeface="Consolas" panose="020B0609020204030204" pitchFamily="49" charset="0"/>
+              </a:rPr>
+              <a:t>(name) + 1);</a:t>
+            </a:r>
+            <a:br>
+              <a:rPr lang="en-US" dirty="0">
+                <a:solidFill>
+                  <a:srgbClr val="0070C0"/>
+                </a:solidFill>
+                <a:latin typeface="Consolas" panose="020B0609020204030204" pitchFamily="49" charset="0"/>
+              </a:rPr>
+            </a:br>
+            <a:r>
+              <a:rPr lang="en-US" dirty="0">
+                <a:solidFill>
+                  <a:srgbClr val="5B9BD5"/>
+                </a:solidFill>
+                <a:latin typeface="Consolas" panose="020B0609020204030204" pitchFamily="49" charset="0"/>
+              </a:rPr>
+              <a:t>+ } else {</a:t>
+            </a:r>
+            <a:r>
+              <a:rPr lang="en-US" dirty="0" err="1">
+                <a:solidFill>
+                  <a:srgbClr val="5B9BD5"/>
+                </a:solidFill>
+                <a:latin typeface="Consolas" panose="020B0609020204030204" pitchFamily="49" charset="0"/>
+              </a:rPr>
+              <a:t>count.put</a:t>
+            </a:r>
+            <a:r>
+              <a:rPr lang="en-US" dirty="0">
+                <a:solidFill>
+                  <a:srgbClr val="5B9BD5"/>
+                </a:solidFill>
+                <a:latin typeface="Consolas" panose="020B0609020204030204" pitchFamily="49" charset="0"/>
+              </a:rPr>
+              <a:t>(name, 1);}}</a:t>
+            </a:r>
+            <a:r>
+              <a:rPr lang="en-US" dirty="0">
+                <a:latin typeface="Consolas" panose="020B0609020204030204" pitchFamily="49" charset="0"/>
+              </a:rPr>
+              <a:t> </a:t>
+            </a:r>
+          </a:p>
+        </p:txBody>
+      </p:sp>
+      <p:sp>
+        <p:nvSpPr>
+          <p:cNvPr id="8" name="箭头: 下 7">
+            <a:extLst>
+              <a:ext uri="{FF2B5EF4-FFF2-40B4-BE49-F238E27FC236}">
+                <a16:creationId xmlns:a16="http://schemas.microsoft.com/office/drawing/2014/main" id="{7702C5DD-E671-42B4-A7F1-1B00DA988E30}"/>
+              </a:ext>
+            </a:extLst>
+          </p:cNvPr>
+          <p:cNvSpPr/>
+          <p:nvPr/>
+        </p:nvSpPr>
+        <p:spPr>
+          <a:xfrm>
+            <a:off x="2426677" y="3647383"/>
+            <a:ext cx="445477" cy="691826"/>
+          </a:xfrm>
+          <a:prstGeom prst="downArrow">
+            <a:avLst/>
+          </a:prstGeom>
+        </p:spPr>
+        <p:style>
+          <a:lnRef idx="2">
+            <a:schemeClr val="accent1">
+              <a:shade val="50000"/>
+            </a:schemeClr>
+          </a:lnRef>
+          <a:fillRef idx="1">
+            <a:schemeClr val="accent1"/>
+          </a:fillRef>
+          <a:effectRef idx="0">
+            <a:schemeClr val="accent1"/>
+          </a:effectRef>
+          <a:fontRef idx="minor">
+            <a:schemeClr val="lt1"/>
+          </a:fontRef>
+        </p:style>
+        <p:txBody>
+          <a:bodyPr rtlCol="0" anchor="ctr"/>
+          <a:lstStyle/>
+          <a:p>
+            <a:pPr algn="ctr"/>
+            <a:endParaRPr lang="en-US"/>
           </a:p>
         </p:txBody>
       </p:sp>
     </p:spTree>
     <p:extLst>
       <p:ext uri="{BB962C8B-B14F-4D97-AF65-F5344CB8AC3E}">
-        <p14:creationId xmlns:p14="http://schemas.microsoft.com/office/powerpoint/2010/main" val="320273518"/>
+        <p14:creationId xmlns:p14="http://schemas.microsoft.com/office/powerpoint/2010/main" val="3467078169"/>
+      </p:ext>
+    </p:extLst>
+  </p:cSld>
+  <p:clrMapOvr>
+    <a:masterClrMapping/>
+  </p:clrMapOvr>
+</p:sld>
+</file>
+
+<file path=ppt/slides/slide17.xml><?xml version="1.0" encoding="utf-8"?>
+<p:sld xmlns:a="http://schemas.openxmlformats.org/drawingml/2006/main" xmlns:r="http://schemas.openxmlformats.org/officeDocument/2006/relationships" xmlns:p="http://schemas.openxmlformats.org/presentationml/2006/main">
+  <p:cSld>
+    <p:spTree>
+      <p:nvGrpSpPr>
+        <p:cNvPr id="1" name=""/>
+        <p:cNvGrpSpPr/>
+        <p:nvPr/>
+      </p:nvGrpSpPr>
+      <p:grpSpPr>
+        <a:xfrm>
+          <a:off x="0" y="0"/>
+          <a:ext cx="0" cy="0"/>
+          <a:chOff x="0" y="0"/>
+          <a:chExt cx="0" cy="0"/>
+        </a:xfrm>
+      </p:grpSpPr>
+      <p:sp>
+        <p:nvSpPr>
+          <p:cNvPr id="2" name="标题 1">
+            <a:extLst>
+              <a:ext uri="{FF2B5EF4-FFF2-40B4-BE49-F238E27FC236}">
+                <a16:creationId xmlns:a16="http://schemas.microsoft.com/office/drawing/2014/main" id="{72B06BC6-6D23-4871-B5CF-A8CED514C80F}"/>
+              </a:ext>
+            </a:extLst>
+          </p:cNvPr>
+          <p:cNvSpPr>
+            <a:spLocks noGrp="1"/>
+          </p:cNvSpPr>
+          <p:nvPr>
+            <p:ph type="title"/>
+          </p:nvPr>
+        </p:nvSpPr>
+        <p:spPr/>
+        <p:txBody>
+          <a:bodyPr/>
+          <a:lstStyle/>
+          <a:p>
+            <a:r>
+              <a:rPr lang="en-US" dirty="0"/>
+              <a:t>Modifications inside Critical Section Bodies</a:t>
+            </a:r>
+          </a:p>
+        </p:txBody>
+      </p:sp>
+      <p:sp>
+        <p:nvSpPr>
+          <p:cNvPr id="3" name="内容占位符 2">
+            <a:extLst>
+              <a:ext uri="{FF2B5EF4-FFF2-40B4-BE49-F238E27FC236}">
+                <a16:creationId xmlns:a16="http://schemas.microsoft.com/office/drawing/2014/main" id="{137221E6-5FBE-4BB8-AD02-9A1EC1F73A5A}"/>
+              </a:ext>
+            </a:extLst>
+          </p:cNvPr>
+          <p:cNvSpPr>
+            <a:spLocks noGrp="1"/>
+          </p:cNvSpPr>
+          <p:nvPr>
+            <p:ph idx="1"/>
+          </p:nvPr>
+        </p:nvSpPr>
+        <p:spPr/>
+        <p:txBody>
+          <a:bodyPr/>
+          <a:lstStyle/>
+          <a:p>
+            <a:r>
+              <a:rPr lang="en-US" dirty="0"/>
+              <a:t>FLINK</a:t>
+            </a:r>
+          </a:p>
+        </p:txBody>
+      </p:sp>
+      <p:sp>
+        <p:nvSpPr>
+          <p:cNvPr id="4" name="文本框 3">
+            <a:extLst>
+              <a:ext uri="{FF2B5EF4-FFF2-40B4-BE49-F238E27FC236}">
+                <a16:creationId xmlns:a16="http://schemas.microsoft.com/office/drawing/2014/main" id="{3C9125D4-9A1D-4209-9847-198966E953BF}"/>
+              </a:ext>
+            </a:extLst>
+          </p:cNvPr>
+          <p:cNvSpPr txBox="1"/>
+          <p:nvPr/>
+        </p:nvSpPr>
+        <p:spPr>
+          <a:xfrm>
+            <a:off x="943707" y="2841287"/>
+            <a:ext cx="4466492" cy="2031325"/>
+          </a:xfrm>
+          <a:prstGeom prst="rect">
+            <a:avLst/>
+          </a:prstGeom>
+        </p:spPr>
+        <p:style>
+          <a:lnRef idx="2">
+            <a:schemeClr val="dk1"/>
+          </a:lnRef>
+          <a:fillRef idx="1">
+            <a:schemeClr val="lt1"/>
+          </a:fillRef>
+          <a:effectRef idx="0">
+            <a:schemeClr val="dk1"/>
+          </a:effectRef>
+          <a:fontRef idx="minor">
+            <a:schemeClr val="dk1"/>
+          </a:fontRef>
+        </p:style>
+        <p:txBody>
+          <a:bodyPr wrap="square" rtlCol="0">
+            <a:spAutoFit/>
+          </a:bodyPr>
+          <a:lstStyle/>
+          <a:p>
+            <a:r>
+              <a:rPr lang="en-US" dirty="0">
+                <a:solidFill>
+                  <a:srgbClr val="000000"/>
+                </a:solidFill>
+                <a:latin typeface="Consolas" panose="020B0609020204030204" pitchFamily="49" charset="0"/>
+              </a:rPr>
+              <a:t> synchronized (buffers) {</a:t>
+            </a:r>
+          </a:p>
+          <a:p>
+            <a:r>
+              <a:rPr lang="en-US" dirty="0">
+                <a:solidFill>
+                  <a:srgbClr val="000000"/>
+                </a:solidFill>
+                <a:latin typeface="Consolas" panose="020B0609020204030204" pitchFamily="49" charset="0"/>
+              </a:rPr>
+              <a:t>   if (...) {</a:t>
+            </a:r>
+            <a:br>
+              <a:rPr lang="en-US" dirty="0">
+                <a:solidFill>
+                  <a:srgbClr val="000000"/>
+                </a:solidFill>
+                <a:latin typeface="Consolas" panose="020B0609020204030204" pitchFamily="49" charset="0"/>
+              </a:rPr>
+            </a:br>
+            <a:r>
+              <a:rPr lang="en-US" dirty="0">
+                <a:solidFill>
+                  <a:srgbClr val="C00000"/>
+                </a:solidFill>
+                <a:latin typeface="Consolas" panose="020B0609020204030204" pitchFamily="49" charset="0"/>
+              </a:rPr>
+              <a:t>-    if (</a:t>
+            </a:r>
+            <a:r>
+              <a:rPr lang="en-US" dirty="0" err="1">
+                <a:solidFill>
+                  <a:srgbClr val="C00000"/>
+                </a:solidFill>
+                <a:latin typeface="Consolas" panose="020B0609020204030204" pitchFamily="49" charset="0"/>
+              </a:rPr>
+              <a:t>spillWriter</a:t>
+            </a:r>
+            <a:r>
+              <a:rPr lang="en-US" dirty="0">
+                <a:solidFill>
+                  <a:srgbClr val="C00000"/>
+                </a:solidFill>
+                <a:latin typeface="Consolas" panose="020B0609020204030204" pitchFamily="49" charset="0"/>
+              </a:rPr>
+              <a:t> != null) {</a:t>
+            </a:r>
+            <a:br>
+              <a:rPr lang="en-US" dirty="0">
+                <a:solidFill>
+                  <a:srgbClr val="C00000"/>
+                </a:solidFill>
+                <a:latin typeface="Consolas" panose="020B0609020204030204" pitchFamily="49" charset="0"/>
+              </a:rPr>
+            </a:br>
+            <a:r>
+              <a:rPr lang="en-US" dirty="0">
+                <a:solidFill>
+                  <a:srgbClr val="C00000"/>
+                </a:solidFill>
+                <a:latin typeface="Consolas" panose="020B0609020204030204" pitchFamily="49" charset="0"/>
+              </a:rPr>
+              <a:t>-      </a:t>
+            </a:r>
+            <a:r>
+              <a:rPr lang="en-US" dirty="0" err="1">
+                <a:solidFill>
+                  <a:srgbClr val="C00000"/>
+                </a:solidFill>
+                <a:latin typeface="Consolas" panose="020B0609020204030204" pitchFamily="49" charset="0"/>
+              </a:rPr>
+              <a:t>spillWriter.close</a:t>
+            </a:r>
+            <a:r>
+              <a:rPr lang="en-US" dirty="0">
+                <a:solidFill>
+                  <a:srgbClr val="C00000"/>
+                </a:solidFill>
+                <a:latin typeface="Consolas" panose="020B0609020204030204" pitchFamily="49" charset="0"/>
+              </a:rPr>
+              <a:t>();}</a:t>
+            </a:r>
+            <a:br>
+              <a:rPr lang="en-US" dirty="0">
+                <a:solidFill>
+                  <a:srgbClr val="C00000"/>
+                </a:solidFill>
+                <a:latin typeface="Consolas" panose="020B0609020204030204" pitchFamily="49" charset="0"/>
+              </a:rPr>
+            </a:br>
+            <a:r>
+              <a:rPr lang="en-US" dirty="0">
+                <a:solidFill>
+                  <a:srgbClr val="C00000"/>
+                </a:solidFill>
+                <a:latin typeface="Consolas" panose="020B0609020204030204" pitchFamily="49" charset="0"/>
+              </a:rPr>
+              <a:t>     </a:t>
+            </a:r>
+            <a:r>
+              <a:rPr lang="en-US" dirty="0" err="1">
+                <a:solidFill>
+                  <a:srgbClr val="000000"/>
+                </a:solidFill>
+                <a:latin typeface="Consolas" panose="020B0609020204030204" pitchFamily="49" charset="0"/>
+              </a:rPr>
+              <a:t>isFinished</a:t>
+            </a:r>
+            <a:r>
+              <a:rPr lang="en-US" dirty="0">
+                <a:solidFill>
+                  <a:srgbClr val="000000"/>
+                </a:solidFill>
+                <a:latin typeface="Consolas" panose="020B0609020204030204" pitchFamily="49" charset="0"/>
+              </a:rPr>
+              <a:t> = true;</a:t>
+            </a:r>
+          </a:p>
+          <a:p>
+            <a:r>
+              <a:rPr lang="en-US" dirty="0">
+                <a:solidFill>
+                  <a:srgbClr val="000000"/>
+                </a:solidFill>
+                <a:latin typeface="Consolas" panose="020B0609020204030204" pitchFamily="49" charset="0"/>
+              </a:rPr>
+              <a:t>   }</a:t>
+            </a:r>
+          </a:p>
+          <a:p>
+            <a:r>
+              <a:rPr lang="en-US" dirty="0">
+                <a:solidFill>
+                  <a:srgbClr val="000000"/>
+                </a:solidFill>
+                <a:latin typeface="Consolas" panose="020B0609020204030204" pitchFamily="49" charset="0"/>
+              </a:rPr>
+              <a:t> }</a:t>
+            </a:r>
+            <a:r>
+              <a:rPr lang="en-US" dirty="0">
+                <a:latin typeface="Consolas" panose="020B0609020204030204" pitchFamily="49" charset="0"/>
+              </a:rPr>
+              <a:t> </a:t>
+            </a:r>
+          </a:p>
+        </p:txBody>
+      </p:sp>
+      <p:sp>
+        <p:nvSpPr>
+          <p:cNvPr id="5" name="文本框 4">
+            <a:extLst>
+              <a:ext uri="{FF2B5EF4-FFF2-40B4-BE49-F238E27FC236}">
+                <a16:creationId xmlns:a16="http://schemas.microsoft.com/office/drawing/2014/main" id="{4C158CF4-4870-496B-8A4E-413B6BD11FFD}"/>
+              </a:ext>
+            </a:extLst>
+          </p:cNvPr>
+          <p:cNvSpPr txBox="1"/>
+          <p:nvPr/>
+        </p:nvSpPr>
+        <p:spPr>
+          <a:xfrm>
+            <a:off x="6758354" y="2979786"/>
+            <a:ext cx="4595446" cy="1754326"/>
+          </a:xfrm>
+          <a:prstGeom prst="rect">
+            <a:avLst/>
+          </a:prstGeom>
+        </p:spPr>
+        <p:style>
+          <a:lnRef idx="2">
+            <a:schemeClr val="dk1"/>
+          </a:lnRef>
+          <a:fillRef idx="1">
+            <a:schemeClr val="lt1"/>
+          </a:fillRef>
+          <a:effectRef idx="0">
+            <a:schemeClr val="dk1"/>
+          </a:effectRef>
+          <a:fontRef idx="minor">
+            <a:schemeClr val="dk1"/>
+          </a:fontRef>
+        </p:style>
+        <p:txBody>
+          <a:bodyPr wrap="square" rtlCol="0">
+            <a:spAutoFit/>
+          </a:bodyPr>
+          <a:lstStyle/>
+          <a:p>
+            <a:r>
+              <a:rPr lang="en-US" dirty="0">
+                <a:solidFill>
+                  <a:srgbClr val="000000"/>
+                </a:solidFill>
+                <a:latin typeface="Consolas" panose="020B0609020204030204" pitchFamily="49" charset="0"/>
+              </a:rPr>
+              <a:t> synchronized (buffers) {</a:t>
+            </a:r>
+          </a:p>
+          <a:p>
+            <a:r>
+              <a:rPr lang="en-US" dirty="0">
+                <a:solidFill>
+                  <a:srgbClr val="000000"/>
+                </a:solidFill>
+                <a:latin typeface="Consolas" panose="020B0609020204030204" pitchFamily="49" charset="0"/>
+              </a:rPr>
+              <a:t>   if (...) </a:t>
+            </a:r>
+            <a:r>
+              <a:rPr lang="en-US" dirty="0" err="1">
+                <a:solidFill>
+                  <a:srgbClr val="000000"/>
+                </a:solidFill>
+                <a:latin typeface="Consolas" panose="020B0609020204030204" pitchFamily="49" charset="0"/>
+              </a:rPr>
+              <a:t>isFinished</a:t>
+            </a:r>
+            <a:r>
+              <a:rPr lang="en-US" dirty="0">
+                <a:solidFill>
+                  <a:srgbClr val="000000"/>
+                </a:solidFill>
+                <a:latin typeface="Consolas" panose="020B0609020204030204" pitchFamily="49" charset="0"/>
+              </a:rPr>
+              <a:t> = true;</a:t>
+            </a:r>
+          </a:p>
+          <a:p>
+            <a:r>
+              <a:rPr lang="en-US" dirty="0">
+                <a:solidFill>
+                  <a:srgbClr val="000000"/>
+                </a:solidFill>
+                <a:latin typeface="Consolas" panose="020B0609020204030204" pitchFamily="49" charset="0"/>
+              </a:rPr>
+              <a:t> }</a:t>
+            </a:r>
+            <a:br>
+              <a:rPr lang="en-US" dirty="0">
+                <a:solidFill>
+                  <a:srgbClr val="000000"/>
+                </a:solidFill>
+                <a:latin typeface="Consolas" panose="020B0609020204030204" pitchFamily="49" charset="0"/>
+              </a:rPr>
+            </a:br>
+            <a:r>
+              <a:rPr lang="en-US" dirty="0">
+                <a:solidFill>
+                  <a:srgbClr val="0070C0"/>
+                </a:solidFill>
+                <a:latin typeface="Consolas" panose="020B0609020204030204" pitchFamily="49" charset="0"/>
+              </a:rPr>
+              <a:t>+if (</a:t>
+            </a:r>
+            <a:r>
+              <a:rPr lang="en-US" dirty="0" err="1">
+                <a:solidFill>
+                  <a:srgbClr val="0070C0"/>
+                </a:solidFill>
+                <a:latin typeface="Consolas" panose="020B0609020204030204" pitchFamily="49" charset="0"/>
+              </a:rPr>
+              <a:t>spillWriter</a:t>
+            </a:r>
+            <a:r>
+              <a:rPr lang="en-US" dirty="0">
+                <a:solidFill>
+                  <a:srgbClr val="0070C0"/>
+                </a:solidFill>
+                <a:latin typeface="Consolas" panose="020B0609020204030204" pitchFamily="49" charset="0"/>
+              </a:rPr>
+              <a:t> != null) {</a:t>
+            </a:r>
+            <a:br>
+              <a:rPr lang="en-US" dirty="0">
+                <a:solidFill>
+                  <a:srgbClr val="0070C0"/>
+                </a:solidFill>
+                <a:latin typeface="Consolas" panose="020B0609020204030204" pitchFamily="49" charset="0"/>
+              </a:rPr>
+            </a:br>
+            <a:r>
+              <a:rPr lang="en-US" dirty="0">
+                <a:solidFill>
+                  <a:srgbClr val="0070C0"/>
+                </a:solidFill>
+                <a:latin typeface="Consolas" panose="020B0609020204030204" pitchFamily="49" charset="0"/>
+              </a:rPr>
+              <a:t>+  </a:t>
+            </a:r>
+            <a:r>
+              <a:rPr lang="en-US" dirty="0" err="1">
+                <a:solidFill>
+                  <a:srgbClr val="0070C0"/>
+                </a:solidFill>
+                <a:latin typeface="Consolas" panose="020B0609020204030204" pitchFamily="49" charset="0"/>
+              </a:rPr>
+              <a:t>spillWriter.close</a:t>
+            </a:r>
+            <a:r>
+              <a:rPr lang="en-US" dirty="0">
+                <a:solidFill>
+                  <a:srgbClr val="0070C0"/>
+                </a:solidFill>
+                <a:latin typeface="Consolas" panose="020B0609020204030204" pitchFamily="49" charset="0"/>
+              </a:rPr>
+              <a:t>();</a:t>
+            </a:r>
+          </a:p>
+          <a:p>
+            <a:r>
+              <a:rPr lang="en-US" dirty="0">
+                <a:solidFill>
+                  <a:srgbClr val="0070C0"/>
+                </a:solidFill>
+                <a:latin typeface="Consolas" panose="020B0609020204030204" pitchFamily="49" charset="0"/>
+              </a:rPr>
+              <a:t>+}</a:t>
+            </a:r>
+            <a:r>
+              <a:rPr lang="en-US" dirty="0">
+                <a:latin typeface="Consolas" panose="020B0609020204030204" pitchFamily="49" charset="0"/>
+              </a:rPr>
+              <a:t> </a:t>
+            </a:r>
+          </a:p>
+        </p:txBody>
+      </p:sp>
+      <p:sp>
+        <p:nvSpPr>
+          <p:cNvPr id="6" name="箭头: 右 5">
+            <a:extLst>
+              <a:ext uri="{FF2B5EF4-FFF2-40B4-BE49-F238E27FC236}">
+                <a16:creationId xmlns:a16="http://schemas.microsoft.com/office/drawing/2014/main" id="{E8411960-0231-4FBA-8736-B95AB011EEF7}"/>
+              </a:ext>
+            </a:extLst>
+          </p:cNvPr>
+          <p:cNvSpPr/>
+          <p:nvPr/>
+        </p:nvSpPr>
+        <p:spPr>
+          <a:xfrm>
+            <a:off x="5709138" y="3616626"/>
+            <a:ext cx="773723" cy="480646"/>
+          </a:xfrm>
+          <a:prstGeom prst="rightArrow">
+            <a:avLst/>
+          </a:prstGeom>
+        </p:spPr>
+        <p:style>
+          <a:lnRef idx="2">
+            <a:schemeClr val="accent1">
+              <a:shade val="50000"/>
+            </a:schemeClr>
+          </a:lnRef>
+          <a:fillRef idx="1">
+            <a:schemeClr val="accent1"/>
+          </a:fillRef>
+          <a:effectRef idx="0">
+            <a:schemeClr val="accent1"/>
+          </a:effectRef>
+          <a:fontRef idx="minor">
+            <a:schemeClr val="lt1"/>
+          </a:fontRef>
+        </p:style>
+        <p:txBody>
+          <a:bodyPr rtlCol="0" anchor="ctr"/>
+          <a:lstStyle/>
+          <a:p>
+            <a:pPr algn="ctr"/>
+            <a:endParaRPr lang="en-US"/>
+          </a:p>
+        </p:txBody>
+      </p:sp>
+    </p:spTree>
+    <p:extLst>
+      <p:ext uri="{BB962C8B-B14F-4D97-AF65-F5344CB8AC3E}">
+        <p14:creationId xmlns:p14="http://schemas.microsoft.com/office/powerpoint/2010/main" val="1692918029"/>
+      </p:ext>
+    </p:extLst>
+  </p:cSld>
+  <p:clrMapOvr>
+    <a:masterClrMapping/>
+  </p:clrMapOvr>
+</p:sld>
+</file>
+
+<file path=ppt/slides/slide18.xml><?xml version="1.0" encoding="utf-8"?>
+<p:sld xmlns:a="http://schemas.openxmlformats.org/drawingml/2006/main" xmlns:r="http://schemas.openxmlformats.org/officeDocument/2006/relationships" xmlns:p="http://schemas.openxmlformats.org/presentationml/2006/main">
+  <p:cSld>
+    <p:spTree>
+      <p:nvGrpSpPr>
+        <p:cNvPr id="1" name=""/>
+        <p:cNvGrpSpPr/>
+        <p:nvPr/>
+      </p:nvGrpSpPr>
+      <p:grpSpPr>
+        <a:xfrm>
+          <a:off x="0" y="0"/>
+          <a:ext cx="0" cy="0"/>
+          <a:chOff x="0" y="0"/>
+          <a:chExt cx="0" cy="0"/>
+        </a:xfrm>
+      </p:grpSpPr>
+      <p:sp>
+        <p:nvSpPr>
+          <p:cNvPr id="2" name="标题 1">
+            <a:extLst>
+              <a:ext uri="{FF2B5EF4-FFF2-40B4-BE49-F238E27FC236}">
+                <a16:creationId xmlns:a16="http://schemas.microsoft.com/office/drawing/2014/main" id="{CA99931B-2904-411B-9D94-1AF46F8E0F73}"/>
+              </a:ext>
+            </a:extLst>
+          </p:cNvPr>
+          <p:cNvSpPr>
+            <a:spLocks noGrp="1"/>
+          </p:cNvSpPr>
+          <p:nvPr>
+            <p:ph type="title"/>
+          </p:nvPr>
+        </p:nvSpPr>
+        <p:spPr/>
+        <p:txBody>
+          <a:bodyPr/>
+          <a:lstStyle/>
+          <a:p>
+            <a:r>
+              <a:rPr lang="en-US" dirty="0"/>
+              <a:t>Changing the volatile Keyword</a:t>
+            </a:r>
+          </a:p>
+        </p:txBody>
+      </p:sp>
+      <p:sp>
+        <p:nvSpPr>
+          <p:cNvPr id="3" name="内容占位符 2">
+            <a:extLst>
+              <a:ext uri="{FF2B5EF4-FFF2-40B4-BE49-F238E27FC236}">
+                <a16:creationId xmlns:a16="http://schemas.microsoft.com/office/drawing/2014/main" id="{7B57D373-1211-4606-AE20-06561F22713C}"/>
+              </a:ext>
+            </a:extLst>
+          </p:cNvPr>
+          <p:cNvSpPr>
+            <a:spLocks noGrp="1"/>
+          </p:cNvSpPr>
+          <p:nvPr>
+            <p:ph idx="1"/>
+          </p:nvPr>
+        </p:nvSpPr>
+        <p:spPr/>
+        <p:txBody>
+          <a:bodyPr/>
+          <a:lstStyle/>
+          <a:p>
+            <a:r>
+              <a:rPr lang="en-US" dirty="0"/>
+              <a:t>Tomcat</a:t>
+            </a:r>
+          </a:p>
+        </p:txBody>
+      </p:sp>
+      <p:sp>
+        <p:nvSpPr>
+          <p:cNvPr id="4" name="文本框 3">
+            <a:extLst>
+              <a:ext uri="{FF2B5EF4-FFF2-40B4-BE49-F238E27FC236}">
+                <a16:creationId xmlns:a16="http://schemas.microsoft.com/office/drawing/2014/main" id="{4420639A-8F60-41D1-B7D0-B4E67AD28C18}"/>
+              </a:ext>
+            </a:extLst>
+          </p:cNvPr>
+          <p:cNvSpPr txBox="1"/>
+          <p:nvPr/>
+        </p:nvSpPr>
+        <p:spPr>
+          <a:xfrm>
+            <a:off x="3024554" y="1690688"/>
+            <a:ext cx="5920153" cy="2031325"/>
+          </a:xfrm>
+          <a:prstGeom prst="rect">
+            <a:avLst/>
+          </a:prstGeom>
+        </p:spPr>
+        <p:style>
+          <a:lnRef idx="2">
+            <a:schemeClr val="dk1"/>
+          </a:lnRef>
+          <a:fillRef idx="1">
+            <a:schemeClr val="lt1"/>
+          </a:fillRef>
+          <a:effectRef idx="0">
+            <a:schemeClr val="dk1"/>
+          </a:effectRef>
+          <a:fontRef idx="minor">
+            <a:schemeClr val="dk1"/>
+          </a:fontRef>
+        </p:style>
+        <p:txBody>
+          <a:bodyPr wrap="square" rtlCol="0">
+            <a:spAutoFit/>
+          </a:bodyPr>
+          <a:lstStyle/>
+          <a:p>
+            <a:r>
+              <a:rPr lang="en-US" dirty="0">
+                <a:solidFill>
+                  <a:srgbClr val="C00000"/>
+                </a:solidFill>
+                <a:latin typeface="Consolas" panose="020B0609020204030204" pitchFamily="49" charset="0"/>
+              </a:rPr>
+              <a:t>-Membership </a:t>
+            </a:r>
+            <a:r>
+              <a:rPr lang="en-US" dirty="0" err="1">
+                <a:solidFill>
+                  <a:srgbClr val="C00000"/>
+                </a:solidFill>
+                <a:latin typeface="Consolas" panose="020B0609020204030204" pitchFamily="49" charset="0"/>
+              </a:rPr>
+              <a:t>membership</a:t>
+            </a:r>
+            <a:r>
+              <a:rPr lang="en-US" dirty="0">
+                <a:solidFill>
+                  <a:srgbClr val="C00000"/>
+                </a:solidFill>
+                <a:latin typeface="Consolas" panose="020B0609020204030204" pitchFamily="49" charset="0"/>
+              </a:rPr>
+              <a:t> = null;</a:t>
+            </a:r>
+            <a:br>
+              <a:rPr lang="en-US" dirty="0">
+                <a:solidFill>
+                  <a:srgbClr val="C00000"/>
+                </a:solidFill>
+                <a:latin typeface="Consolas" panose="020B0609020204030204" pitchFamily="49" charset="0"/>
+              </a:rPr>
+            </a:br>
+            <a:r>
+              <a:rPr lang="en-US" dirty="0">
+                <a:solidFill>
+                  <a:srgbClr val="C00000"/>
+                </a:solidFill>
+                <a:latin typeface="Consolas" panose="020B0609020204030204" pitchFamily="49" charset="0"/>
+              </a:rPr>
+              <a:t> </a:t>
+            </a:r>
+            <a:r>
+              <a:rPr lang="en-US" dirty="0">
+                <a:solidFill>
+                  <a:srgbClr val="000000"/>
+                </a:solidFill>
+                <a:latin typeface="Consolas" panose="020B0609020204030204" pitchFamily="49" charset="0"/>
+              </a:rPr>
+              <a:t>public </a:t>
+            </a:r>
+            <a:r>
+              <a:rPr lang="en-US" dirty="0" err="1">
+                <a:solidFill>
+                  <a:srgbClr val="000000"/>
+                </a:solidFill>
+                <a:latin typeface="Consolas" panose="020B0609020204030204" pitchFamily="49" charset="0"/>
+              </a:rPr>
+              <a:t>boolean</a:t>
+            </a:r>
+            <a:r>
+              <a:rPr lang="en-US" dirty="0">
+                <a:solidFill>
+                  <a:srgbClr val="000000"/>
+                </a:solidFill>
+                <a:latin typeface="Consolas" panose="020B0609020204030204" pitchFamily="49" charset="0"/>
+              </a:rPr>
+              <a:t> </a:t>
+            </a:r>
+            <a:r>
+              <a:rPr lang="en-US" dirty="0" err="1">
+                <a:solidFill>
+                  <a:srgbClr val="000000"/>
+                </a:solidFill>
+                <a:latin typeface="Consolas" panose="020B0609020204030204" pitchFamily="49" charset="0"/>
+              </a:rPr>
+              <a:t>hasMembers</a:t>
+            </a:r>
+            <a:r>
+              <a:rPr lang="en-US" dirty="0">
+                <a:solidFill>
+                  <a:srgbClr val="000000"/>
+                </a:solidFill>
+                <a:latin typeface="Consolas" panose="020B0609020204030204" pitchFamily="49" charset="0"/>
+              </a:rPr>
+              <a:t>() {</a:t>
+            </a:r>
+            <a:br>
+              <a:rPr lang="en-US" dirty="0">
+                <a:solidFill>
+                  <a:srgbClr val="000000"/>
+                </a:solidFill>
+                <a:latin typeface="Consolas" panose="020B0609020204030204" pitchFamily="49" charset="0"/>
+              </a:rPr>
+            </a:br>
+            <a:r>
+              <a:rPr lang="en-US" dirty="0">
+                <a:solidFill>
+                  <a:srgbClr val="000000"/>
+                </a:solidFill>
+                <a:latin typeface="Consolas" panose="020B0609020204030204" pitchFamily="49" charset="0"/>
+              </a:rPr>
+              <a:t>   if (membership == null) </a:t>
+            </a:r>
+            <a:r>
+              <a:rPr lang="en-US" dirty="0" err="1">
+                <a:solidFill>
+                  <a:srgbClr val="000000"/>
+                </a:solidFill>
+                <a:latin typeface="Consolas" panose="020B0609020204030204" pitchFamily="49" charset="0"/>
+              </a:rPr>
+              <a:t>setupMembership</a:t>
+            </a:r>
+            <a:r>
+              <a:rPr lang="en-US" dirty="0">
+                <a:solidFill>
+                  <a:srgbClr val="000000"/>
+                </a:solidFill>
+                <a:latin typeface="Consolas" panose="020B0609020204030204" pitchFamily="49" charset="0"/>
+              </a:rPr>
+              <a:t>();</a:t>
+            </a:r>
+            <a:br>
+              <a:rPr lang="en-US" dirty="0">
+                <a:solidFill>
+                  <a:srgbClr val="000000"/>
+                </a:solidFill>
+                <a:latin typeface="Consolas" panose="020B0609020204030204" pitchFamily="49" charset="0"/>
+              </a:rPr>
+            </a:br>
+            <a:r>
+              <a:rPr lang="en-US" dirty="0">
+                <a:solidFill>
+                  <a:srgbClr val="000000"/>
+                </a:solidFill>
+                <a:latin typeface="Consolas" panose="020B0609020204030204" pitchFamily="49" charset="0"/>
+              </a:rPr>
+              <a:t>   return </a:t>
+            </a:r>
+            <a:r>
+              <a:rPr lang="en-US" dirty="0" err="1">
+                <a:solidFill>
+                  <a:srgbClr val="000000"/>
+                </a:solidFill>
+                <a:latin typeface="Consolas" panose="020B0609020204030204" pitchFamily="49" charset="0"/>
+              </a:rPr>
+              <a:t>membership.hasMembers</a:t>
+            </a:r>
+            <a:r>
+              <a:rPr lang="en-US" dirty="0">
+                <a:solidFill>
+                  <a:srgbClr val="000000"/>
+                </a:solidFill>
+                <a:latin typeface="Consolas" panose="020B0609020204030204" pitchFamily="49" charset="0"/>
+              </a:rPr>
+              <a:t>();}</a:t>
+            </a:r>
+            <a:br>
+              <a:rPr lang="en-US" dirty="0">
+                <a:solidFill>
+                  <a:srgbClr val="000000"/>
+                </a:solidFill>
+                <a:latin typeface="Consolas" panose="020B0609020204030204" pitchFamily="49" charset="0"/>
+              </a:rPr>
+            </a:br>
+            <a:r>
+              <a:rPr lang="en-US" dirty="0">
+                <a:solidFill>
+                  <a:srgbClr val="000000"/>
+                </a:solidFill>
+                <a:latin typeface="Consolas" panose="020B0609020204030204" pitchFamily="49" charset="0"/>
+              </a:rPr>
+              <a:t> synchronized void </a:t>
+            </a:r>
+            <a:r>
+              <a:rPr lang="en-US" dirty="0" err="1">
+                <a:solidFill>
+                  <a:srgbClr val="000000"/>
+                </a:solidFill>
+                <a:latin typeface="Consolas" panose="020B0609020204030204" pitchFamily="49" charset="0"/>
+              </a:rPr>
+              <a:t>setupMembership</a:t>
+            </a:r>
+            <a:r>
+              <a:rPr lang="en-US" dirty="0">
+                <a:solidFill>
+                  <a:srgbClr val="000000"/>
+                </a:solidFill>
+                <a:latin typeface="Consolas" panose="020B0609020204030204" pitchFamily="49" charset="0"/>
+              </a:rPr>
+              <a:t>() {</a:t>
+            </a:r>
+            <a:br>
+              <a:rPr lang="en-US" dirty="0">
+                <a:solidFill>
+                  <a:srgbClr val="000000"/>
+                </a:solidFill>
+                <a:latin typeface="Consolas" panose="020B0609020204030204" pitchFamily="49" charset="0"/>
+              </a:rPr>
+            </a:br>
+            <a:r>
+              <a:rPr lang="en-US" dirty="0">
+                <a:solidFill>
+                  <a:srgbClr val="000000"/>
+                </a:solidFill>
+                <a:latin typeface="Consolas" panose="020B0609020204030204" pitchFamily="49" charset="0"/>
+              </a:rPr>
+              <a:t>   if ( membership == null ) {</a:t>
+            </a:r>
+            <a:br>
+              <a:rPr lang="en-US" dirty="0">
+                <a:solidFill>
+                  <a:srgbClr val="000000"/>
+                </a:solidFill>
+                <a:latin typeface="Consolas" panose="020B0609020204030204" pitchFamily="49" charset="0"/>
+              </a:rPr>
+            </a:br>
+            <a:r>
+              <a:rPr lang="en-US" dirty="0">
+                <a:solidFill>
+                  <a:srgbClr val="000000"/>
+                </a:solidFill>
+                <a:latin typeface="Consolas" panose="020B0609020204030204" pitchFamily="49" charset="0"/>
+              </a:rPr>
+              <a:t>     membership = new Membership(...);}}</a:t>
+            </a:r>
+            <a:r>
+              <a:rPr lang="en-US" dirty="0">
+                <a:latin typeface="Consolas" panose="020B0609020204030204" pitchFamily="49" charset="0"/>
+              </a:rPr>
+              <a:t> </a:t>
+            </a:r>
+          </a:p>
+        </p:txBody>
+      </p:sp>
+      <p:sp>
+        <p:nvSpPr>
+          <p:cNvPr id="5" name="文本框 4">
+            <a:extLst>
+              <a:ext uri="{FF2B5EF4-FFF2-40B4-BE49-F238E27FC236}">
+                <a16:creationId xmlns:a16="http://schemas.microsoft.com/office/drawing/2014/main" id="{ABE9B8A3-966B-4BD9-8FF8-D7F49A4B3DA4}"/>
+              </a:ext>
+            </a:extLst>
+          </p:cNvPr>
+          <p:cNvSpPr txBox="1"/>
+          <p:nvPr/>
+        </p:nvSpPr>
+        <p:spPr>
+          <a:xfrm>
+            <a:off x="3024553" y="4512559"/>
+            <a:ext cx="5920153" cy="2031325"/>
+          </a:xfrm>
+          <a:prstGeom prst="rect">
+            <a:avLst/>
+          </a:prstGeom>
+        </p:spPr>
+        <p:style>
+          <a:lnRef idx="2">
+            <a:schemeClr val="dk1"/>
+          </a:lnRef>
+          <a:fillRef idx="1">
+            <a:schemeClr val="lt1"/>
+          </a:fillRef>
+          <a:effectRef idx="0">
+            <a:schemeClr val="dk1"/>
+          </a:effectRef>
+          <a:fontRef idx="minor">
+            <a:schemeClr val="dk1"/>
+          </a:fontRef>
+        </p:style>
+        <p:txBody>
+          <a:bodyPr wrap="square" rtlCol="0">
+            <a:spAutoFit/>
+          </a:bodyPr>
+          <a:lstStyle/>
+          <a:p>
+            <a:r>
+              <a:rPr lang="en-US" dirty="0">
+                <a:solidFill>
+                  <a:srgbClr val="0070C0"/>
+                </a:solidFill>
+                <a:latin typeface="Consolas" panose="020B0609020204030204" pitchFamily="49" charset="0"/>
+              </a:rPr>
+              <a:t>+volatile Membership </a:t>
+            </a:r>
+            <a:r>
+              <a:rPr lang="en-US" dirty="0" err="1">
+                <a:solidFill>
+                  <a:srgbClr val="0070C0"/>
+                </a:solidFill>
+                <a:latin typeface="Consolas" panose="020B0609020204030204" pitchFamily="49" charset="0"/>
+              </a:rPr>
+              <a:t>membership</a:t>
+            </a:r>
+            <a:r>
+              <a:rPr lang="en-US" dirty="0">
+                <a:solidFill>
+                  <a:srgbClr val="0070C0"/>
+                </a:solidFill>
+                <a:latin typeface="Consolas" panose="020B0609020204030204" pitchFamily="49" charset="0"/>
+              </a:rPr>
+              <a:t> = null;</a:t>
+            </a:r>
+            <a:br>
+              <a:rPr lang="en-US" dirty="0">
+                <a:solidFill>
+                  <a:srgbClr val="0070C0"/>
+                </a:solidFill>
+                <a:latin typeface="Consolas" panose="020B0609020204030204" pitchFamily="49" charset="0"/>
+              </a:rPr>
+            </a:br>
+            <a:r>
+              <a:rPr lang="en-US" dirty="0">
+                <a:solidFill>
+                  <a:srgbClr val="0070C0"/>
+                </a:solidFill>
+                <a:latin typeface="Consolas" panose="020B0609020204030204" pitchFamily="49" charset="0"/>
+              </a:rPr>
+              <a:t> </a:t>
+            </a:r>
+            <a:r>
+              <a:rPr lang="en-US" dirty="0">
+                <a:solidFill>
+                  <a:srgbClr val="000000"/>
+                </a:solidFill>
+                <a:latin typeface="Consolas" panose="020B0609020204030204" pitchFamily="49" charset="0"/>
+              </a:rPr>
+              <a:t>public </a:t>
+            </a:r>
+            <a:r>
+              <a:rPr lang="en-US" dirty="0" err="1">
+                <a:solidFill>
+                  <a:srgbClr val="000000"/>
+                </a:solidFill>
+                <a:latin typeface="Consolas" panose="020B0609020204030204" pitchFamily="49" charset="0"/>
+              </a:rPr>
+              <a:t>boolean</a:t>
+            </a:r>
+            <a:r>
+              <a:rPr lang="en-US" dirty="0">
+                <a:solidFill>
+                  <a:srgbClr val="000000"/>
+                </a:solidFill>
+                <a:latin typeface="Consolas" panose="020B0609020204030204" pitchFamily="49" charset="0"/>
+              </a:rPr>
+              <a:t> </a:t>
+            </a:r>
+            <a:r>
+              <a:rPr lang="en-US" dirty="0" err="1">
+                <a:solidFill>
+                  <a:srgbClr val="000000"/>
+                </a:solidFill>
+                <a:latin typeface="Consolas" panose="020B0609020204030204" pitchFamily="49" charset="0"/>
+              </a:rPr>
+              <a:t>hasMembers</a:t>
+            </a:r>
+            <a:r>
+              <a:rPr lang="en-US" dirty="0">
+                <a:solidFill>
+                  <a:srgbClr val="000000"/>
+                </a:solidFill>
+                <a:latin typeface="Consolas" panose="020B0609020204030204" pitchFamily="49" charset="0"/>
+              </a:rPr>
+              <a:t>() {</a:t>
+            </a:r>
+            <a:br>
+              <a:rPr lang="en-US" dirty="0">
+                <a:solidFill>
+                  <a:srgbClr val="000000"/>
+                </a:solidFill>
+                <a:latin typeface="Consolas" panose="020B0609020204030204" pitchFamily="49" charset="0"/>
+              </a:rPr>
+            </a:br>
+            <a:r>
+              <a:rPr lang="en-US" dirty="0">
+                <a:solidFill>
+                  <a:srgbClr val="000000"/>
+                </a:solidFill>
+                <a:latin typeface="Consolas" panose="020B0609020204030204" pitchFamily="49" charset="0"/>
+              </a:rPr>
+              <a:t>   if (membership == null) </a:t>
+            </a:r>
+            <a:r>
+              <a:rPr lang="en-US" dirty="0" err="1">
+                <a:solidFill>
+                  <a:srgbClr val="000000"/>
+                </a:solidFill>
+                <a:latin typeface="Consolas" panose="020B0609020204030204" pitchFamily="49" charset="0"/>
+              </a:rPr>
+              <a:t>setupMembership</a:t>
+            </a:r>
+            <a:r>
+              <a:rPr lang="en-US" dirty="0">
+                <a:solidFill>
+                  <a:srgbClr val="000000"/>
+                </a:solidFill>
+                <a:latin typeface="Consolas" panose="020B0609020204030204" pitchFamily="49" charset="0"/>
+              </a:rPr>
+              <a:t>();</a:t>
+            </a:r>
+            <a:br>
+              <a:rPr lang="en-US" dirty="0">
+                <a:solidFill>
+                  <a:srgbClr val="000000"/>
+                </a:solidFill>
+                <a:latin typeface="Consolas" panose="020B0609020204030204" pitchFamily="49" charset="0"/>
+              </a:rPr>
+            </a:br>
+            <a:r>
+              <a:rPr lang="en-US" dirty="0">
+                <a:solidFill>
+                  <a:srgbClr val="000000"/>
+                </a:solidFill>
+                <a:latin typeface="Consolas" panose="020B0609020204030204" pitchFamily="49" charset="0"/>
+              </a:rPr>
+              <a:t>   return </a:t>
+            </a:r>
+            <a:r>
+              <a:rPr lang="en-US" dirty="0" err="1">
+                <a:solidFill>
+                  <a:srgbClr val="000000"/>
+                </a:solidFill>
+                <a:latin typeface="Consolas" panose="020B0609020204030204" pitchFamily="49" charset="0"/>
+              </a:rPr>
+              <a:t>membership.hasMembers</a:t>
+            </a:r>
+            <a:r>
+              <a:rPr lang="en-US" dirty="0">
+                <a:solidFill>
+                  <a:srgbClr val="000000"/>
+                </a:solidFill>
+                <a:latin typeface="Consolas" panose="020B0609020204030204" pitchFamily="49" charset="0"/>
+              </a:rPr>
+              <a:t>();}</a:t>
+            </a:r>
+            <a:br>
+              <a:rPr lang="en-US" dirty="0">
+                <a:solidFill>
+                  <a:srgbClr val="000000"/>
+                </a:solidFill>
+                <a:latin typeface="Consolas" panose="020B0609020204030204" pitchFamily="49" charset="0"/>
+              </a:rPr>
+            </a:br>
+            <a:r>
+              <a:rPr lang="en-US" dirty="0">
+                <a:solidFill>
+                  <a:srgbClr val="000000"/>
+                </a:solidFill>
+                <a:latin typeface="Consolas" panose="020B0609020204030204" pitchFamily="49" charset="0"/>
+              </a:rPr>
+              <a:t> synchronized void </a:t>
+            </a:r>
+            <a:r>
+              <a:rPr lang="en-US" dirty="0" err="1">
+                <a:solidFill>
+                  <a:srgbClr val="000000"/>
+                </a:solidFill>
+                <a:latin typeface="Consolas" panose="020B0609020204030204" pitchFamily="49" charset="0"/>
+              </a:rPr>
+              <a:t>setupMembership</a:t>
+            </a:r>
+            <a:r>
+              <a:rPr lang="en-US" dirty="0">
+                <a:solidFill>
+                  <a:srgbClr val="000000"/>
+                </a:solidFill>
+                <a:latin typeface="Consolas" panose="020B0609020204030204" pitchFamily="49" charset="0"/>
+              </a:rPr>
+              <a:t>() {</a:t>
+            </a:r>
+            <a:br>
+              <a:rPr lang="en-US" dirty="0">
+                <a:solidFill>
+                  <a:srgbClr val="000000"/>
+                </a:solidFill>
+                <a:latin typeface="Consolas" panose="020B0609020204030204" pitchFamily="49" charset="0"/>
+              </a:rPr>
+            </a:br>
+            <a:r>
+              <a:rPr lang="en-US" dirty="0">
+                <a:solidFill>
+                  <a:srgbClr val="000000"/>
+                </a:solidFill>
+                <a:latin typeface="Consolas" panose="020B0609020204030204" pitchFamily="49" charset="0"/>
+              </a:rPr>
+              <a:t>   if ( membership == null ) {</a:t>
+            </a:r>
+            <a:br>
+              <a:rPr lang="en-US" dirty="0">
+                <a:solidFill>
+                  <a:srgbClr val="000000"/>
+                </a:solidFill>
+                <a:latin typeface="Consolas" panose="020B0609020204030204" pitchFamily="49" charset="0"/>
+              </a:rPr>
+            </a:br>
+            <a:r>
+              <a:rPr lang="en-US" dirty="0">
+                <a:solidFill>
+                  <a:srgbClr val="000000"/>
+                </a:solidFill>
+                <a:latin typeface="Consolas" panose="020B0609020204030204" pitchFamily="49" charset="0"/>
+              </a:rPr>
+              <a:t>     membership = new Membership(...);}}</a:t>
+            </a:r>
+            <a:r>
+              <a:rPr lang="en-US" dirty="0">
+                <a:latin typeface="Consolas" panose="020B0609020204030204" pitchFamily="49" charset="0"/>
+              </a:rPr>
+              <a:t> </a:t>
+            </a:r>
+          </a:p>
+        </p:txBody>
+      </p:sp>
+      <p:sp>
+        <p:nvSpPr>
+          <p:cNvPr id="6" name="箭头: 下 5">
+            <a:extLst>
+              <a:ext uri="{FF2B5EF4-FFF2-40B4-BE49-F238E27FC236}">
+                <a16:creationId xmlns:a16="http://schemas.microsoft.com/office/drawing/2014/main" id="{60AE527E-E0B0-4174-AC6A-0E36B3602603}"/>
+              </a:ext>
+            </a:extLst>
+          </p:cNvPr>
+          <p:cNvSpPr/>
+          <p:nvPr/>
+        </p:nvSpPr>
+        <p:spPr>
+          <a:xfrm>
+            <a:off x="5773614" y="3818265"/>
+            <a:ext cx="416172" cy="606249"/>
+          </a:xfrm>
+          <a:prstGeom prst="downArrow">
+            <a:avLst/>
+          </a:prstGeom>
+        </p:spPr>
+        <p:style>
+          <a:lnRef idx="2">
+            <a:schemeClr val="accent1">
+              <a:shade val="50000"/>
+            </a:schemeClr>
+          </a:lnRef>
+          <a:fillRef idx="1">
+            <a:schemeClr val="accent1"/>
+          </a:fillRef>
+          <a:effectRef idx="0">
+            <a:schemeClr val="accent1"/>
+          </a:effectRef>
+          <a:fontRef idx="minor">
+            <a:schemeClr val="lt1"/>
+          </a:fontRef>
+        </p:style>
+        <p:txBody>
+          <a:bodyPr rtlCol="0" anchor="ctr"/>
+          <a:lstStyle/>
+          <a:p>
+            <a:pPr algn="ctr"/>
+            <a:endParaRPr lang="en-US"/>
+          </a:p>
+        </p:txBody>
+      </p:sp>
+    </p:spTree>
+    <p:extLst>
+      <p:ext uri="{BB962C8B-B14F-4D97-AF65-F5344CB8AC3E}">
+        <p14:creationId xmlns:p14="http://schemas.microsoft.com/office/powerpoint/2010/main" val="2817891009"/>
+      </p:ext>
+    </p:extLst>
+  </p:cSld>
+  <p:clrMapOvr>
+    <a:masterClrMapping/>
+  </p:clrMapOvr>
+</p:sld>
+</file>
+
+<file path=ppt/slides/slide19.xml><?xml version="1.0" encoding="utf-8"?>
+<p:sld xmlns:a="http://schemas.openxmlformats.org/drawingml/2006/main" xmlns:r="http://schemas.openxmlformats.org/officeDocument/2006/relationships" xmlns:p="http://schemas.openxmlformats.org/presentationml/2006/main">
+  <p:cSld>
+    <p:spTree>
+      <p:nvGrpSpPr>
+        <p:cNvPr id="1" name=""/>
+        <p:cNvGrpSpPr/>
+        <p:nvPr/>
+      </p:nvGrpSpPr>
+      <p:grpSpPr>
+        <a:xfrm>
+          <a:off x="0" y="0"/>
+          <a:ext cx="0" cy="0"/>
+          <a:chOff x="0" y="0"/>
+          <a:chExt cx="0" cy="0"/>
+        </a:xfrm>
+      </p:grpSpPr>
+      <p:sp>
+        <p:nvSpPr>
+          <p:cNvPr id="2" name="标题 1">
+            <a:extLst>
+              <a:ext uri="{FF2B5EF4-FFF2-40B4-BE49-F238E27FC236}">
+                <a16:creationId xmlns:a16="http://schemas.microsoft.com/office/drawing/2014/main" id="{890C30DC-B1CF-43DC-B594-B0BE0A31E974}"/>
+              </a:ext>
+            </a:extLst>
+          </p:cNvPr>
+          <p:cNvSpPr>
+            <a:spLocks noGrp="1"/>
+          </p:cNvSpPr>
+          <p:nvPr>
+            <p:ph type="title"/>
+          </p:nvPr>
+        </p:nvSpPr>
+        <p:spPr/>
+        <p:txBody>
+          <a:bodyPr/>
+          <a:lstStyle/>
+          <a:p>
+            <a:r>
+              <a:rPr lang="en-US" dirty="0"/>
+              <a:t>Replacing Self-written Code with Parallel APIs</a:t>
+            </a:r>
+          </a:p>
+        </p:txBody>
+      </p:sp>
+      <p:sp>
+        <p:nvSpPr>
+          <p:cNvPr id="3" name="内容占位符 2">
+            <a:extLst>
+              <a:ext uri="{FF2B5EF4-FFF2-40B4-BE49-F238E27FC236}">
+                <a16:creationId xmlns:a16="http://schemas.microsoft.com/office/drawing/2014/main" id="{BAAD52DF-DD88-4CB6-9595-73C95C39F1D3}"/>
+              </a:ext>
+            </a:extLst>
+          </p:cNvPr>
+          <p:cNvSpPr>
+            <a:spLocks noGrp="1"/>
+          </p:cNvSpPr>
+          <p:nvPr>
+            <p:ph idx="1"/>
+          </p:nvPr>
+        </p:nvSpPr>
+        <p:spPr/>
+        <p:txBody>
+          <a:bodyPr/>
+          <a:lstStyle/>
+          <a:p>
+            <a:r>
+              <a:rPr lang="en-US" dirty="0"/>
+              <a:t>HDFS</a:t>
+            </a:r>
+          </a:p>
+        </p:txBody>
+      </p:sp>
+      <p:sp>
+        <p:nvSpPr>
+          <p:cNvPr id="7" name="文本框 6">
+            <a:extLst>
+              <a:ext uri="{FF2B5EF4-FFF2-40B4-BE49-F238E27FC236}">
+                <a16:creationId xmlns:a16="http://schemas.microsoft.com/office/drawing/2014/main" id="{8B87A2E3-43FC-4CCD-BD35-D9E42E43CC0A}"/>
+              </a:ext>
+            </a:extLst>
+          </p:cNvPr>
+          <p:cNvSpPr txBox="1"/>
+          <p:nvPr/>
+        </p:nvSpPr>
+        <p:spPr>
+          <a:xfrm>
+            <a:off x="3499338" y="1825625"/>
+            <a:ext cx="5193323" cy="1477328"/>
+          </a:xfrm>
+          <a:prstGeom prst="rect">
+            <a:avLst/>
+          </a:prstGeom>
+        </p:spPr>
+        <p:style>
+          <a:lnRef idx="2">
+            <a:schemeClr val="dk1"/>
+          </a:lnRef>
+          <a:fillRef idx="1">
+            <a:schemeClr val="lt1"/>
+          </a:fillRef>
+          <a:effectRef idx="0">
+            <a:schemeClr val="dk1"/>
+          </a:effectRef>
+          <a:fontRef idx="minor">
+            <a:schemeClr val="dk1"/>
+          </a:fontRef>
+        </p:style>
+        <p:txBody>
+          <a:bodyPr wrap="square" rtlCol="0">
+            <a:spAutoFit/>
+          </a:bodyPr>
+          <a:lstStyle/>
+          <a:p>
+            <a:r>
+              <a:rPr lang="en-US" dirty="0">
+                <a:solidFill>
+                  <a:srgbClr val="C00000"/>
+                </a:solidFill>
+                <a:latin typeface="Consolas" panose="020B0609020204030204" pitchFamily="49" charset="0"/>
+              </a:rPr>
+              <a:t>-private volatile long </a:t>
+            </a:r>
+            <a:r>
+              <a:rPr lang="en-US" dirty="0" err="1">
+                <a:solidFill>
+                  <a:srgbClr val="C00000"/>
+                </a:solidFill>
+                <a:latin typeface="Consolas" panose="020B0609020204030204" pitchFamily="49" charset="0"/>
+              </a:rPr>
+              <a:t>genstamp</a:t>
+            </a:r>
+            <a:r>
+              <a:rPr lang="en-US" dirty="0">
+                <a:solidFill>
+                  <a:srgbClr val="C00000"/>
+                </a:solidFill>
+                <a:latin typeface="Consolas" panose="020B0609020204030204" pitchFamily="49" charset="0"/>
+              </a:rPr>
+              <a:t>;</a:t>
+            </a:r>
+            <a:br>
+              <a:rPr lang="en-US" dirty="0">
+                <a:solidFill>
+                  <a:srgbClr val="C00000"/>
+                </a:solidFill>
+                <a:latin typeface="Consolas" panose="020B0609020204030204" pitchFamily="49" charset="0"/>
+              </a:rPr>
+            </a:br>
+            <a:r>
+              <a:rPr lang="en-US" dirty="0">
+                <a:solidFill>
+                  <a:srgbClr val="C00000"/>
+                </a:solidFill>
+                <a:latin typeface="Consolas" panose="020B0609020204030204" pitchFamily="49" charset="0"/>
+              </a:rPr>
+              <a:t>-public synchronized long </a:t>
+            </a:r>
+            <a:r>
+              <a:rPr lang="en-US" dirty="0" err="1">
+                <a:solidFill>
+                  <a:srgbClr val="C00000"/>
+                </a:solidFill>
+                <a:latin typeface="Consolas" panose="020B0609020204030204" pitchFamily="49" charset="0"/>
+              </a:rPr>
+              <a:t>nextStamp</a:t>
+            </a:r>
+            <a:r>
+              <a:rPr lang="en-US" dirty="0">
+                <a:solidFill>
+                  <a:srgbClr val="C00000"/>
+                </a:solidFill>
+                <a:latin typeface="Consolas" panose="020B0609020204030204" pitchFamily="49" charset="0"/>
+              </a:rPr>
+              <a:t>() {</a:t>
+            </a:r>
+            <a:br>
+              <a:rPr lang="en-US" dirty="0">
+                <a:solidFill>
+                  <a:srgbClr val="C00000"/>
+                </a:solidFill>
+                <a:latin typeface="Consolas" panose="020B0609020204030204" pitchFamily="49" charset="0"/>
+              </a:rPr>
+            </a:br>
+            <a:r>
+              <a:rPr lang="en-US" dirty="0">
+                <a:solidFill>
+                  <a:srgbClr val="C00000"/>
+                </a:solidFill>
+                <a:latin typeface="Consolas" panose="020B0609020204030204" pitchFamily="49" charset="0"/>
+              </a:rPr>
+              <a:t>-  </a:t>
+            </a:r>
+            <a:r>
+              <a:rPr lang="en-US" dirty="0" err="1">
+                <a:solidFill>
+                  <a:srgbClr val="C00000"/>
+                </a:solidFill>
+                <a:latin typeface="Consolas" panose="020B0609020204030204" pitchFamily="49" charset="0"/>
+              </a:rPr>
+              <a:t>this.genstamp</a:t>
+            </a:r>
+            <a:r>
+              <a:rPr lang="en-US" dirty="0">
+                <a:solidFill>
+                  <a:srgbClr val="C00000"/>
+                </a:solidFill>
+                <a:latin typeface="Consolas" panose="020B0609020204030204" pitchFamily="49" charset="0"/>
+              </a:rPr>
+              <a:t>++;</a:t>
+            </a:r>
+            <a:br>
+              <a:rPr lang="en-US" dirty="0">
+                <a:solidFill>
+                  <a:srgbClr val="C00000"/>
+                </a:solidFill>
+                <a:latin typeface="Consolas" panose="020B0609020204030204" pitchFamily="49" charset="0"/>
+              </a:rPr>
+            </a:br>
+            <a:r>
+              <a:rPr lang="en-US" dirty="0">
+                <a:solidFill>
+                  <a:srgbClr val="C00000"/>
+                </a:solidFill>
+                <a:latin typeface="Consolas" panose="020B0609020204030204" pitchFamily="49" charset="0"/>
+              </a:rPr>
+              <a:t>-  return </a:t>
+            </a:r>
+            <a:r>
+              <a:rPr lang="en-US" dirty="0" err="1">
+                <a:solidFill>
+                  <a:srgbClr val="C00000"/>
+                </a:solidFill>
+                <a:latin typeface="Consolas" panose="020B0609020204030204" pitchFamily="49" charset="0"/>
+              </a:rPr>
+              <a:t>this.genstamp</a:t>
+            </a:r>
+            <a:r>
+              <a:rPr lang="en-US" dirty="0">
+                <a:solidFill>
+                  <a:srgbClr val="C00000"/>
+                </a:solidFill>
+                <a:latin typeface="Consolas" panose="020B0609020204030204" pitchFamily="49" charset="0"/>
+              </a:rPr>
+              <a:t>;</a:t>
+            </a:r>
+          </a:p>
+          <a:p>
+            <a:r>
+              <a:rPr lang="en-US" dirty="0">
+                <a:latin typeface="Consolas" panose="020B0609020204030204" pitchFamily="49" charset="0"/>
+              </a:rPr>
+              <a:t> } </a:t>
+            </a:r>
+          </a:p>
+        </p:txBody>
+      </p:sp>
+      <p:sp>
+        <p:nvSpPr>
+          <p:cNvPr id="8" name="文本框 7">
+            <a:extLst>
+              <a:ext uri="{FF2B5EF4-FFF2-40B4-BE49-F238E27FC236}">
+                <a16:creationId xmlns:a16="http://schemas.microsoft.com/office/drawing/2014/main" id="{7210F86F-DC5A-45DB-806B-D2A9DB09B4D5}"/>
+              </a:ext>
+            </a:extLst>
+          </p:cNvPr>
+          <p:cNvSpPr txBox="1"/>
+          <p:nvPr/>
+        </p:nvSpPr>
+        <p:spPr>
+          <a:xfrm>
+            <a:off x="3499337" y="4458382"/>
+            <a:ext cx="5193323" cy="1200329"/>
+          </a:xfrm>
+          <a:prstGeom prst="rect">
+            <a:avLst/>
+          </a:prstGeom>
+        </p:spPr>
+        <p:style>
+          <a:lnRef idx="2">
+            <a:schemeClr val="dk1"/>
+          </a:lnRef>
+          <a:fillRef idx="1">
+            <a:schemeClr val="lt1"/>
+          </a:fillRef>
+          <a:effectRef idx="0">
+            <a:schemeClr val="dk1"/>
+          </a:effectRef>
+          <a:fontRef idx="minor">
+            <a:schemeClr val="dk1"/>
+          </a:fontRef>
+        </p:style>
+        <p:txBody>
+          <a:bodyPr wrap="square" rtlCol="0">
+            <a:spAutoFit/>
+          </a:bodyPr>
+          <a:lstStyle/>
+          <a:p>
+            <a:r>
+              <a:rPr lang="en-US" dirty="0">
+                <a:solidFill>
+                  <a:srgbClr val="0070C0"/>
+                </a:solidFill>
+                <a:latin typeface="Consolas" panose="020B0609020204030204" pitchFamily="49" charset="0"/>
+              </a:rPr>
+              <a:t>+private </a:t>
+            </a:r>
+            <a:r>
+              <a:rPr lang="en-US" dirty="0" err="1">
+                <a:solidFill>
+                  <a:srgbClr val="0070C0"/>
+                </a:solidFill>
+                <a:latin typeface="Consolas" panose="020B0609020204030204" pitchFamily="49" charset="0"/>
+              </a:rPr>
+              <a:t>AtomicLong</a:t>
+            </a:r>
+            <a:r>
+              <a:rPr lang="en-US" dirty="0">
+                <a:solidFill>
+                  <a:srgbClr val="0070C0"/>
+                </a:solidFill>
+                <a:latin typeface="Consolas" panose="020B0609020204030204" pitchFamily="49" charset="0"/>
+              </a:rPr>
+              <a:t> </a:t>
+            </a:r>
+            <a:r>
+              <a:rPr lang="en-US" dirty="0" err="1">
+                <a:solidFill>
+                  <a:srgbClr val="0070C0"/>
+                </a:solidFill>
+                <a:latin typeface="Consolas" panose="020B0609020204030204" pitchFamily="49" charset="0"/>
+              </a:rPr>
+              <a:t>genstamp</a:t>
+            </a:r>
+            <a:r>
+              <a:rPr lang="en-US" dirty="0">
+                <a:solidFill>
+                  <a:srgbClr val="0070C0"/>
+                </a:solidFill>
+                <a:latin typeface="Consolas" panose="020B0609020204030204" pitchFamily="49" charset="0"/>
+              </a:rPr>
+              <a:t>;</a:t>
+            </a:r>
+            <a:br>
+              <a:rPr lang="en-US" dirty="0">
+                <a:solidFill>
+                  <a:srgbClr val="0070C0"/>
+                </a:solidFill>
+                <a:latin typeface="Consolas" panose="020B0609020204030204" pitchFamily="49" charset="0"/>
+              </a:rPr>
+            </a:br>
+            <a:r>
+              <a:rPr lang="en-US" dirty="0">
+                <a:solidFill>
+                  <a:srgbClr val="0070C0"/>
+                </a:solidFill>
+                <a:latin typeface="Consolas" panose="020B0609020204030204" pitchFamily="49" charset="0"/>
+              </a:rPr>
+              <a:t>+public long </a:t>
+            </a:r>
+            <a:r>
+              <a:rPr lang="en-US" dirty="0" err="1">
+                <a:solidFill>
+                  <a:srgbClr val="0070C0"/>
+                </a:solidFill>
+                <a:latin typeface="Consolas" panose="020B0609020204030204" pitchFamily="49" charset="0"/>
+              </a:rPr>
+              <a:t>nextStamp</a:t>
+            </a:r>
+            <a:r>
+              <a:rPr lang="en-US" dirty="0">
+                <a:solidFill>
+                  <a:srgbClr val="0070C0"/>
+                </a:solidFill>
+                <a:latin typeface="Consolas" panose="020B0609020204030204" pitchFamily="49" charset="0"/>
+              </a:rPr>
+              <a:t>() {</a:t>
+            </a:r>
+            <a:br>
+              <a:rPr lang="en-US" dirty="0">
+                <a:solidFill>
+                  <a:srgbClr val="0070C0"/>
+                </a:solidFill>
+                <a:latin typeface="Consolas" panose="020B0609020204030204" pitchFamily="49" charset="0"/>
+              </a:rPr>
+            </a:br>
+            <a:r>
+              <a:rPr lang="en-US" dirty="0">
+                <a:solidFill>
+                  <a:srgbClr val="0070C0"/>
+                </a:solidFill>
+                <a:latin typeface="Consolas" panose="020B0609020204030204" pitchFamily="49" charset="0"/>
+              </a:rPr>
+              <a:t>+  return </a:t>
+            </a:r>
+            <a:r>
+              <a:rPr lang="en-US" dirty="0" err="1">
+                <a:solidFill>
+                  <a:srgbClr val="0070C0"/>
+                </a:solidFill>
+                <a:latin typeface="Consolas" panose="020B0609020204030204" pitchFamily="49" charset="0"/>
+              </a:rPr>
+              <a:t>genstamp.incrementAndGet</a:t>
+            </a:r>
+            <a:r>
+              <a:rPr lang="en-US" dirty="0">
+                <a:solidFill>
+                  <a:srgbClr val="0070C0"/>
+                </a:solidFill>
+                <a:latin typeface="Consolas" panose="020B0609020204030204" pitchFamily="49" charset="0"/>
+              </a:rPr>
+              <a:t>(); </a:t>
+            </a:r>
+          </a:p>
+          <a:p>
+            <a:r>
+              <a:rPr lang="en-US" dirty="0">
+                <a:latin typeface="Consolas" panose="020B0609020204030204" pitchFamily="49" charset="0"/>
+              </a:rPr>
+              <a:t> }</a:t>
+            </a:r>
+          </a:p>
+        </p:txBody>
+      </p:sp>
+      <p:sp>
+        <p:nvSpPr>
+          <p:cNvPr id="9" name="箭头: 下 8">
+            <a:extLst>
+              <a:ext uri="{FF2B5EF4-FFF2-40B4-BE49-F238E27FC236}">
+                <a16:creationId xmlns:a16="http://schemas.microsoft.com/office/drawing/2014/main" id="{D1EEEB83-BB55-4EEC-804E-0FCDB0A3EB63}"/>
+              </a:ext>
+            </a:extLst>
+          </p:cNvPr>
+          <p:cNvSpPr/>
+          <p:nvPr/>
+        </p:nvSpPr>
+        <p:spPr>
+          <a:xfrm>
+            <a:off x="5887912" y="3577543"/>
+            <a:ext cx="416172" cy="606249"/>
+          </a:xfrm>
+          <a:prstGeom prst="downArrow">
+            <a:avLst/>
+          </a:prstGeom>
+        </p:spPr>
+        <p:style>
+          <a:lnRef idx="2">
+            <a:schemeClr val="accent1">
+              <a:shade val="50000"/>
+            </a:schemeClr>
+          </a:lnRef>
+          <a:fillRef idx="1">
+            <a:schemeClr val="accent1"/>
+          </a:fillRef>
+          <a:effectRef idx="0">
+            <a:schemeClr val="accent1"/>
+          </a:effectRef>
+          <a:fontRef idx="minor">
+            <a:schemeClr val="lt1"/>
+          </a:fontRef>
+        </p:style>
+        <p:txBody>
+          <a:bodyPr rtlCol="0" anchor="ctr"/>
+          <a:lstStyle/>
+          <a:p>
+            <a:pPr algn="ctr"/>
+            <a:endParaRPr lang="en-US"/>
+          </a:p>
+        </p:txBody>
+      </p:sp>
+    </p:spTree>
+    <p:extLst>
+      <p:ext uri="{BB962C8B-B14F-4D97-AF65-F5344CB8AC3E}">
+        <p14:creationId xmlns:p14="http://schemas.microsoft.com/office/powerpoint/2010/main" val="1332754715"/>
       </p:ext>
     </p:extLst>
   </p:cSld>
@@ -4127,7 +7930,12 @@
             <p:ph idx="1"/>
           </p:nvPr>
         </p:nvSpPr>
-        <p:spPr/>
+        <p:spPr>
+          <a:xfrm>
+            <a:off x="838200" y="1825625"/>
+            <a:ext cx="7039708" cy="4351338"/>
+          </a:xfrm>
+        </p:spPr>
         <p:txBody>
           <a:bodyPr/>
           <a:lstStyle/>
@@ -4140,15 +7948,23 @@
           <a:p>
             <a:pPr lvl="1"/>
             <a:r>
+              <a:rPr lang="en-US" dirty="0">
+                <a:solidFill>
+                  <a:srgbClr val="FF0000"/>
+                </a:solidFill>
+              </a:rPr>
+              <a:t>Expensive</a:t>
+            </a:r>
+            <a:r>
               <a:rPr lang="en-US" dirty="0"/>
-              <a:t>Expensive, almost 80% of whole budget</a:t>
+              <a:t>, almost 80% of whole budget</a:t>
             </a:r>
           </a:p>
           <a:p>
             <a:pPr lvl="1"/>
             <a:r>
               <a:rPr lang="en-US" dirty="0"/>
-              <a:t>Abundant revision histories</a:t>
+              <a:t>Abundant revision histories, useful information</a:t>
             </a:r>
           </a:p>
           <a:p>
@@ -4160,15 +7976,31 @@
           <a:p>
             <a:pPr lvl="1"/>
             <a:r>
+              <a:rPr lang="en-US" dirty="0">
+                <a:solidFill>
+                  <a:srgbClr val="FF0000"/>
+                </a:solidFill>
+              </a:rPr>
+              <a:t>Pervasive</a:t>
+            </a:r>
+            <a:r>
               <a:rPr lang="en-US" dirty="0"/>
-              <a:t>Pervasive, employed by more than 75% of projects of a recent study</a:t>
+              <a:t>, employed by more than 75% of projects of a recent study</a:t>
             </a:r>
           </a:p>
           <a:p>
             <a:pPr lvl="1"/>
             <a:r>
+              <a:rPr lang="en-US" dirty="0">
+                <a:solidFill>
+                  <a:srgbClr val="FF0000"/>
+                </a:solidFill>
+              </a:rPr>
+              <a:t>Difficult</a:t>
+            </a:r>
+            <a:r>
               <a:rPr lang="en-US" dirty="0"/>
-              <a:t>Difficult, Error-prone, e.g. race, deadlock, etc.</a:t>
+              <a:t>, Error-prone, e.g. race, deadlock, etc.</a:t>
             </a:r>
           </a:p>
           <a:p>
@@ -4179,10 +8011,1163 @@
           </a:p>
         </p:txBody>
       </p:sp>
+      <p:pic>
+        <p:nvPicPr>
+          <p:cNvPr id="1026" name="Picture 2" descr="Related image">
+            <a:extLst>
+              <a:ext uri="{FF2B5EF4-FFF2-40B4-BE49-F238E27FC236}">
+                <a16:creationId xmlns:a16="http://schemas.microsoft.com/office/drawing/2014/main" id="{ECCDE553-6683-471B-BA15-2B0F07A9CB8F}"/>
+              </a:ext>
+            </a:extLst>
+          </p:cNvPr>
+          <p:cNvPicPr>
+            <a:picLocks noChangeAspect="1" noChangeArrowheads="1"/>
+          </p:cNvPicPr>
+          <p:nvPr/>
+        </p:nvPicPr>
+        <p:blipFill>
+          <a:blip r:embed="rId2">
+            <a:extLst>
+              <a:ext uri="{28A0092B-C50C-407E-A947-70E740481C1C}">
+                <a14:useLocalDpi xmlns:a14="http://schemas.microsoft.com/office/drawing/2010/main" val="0"/>
+              </a:ext>
+            </a:extLst>
+          </a:blip>
+          <a:srcRect/>
+          <a:stretch>
+            <a:fillRect/>
+          </a:stretch>
+        </p:blipFill>
+        <p:spPr bwMode="auto">
+          <a:xfrm>
+            <a:off x="8075971" y="1206933"/>
+            <a:ext cx="2493984" cy="1770728"/>
+          </a:xfrm>
+          <a:prstGeom prst="rect">
+            <a:avLst/>
+          </a:prstGeom>
+          <a:noFill/>
+          <a:extLst>
+            <a:ext uri="{909E8E84-426E-40DD-AFC4-6F175D3DCCD1}">
+              <a14:hiddenFill xmlns:a14="http://schemas.microsoft.com/office/drawing/2010/main">
+                <a:solidFill>
+                  <a:srgbClr val="FFFFFF"/>
+                </a:solidFill>
+              </a14:hiddenFill>
+            </a:ext>
+          </a:extLst>
+        </p:spPr>
+      </p:pic>
+      <p:pic>
+        <p:nvPicPr>
+          <p:cNvPr id="1030" name="Picture 6" descr="Circular graph">
+            <a:extLst>
+              <a:ext uri="{FF2B5EF4-FFF2-40B4-BE49-F238E27FC236}">
+                <a16:creationId xmlns:a16="http://schemas.microsoft.com/office/drawing/2014/main" id="{DA777703-007F-413E-A7BF-2C540991CA70}"/>
+              </a:ext>
+            </a:extLst>
+          </p:cNvPr>
+          <p:cNvPicPr>
+            <a:picLocks noChangeAspect="1" noChangeArrowheads="1"/>
+          </p:cNvPicPr>
+          <p:nvPr/>
+        </p:nvPicPr>
+        <p:blipFill>
+          <a:blip r:embed="rId3">
+            <a:extLst>
+              <a:ext uri="{28A0092B-C50C-407E-A947-70E740481C1C}">
+                <a14:useLocalDpi xmlns:a14="http://schemas.microsoft.com/office/drawing/2010/main" val="0"/>
+              </a:ext>
+            </a:extLst>
+          </a:blip>
+          <a:srcRect/>
+          <a:stretch>
+            <a:fillRect/>
+          </a:stretch>
+        </p:blipFill>
+        <p:spPr bwMode="auto">
+          <a:xfrm>
+            <a:off x="8075971" y="3641239"/>
+            <a:ext cx="2493984" cy="2535724"/>
+          </a:xfrm>
+          <a:prstGeom prst="rect">
+            <a:avLst/>
+          </a:prstGeom>
+          <a:noFill/>
+          <a:extLst>
+            <a:ext uri="{909E8E84-426E-40DD-AFC4-6F175D3DCCD1}">
+              <a14:hiddenFill xmlns:a14="http://schemas.microsoft.com/office/drawing/2010/main">
+                <a:solidFill>
+                  <a:srgbClr val="FFFFFF"/>
+                </a:solidFill>
+              </a14:hiddenFill>
+            </a:ext>
+          </a:extLst>
+        </p:spPr>
+      </p:pic>
     </p:spTree>
     <p:extLst>
       <p:ext uri="{BB962C8B-B14F-4D97-AF65-F5344CB8AC3E}">
         <p14:creationId xmlns:p14="http://schemas.microsoft.com/office/powerpoint/2010/main" val="1970901646"/>
+      </p:ext>
+    </p:extLst>
+  </p:cSld>
+  <p:clrMapOvr>
+    <a:masterClrMapping/>
+  </p:clrMapOvr>
+</p:sld>
+</file>
+
+<file path=ppt/slides/slide20.xml><?xml version="1.0" encoding="utf-8"?>
+<p:sld xmlns:a="http://schemas.openxmlformats.org/drawingml/2006/main" xmlns:r="http://schemas.openxmlformats.org/officeDocument/2006/relationships" xmlns:p="http://schemas.openxmlformats.org/presentationml/2006/main">
+  <p:cSld>
+    <p:spTree>
+      <p:nvGrpSpPr>
+        <p:cNvPr id="1" name=""/>
+        <p:cNvGrpSpPr/>
+        <p:nvPr/>
+      </p:nvGrpSpPr>
+      <p:grpSpPr>
+        <a:xfrm>
+          <a:off x="0" y="0"/>
+          <a:ext cx="0" cy="0"/>
+          <a:chOff x="0" y="0"/>
+          <a:chExt cx="0" cy="0"/>
+        </a:xfrm>
+      </p:grpSpPr>
+      <p:sp>
+        <p:nvSpPr>
+          <p:cNvPr id="2" name="标题 1">
+            <a:extLst>
+              <a:ext uri="{FF2B5EF4-FFF2-40B4-BE49-F238E27FC236}">
+                <a16:creationId xmlns:a16="http://schemas.microsoft.com/office/drawing/2014/main" id="{D91E2233-FB63-49E3-911C-B1CCF839AD31}"/>
+              </a:ext>
+            </a:extLst>
+          </p:cNvPr>
+          <p:cNvSpPr>
+            <a:spLocks noGrp="1"/>
+          </p:cNvSpPr>
+          <p:nvPr>
+            <p:ph type="title"/>
+          </p:nvPr>
+        </p:nvSpPr>
+        <p:spPr/>
+        <p:txBody>
+          <a:bodyPr/>
+          <a:lstStyle/>
+          <a:p>
+            <a:r>
+              <a:rPr lang="en-US" dirty="0"/>
+              <a:t>Results - RQ2. How Useful</a:t>
+            </a:r>
+          </a:p>
+        </p:txBody>
+      </p:sp>
+      <p:sp>
+        <p:nvSpPr>
+          <p:cNvPr id="3" name="内容占位符 2">
+            <a:extLst>
+              <a:ext uri="{FF2B5EF4-FFF2-40B4-BE49-F238E27FC236}">
+                <a16:creationId xmlns:a16="http://schemas.microsoft.com/office/drawing/2014/main" id="{4D11BC15-7859-4B31-BD53-38D19F24A9B8}"/>
+              </a:ext>
+            </a:extLst>
+          </p:cNvPr>
+          <p:cNvSpPr>
+            <a:spLocks noGrp="1"/>
+          </p:cNvSpPr>
+          <p:nvPr>
+            <p:ph idx="1"/>
+          </p:nvPr>
+        </p:nvSpPr>
+        <p:spPr/>
+        <p:txBody>
+          <a:bodyPr/>
+          <a:lstStyle/>
+          <a:p>
+            <a:r>
+              <a:rPr lang="en-US" dirty="0"/>
+              <a:t>We write 3 patches for current versions of open-source projects using our change patterns</a:t>
+            </a:r>
+          </a:p>
+          <a:p>
+            <a:r>
+              <a:rPr lang="en-US" dirty="0"/>
+              <a:t>We make 3 pull requests and 2 of them are accepted (project names: Schmince-2, Spider4java)</a:t>
+            </a:r>
+          </a:p>
+          <a:p>
+            <a:r>
+              <a:rPr lang="en-US" dirty="0"/>
+              <a:t>Our change patterns are repetitive in future maintenance, and programmers confirmed that our change patterns are useful</a:t>
+            </a:r>
+          </a:p>
+          <a:p>
+            <a:r>
+              <a:rPr lang="en-US" dirty="0"/>
+              <a:t>It needs much experience and understanding to leverage</a:t>
+            </a:r>
+            <a:br>
+              <a:rPr lang="en-US" dirty="0"/>
+            </a:br>
+            <a:r>
+              <a:rPr lang="en-US" dirty="0"/>
+              <a:t>our change patterns</a:t>
+            </a:r>
+          </a:p>
+        </p:txBody>
+      </p:sp>
+    </p:spTree>
+    <p:extLst>
+      <p:ext uri="{BB962C8B-B14F-4D97-AF65-F5344CB8AC3E}">
+        <p14:creationId xmlns:p14="http://schemas.microsoft.com/office/powerpoint/2010/main" val="320273518"/>
+      </p:ext>
+    </p:extLst>
+  </p:cSld>
+  <p:clrMapOvr>
+    <a:masterClrMapping/>
+  </p:clrMapOvr>
+</p:sld>
+</file>
+
+<file path=ppt/slides/slide21.xml><?xml version="1.0" encoding="utf-8"?>
+<p:sld xmlns:a="http://schemas.openxmlformats.org/drawingml/2006/main" xmlns:r="http://schemas.openxmlformats.org/officeDocument/2006/relationships" xmlns:p="http://schemas.openxmlformats.org/presentationml/2006/main">
+  <p:cSld>
+    <p:spTree>
+      <p:nvGrpSpPr>
+        <p:cNvPr id="1" name=""/>
+        <p:cNvGrpSpPr/>
+        <p:nvPr/>
+      </p:nvGrpSpPr>
+      <p:grpSpPr>
+        <a:xfrm>
+          <a:off x="0" y="0"/>
+          <a:ext cx="0" cy="0"/>
+          <a:chOff x="0" y="0"/>
+          <a:chExt cx="0" cy="0"/>
+        </a:xfrm>
+      </p:grpSpPr>
+      <p:sp>
+        <p:nvSpPr>
+          <p:cNvPr id="2" name="标题 1">
+            <a:extLst>
+              <a:ext uri="{FF2B5EF4-FFF2-40B4-BE49-F238E27FC236}">
+                <a16:creationId xmlns:a16="http://schemas.microsoft.com/office/drawing/2014/main" id="{DFF23582-7A92-479C-9E9E-B4FF5A221FB0}"/>
+              </a:ext>
+            </a:extLst>
+          </p:cNvPr>
+          <p:cNvSpPr>
+            <a:spLocks noGrp="1"/>
+          </p:cNvSpPr>
+          <p:nvPr>
+            <p:ph type="title"/>
+          </p:nvPr>
+        </p:nvSpPr>
+        <p:spPr/>
+        <p:txBody>
+          <a:bodyPr/>
+          <a:lstStyle/>
+          <a:p>
+            <a:r>
+              <a:rPr lang="en-US" dirty="0"/>
+              <a:t>Threats to Validity</a:t>
+            </a:r>
+          </a:p>
+        </p:txBody>
+      </p:sp>
+      <p:sp>
+        <p:nvSpPr>
+          <p:cNvPr id="3" name="内容占位符 2">
+            <a:extLst>
+              <a:ext uri="{FF2B5EF4-FFF2-40B4-BE49-F238E27FC236}">
+                <a16:creationId xmlns:a16="http://schemas.microsoft.com/office/drawing/2014/main" id="{BEB84497-9903-4F42-AC26-813FF2A0D4B5}"/>
+              </a:ext>
+            </a:extLst>
+          </p:cNvPr>
+          <p:cNvSpPr>
+            <a:spLocks noGrp="1"/>
+          </p:cNvSpPr>
+          <p:nvPr>
+            <p:ph idx="1"/>
+          </p:nvPr>
+        </p:nvSpPr>
+        <p:spPr/>
+        <p:txBody>
+          <a:bodyPr/>
+          <a:lstStyle/>
+          <a:p>
+            <a:r>
+              <a:rPr lang="en-US" dirty="0"/>
+              <a:t>Threats to internal validity</a:t>
+            </a:r>
+          </a:p>
+          <a:p>
+            <a:pPr lvl="1"/>
+            <a:r>
+              <a:rPr lang="en-US" dirty="0"/>
+              <a:t>Our tool can omit some concurrency commits</a:t>
+            </a:r>
+          </a:p>
+          <a:p>
+            <a:r>
+              <a:rPr lang="en-US" dirty="0"/>
+              <a:t>Threats to external validity</a:t>
+            </a:r>
+          </a:p>
+          <a:p>
+            <a:pPr lvl="1"/>
+            <a:r>
+              <a:rPr lang="en-US" dirty="0"/>
+              <a:t>The number of the projects we select is small </a:t>
+            </a:r>
+          </a:p>
+          <a:p>
+            <a:pPr lvl="1"/>
+            <a:r>
+              <a:rPr lang="en-US" dirty="0"/>
+              <a:t>They are all Java projects</a:t>
+            </a:r>
+            <a:br>
+              <a:rPr lang="en-US" dirty="0"/>
+            </a:br>
+            <a:br>
+              <a:rPr lang="en-US" dirty="0"/>
+            </a:br>
+            <a:endParaRPr lang="en-US" dirty="0"/>
+          </a:p>
+        </p:txBody>
+      </p:sp>
+    </p:spTree>
+    <p:extLst>
+      <p:ext uri="{BB962C8B-B14F-4D97-AF65-F5344CB8AC3E}">
+        <p14:creationId xmlns:p14="http://schemas.microsoft.com/office/powerpoint/2010/main" val="2759274773"/>
+      </p:ext>
+    </p:extLst>
+  </p:cSld>
+  <p:clrMapOvr>
+    <a:masterClrMapping/>
+  </p:clrMapOvr>
+</p:sld>
+</file>
+
+<file path=ppt/slides/slide22.xml><?xml version="1.0" encoding="utf-8"?>
+<p:sld xmlns:a="http://schemas.openxmlformats.org/drawingml/2006/main" xmlns:r="http://schemas.openxmlformats.org/officeDocument/2006/relationships" xmlns:p="http://schemas.openxmlformats.org/presentationml/2006/main">
+  <p:cSld>
+    <p:spTree>
+      <p:nvGrpSpPr>
+        <p:cNvPr id="1" name=""/>
+        <p:cNvGrpSpPr/>
+        <p:nvPr/>
+      </p:nvGrpSpPr>
+      <p:grpSpPr>
+        <a:xfrm>
+          <a:off x="0" y="0"/>
+          <a:ext cx="0" cy="0"/>
+          <a:chOff x="0" y="0"/>
+          <a:chExt cx="0" cy="0"/>
+        </a:xfrm>
+      </p:grpSpPr>
+      <p:sp>
+        <p:nvSpPr>
+          <p:cNvPr id="2" name="标题 1">
+            <a:extLst>
+              <a:ext uri="{FF2B5EF4-FFF2-40B4-BE49-F238E27FC236}">
+                <a16:creationId xmlns:a16="http://schemas.microsoft.com/office/drawing/2014/main" id="{F26C4BF0-BC1B-4A6E-8F13-4CF1D6D1217E}"/>
+              </a:ext>
+            </a:extLst>
+          </p:cNvPr>
+          <p:cNvSpPr>
+            <a:spLocks noGrp="1"/>
+          </p:cNvSpPr>
+          <p:nvPr>
+            <p:ph type="title"/>
+          </p:nvPr>
+        </p:nvSpPr>
+        <p:spPr/>
+        <p:txBody>
+          <a:bodyPr/>
+          <a:lstStyle/>
+          <a:p>
+            <a:r>
+              <a:rPr lang="en-US"/>
+              <a:t>Future Work</a:t>
+            </a:r>
+            <a:endParaRPr lang="en-US" dirty="0"/>
+          </a:p>
+        </p:txBody>
+      </p:sp>
+      <p:sp>
+        <p:nvSpPr>
+          <p:cNvPr id="3" name="内容占位符 2">
+            <a:extLst>
+              <a:ext uri="{FF2B5EF4-FFF2-40B4-BE49-F238E27FC236}">
+                <a16:creationId xmlns:a16="http://schemas.microsoft.com/office/drawing/2014/main" id="{2C8E89BC-E1A3-4E29-91D2-793E3F8A69FA}"/>
+              </a:ext>
+            </a:extLst>
+          </p:cNvPr>
+          <p:cNvSpPr>
+            <a:spLocks noGrp="1"/>
+          </p:cNvSpPr>
+          <p:nvPr>
+            <p:ph idx="1"/>
+          </p:nvPr>
+        </p:nvSpPr>
+        <p:spPr/>
+        <p:txBody>
+          <a:bodyPr/>
+          <a:lstStyle/>
+          <a:p>
+            <a:r>
+              <a:rPr lang="en-US" dirty="0"/>
+              <a:t>Learn change patterns</a:t>
+            </a:r>
+          </a:p>
+          <a:p>
+            <a:r>
+              <a:rPr lang="en-US" dirty="0"/>
+              <a:t>Search appropriate contexts</a:t>
+            </a:r>
+          </a:p>
+          <a:p>
+            <a:r>
+              <a:rPr lang="en-US" dirty="0"/>
+              <a:t>Apply change patterns</a:t>
+            </a:r>
+          </a:p>
+        </p:txBody>
+      </p:sp>
+      <p:grpSp>
+        <p:nvGrpSpPr>
+          <p:cNvPr id="4" name="组合 3">
+            <a:extLst>
+              <a:ext uri="{FF2B5EF4-FFF2-40B4-BE49-F238E27FC236}">
+                <a16:creationId xmlns:a16="http://schemas.microsoft.com/office/drawing/2014/main" id="{30B2267F-796F-4FA0-A794-C5BB2F83A122}"/>
+              </a:ext>
+            </a:extLst>
+          </p:cNvPr>
+          <p:cNvGrpSpPr/>
+          <p:nvPr/>
+        </p:nvGrpSpPr>
+        <p:grpSpPr>
+          <a:xfrm>
+            <a:off x="2080847" y="3886018"/>
+            <a:ext cx="8030305" cy="1980279"/>
+            <a:chOff x="2684587" y="4519069"/>
+            <a:chExt cx="8030305" cy="1980279"/>
+          </a:xfrm>
+        </p:grpSpPr>
+        <p:sp>
+          <p:nvSpPr>
+            <p:cNvPr id="5" name="矩形 4">
+              <a:extLst>
+                <a:ext uri="{FF2B5EF4-FFF2-40B4-BE49-F238E27FC236}">
+                  <a16:creationId xmlns:a16="http://schemas.microsoft.com/office/drawing/2014/main" id="{B7335FDB-EA5A-42E8-8B7C-A0B7F1CB1FE1}"/>
+                </a:ext>
+              </a:extLst>
+            </p:cNvPr>
+            <p:cNvSpPr/>
+            <p:nvPr/>
+          </p:nvSpPr>
+          <p:spPr>
+            <a:xfrm>
+              <a:off x="4290648" y="4601185"/>
+              <a:ext cx="1606061" cy="644770"/>
+            </a:xfrm>
+            <a:prstGeom prst="rect">
+              <a:avLst/>
+            </a:prstGeom>
+          </p:spPr>
+          <p:style>
+            <a:lnRef idx="2">
+              <a:schemeClr val="accent1"/>
+            </a:lnRef>
+            <a:fillRef idx="1">
+              <a:schemeClr val="lt1"/>
+            </a:fillRef>
+            <a:effectRef idx="0">
+              <a:schemeClr val="accent1"/>
+            </a:effectRef>
+            <a:fontRef idx="minor">
+              <a:schemeClr val="dk1"/>
+            </a:fontRef>
+          </p:style>
+          <p:txBody>
+            <a:bodyPr rtlCol="0" anchor="ctr"/>
+            <a:lstStyle/>
+            <a:p>
+              <a:pPr algn="ctr"/>
+              <a:r>
+                <a:rPr lang="en-US" sz="2400" dirty="0"/>
+                <a:t>History</a:t>
+              </a:r>
+            </a:p>
+          </p:txBody>
+        </p:sp>
+        <p:sp>
+          <p:nvSpPr>
+            <p:cNvPr id="6" name="矩形 5">
+              <a:extLst>
+                <a:ext uri="{FF2B5EF4-FFF2-40B4-BE49-F238E27FC236}">
+                  <a16:creationId xmlns:a16="http://schemas.microsoft.com/office/drawing/2014/main" id="{7FD2D010-44BD-4E60-A357-3137CC544CA0}"/>
+                </a:ext>
+              </a:extLst>
+            </p:cNvPr>
+            <p:cNvSpPr/>
+            <p:nvPr/>
+          </p:nvSpPr>
+          <p:spPr>
+            <a:xfrm>
+              <a:off x="7502770" y="4601185"/>
+              <a:ext cx="1606061" cy="644770"/>
+            </a:xfrm>
+            <a:prstGeom prst="rect">
+              <a:avLst/>
+            </a:prstGeom>
+          </p:spPr>
+          <p:style>
+            <a:lnRef idx="2">
+              <a:schemeClr val="accent6"/>
+            </a:lnRef>
+            <a:fillRef idx="1">
+              <a:schemeClr val="lt1"/>
+            </a:fillRef>
+            <a:effectRef idx="0">
+              <a:schemeClr val="accent6"/>
+            </a:effectRef>
+            <a:fontRef idx="minor">
+              <a:schemeClr val="dk1"/>
+            </a:fontRef>
+          </p:style>
+          <p:txBody>
+            <a:bodyPr rtlCol="0" anchor="ctr"/>
+            <a:lstStyle/>
+            <a:p>
+              <a:pPr algn="ctr"/>
+              <a:r>
+                <a:rPr lang="en-US" sz="2400" dirty="0"/>
+                <a:t>Patterns</a:t>
+              </a:r>
+            </a:p>
+          </p:txBody>
+        </p:sp>
+        <p:cxnSp>
+          <p:nvCxnSpPr>
+            <p:cNvPr id="7" name="直接箭头连接符 6">
+              <a:extLst>
+                <a:ext uri="{FF2B5EF4-FFF2-40B4-BE49-F238E27FC236}">
+                  <a16:creationId xmlns:a16="http://schemas.microsoft.com/office/drawing/2014/main" id="{1A86E5C9-E534-4657-A164-CB668BEC441F}"/>
+                </a:ext>
+              </a:extLst>
+            </p:cNvPr>
+            <p:cNvCxnSpPr>
+              <a:stCxn id="5" idx="3"/>
+              <a:endCxn id="6" idx="1"/>
+            </p:cNvCxnSpPr>
+            <p:nvPr/>
+          </p:nvCxnSpPr>
+          <p:spPr>
+            <a:xfrm>
+              <a:off x="5896709" y="4923570"/>
+              <a:ext cx="1606061" cy="0"/>
+            </a:xfrm>
+            <a:prstGeom prst="straightConnector1">
+              <a:avLst/>
+            </a:prstGeom>
+            <a:ln>
+              <a:tailEnd type="triangle"/>
+            </a:ln>
+          </p:spPr>
+          <p:style>
+            <a:lnRef idx="1">
+              <a:schemeClr val="accent1"/>
+            </a:lnRef>
+            <a:fillRef idx="0">
+              <a:schemeClr val="accent1"/>
+            </a:fillRef>
+            <a:effectRef idx="0">
+              <a:schemeClr val="accent1"/>
+            </a:effectRef>
+            <a:fontRef idx="minor">
+              <a:schemeClr val="tx1"/>
+            </a:fontRef>
+          </p:style>
+        </p:cxnSp>
+        <p:sp>
+          <p:nvSpPr>
+            <p:cNvPr id="8" name="矩形 7">
+              <a:extLst>
+                <a:ext uri="{FF2B5EF4-FFF2-40B4-BE49-F238E27FC236}">
+                  <a16:creationId xmlns:a16="http://schemas.microsoft.com/office/drawing/2014/main" id="{DEC9A91B-1BF8-44A1-9D6C-E5C3289EE599}"/>
+                </a:ext>
+              </a:extLst>
+            </p:cNvPr>
+            <p:cNvSpPr/>
+            <p:nvPr/>
+          </p:nvSpPr>
+          <p:spPr>
+            <a:xfrm>
+              <a:off x="5896709" y="5854578"/>
+              <a:ext cx="1606061" cy="644770"/>
+            </a:xfrm>
+            <a:prstGeom prst="rect">
+              <a:avLst/>
+            </a:prstGeom>
+          </p:spPr>
+          <p:style>
+            <a:lnRef idx="2">
+              <a:schemeClr val="dk1"/>
+            </a:lnRef>
+            <a:fillRef idx="1">
+              <a:schemeClr val="lt1"/>
+            </a:fillRef>
+            <a:effectRef idx="0">
+              <a:schemeClr val="dk1"/>
+            </a:effectRef>
+            <a:fontRef idx="minor">
+              <a:schemeClr val="dk1"/>
+            </a:fontRef>
+          </p:style>
+          <p:txBody>
+            <a:bodyPr rtlCol="0" anchor="ctr"/>
+            <a:lstStyle/>
+            <a:p>
+              <a:pPr algn="ctr"/>
+              <a:r>
+                <a:rPr lang="en-US" sz="2400" dirty="0"/>
+                <a:t>Code</a:t>
+              </a:r>
+            </a:p>
+          </p:txBody>
+        </p:sp>
+        <p:sp>
+          <p:nvSpPr>
+            <p:cNvPr id="9" name="矩形 8">
+              <a:extLst>
+                <a:ext uri="{FF2B5EF4-FFF2-40B4-BE49-F238E27FC236}">
+                  <a16:creationId xmlns:a16="http://schemas.microsoft.com/office/drawing/2014/main" id="{25C373F1-4A1C-4C3C-9E30-248D22EC7609}"/>
+                </a:ext>
+              </a:extLst>
+            </p:cNvPr>
+            <p:cNvSpPr/>
+            <p:nvPr/>
+          </p:nvSpPr>
+          <p:spPr>
+            <a:xfrm>
+              <a:off x="9108831" y="5854578"/>
+              <a:ext cx="1606061" cy="644770"/>
+            </a:xfrm>
+            <a:prstGeom prst="rect">
+              <a:avLst/>
+            </a:prstGeom>
+          </p:spPr>
+          <p:style>
+            <a:lnRef idx="2">
+              <a:schemeClr val="dk1"/>
+            </a:lnRef>
+            <a:fillRef idx="1">
+              <a:schemeClr val="lt1"/>
+            </a:fillRef>
+            <a:effectRef idx="0">
+              <a:schemeClr val="dk1"/>
+            </a:effectRef>
+            <a:fontRef idx="minor">
+              <a:schemeClr val="dk1"/>
+            </a:fontRef>
+          </p:style>
+          <p:txBody>
+            <a:bodyPr rtlCol="0" anchor="ctr"/>
+            <a:lstStyle/>
+            <a:p>
+              <a:pPr algn="ctr"/>
+              <a:r>
+                <a:rPr lang="en-US" sz="2400" dirty="0"/>
+                <a:t>Code’</a:t>
+              </a:r>
+            </a:p>
+          </p:txBody>
+        </p:sp>
+        <p:cxnSp>
+          <p:nvCxnSpPr>
+            <p:cNvPr id="10" name="直接箭头连接符 9">
+              <a:extLst>
+                <a:ext uri="{FF2B5EF4-FFF2-40B4-BE49-F238E27FC236}">
+                  <a16:creationId xmlns:a16="http://schemas.microsoft.com/office/drawing/2014/main" id="{0BD5B3E3-58F5-451B-A877-DE13986BEE23}"/>
+                </a:ext>
+              </a:extLst>
+            </p:cNvPr>
+            <p:cNvCxnSpPr>
+              <a:stCxn id="8" idx="3"/>
+              <a:endCxn id="9" idx="1"/>
+            </p:cNvCxnSpPr>
+            <p:nvPr/>
+          </p:nvCxnSpPr>
+          <p:spPr>
+            <a:xfrm>
+              <a:off x="7502770" y="6176963"/>
+              <a:ext cx="1606061" cy="0"/>
+            </a:xfrm>
+            <a:prstGeom prst="straightConnector1">
+              <a:avLst/>
+            </a:prstGeom>
+            <a:ln>
+              <a:tailEnd type="triangle"/>
+            </a:ln>
+          </p:spPr>
+          <p:style>
+            <a:lnRef idx="1">
+              <a:schemeClr val="accent1"/>
+            </a:lnRef>
+            <a:fillRef idx="0">
+              <a:schemeClr val="accent1"/>
+            </a:fillRef>
+            <a:effectRef idx="0">
+              <a:schemeClr val="accent1"/>
+            </a:effectRef>
+            <a:fontRef idx="minor">
+              <a:schemeClr val="tx1"/>
+            </a:fontRef>
+          </p:style>
+        </p:cxnSp>
+        <p:cxnSp>
+          <p:nvCxnSpPr>
+            <p:cNvPr id="11" name="直接箭头连接符 10">
+              <a:extLst>
+                <a:ext uri="{FF2B5EF4-FFF2-40B4-BE49-F238E27FC236}">
+                  <a16:creationId xmlns:a16="http://schemas.microsoft.com/office/drawing/2014/main" id="{CA0CB2AF-1CB2-4C82-8C48-AB02F78BF3A2}"/>
+                </a:ext>
+              </a:extLst>
+            </p:cNvPr>
+            <p:cNvCxnSpPr>
+              <a:stCxn id="6" idx="2"/>
+            </p:cNvCxnSpPr>
+            <p:nvPr/>
+          </p:nvCxnSpPr>
+          <p:spPr>
+            <a:xfrm flipH="1">
+              <a:off x="8305800" y="5245955"/>
+              <a:ext cx="1" cy="931008"/>
+            </a:xfrm>
+            <a:prstGeom prst="straightConnector1">
+              <a:avLst/>
+            </a:prstGeom>
+            <a:ln>
+              <a:tailEnd type="triangle"/>
+            </a:ln>
+          </p:spPr>
+          <p:style>
+            <a:lnRef idx="1">
+              <a:schemeClr val="accent1"/>
+            </a:lnRef>
+            <a:fillRef idx="0">
+              <a:schemeClr val="accent1"/>
+            </a:fillRef>
+            <a:effectRef idx="0">
+              <a:schemeClr val="accent1"/>
+            </a:effectRef>
+            <a:fontRef idx="minor">
+              <a:schemeClr val="tx1"/>
+            </a:fontRef>
+          </p:style>
+        </p:cxnSp>
+        <p:sp>
+          <p:nvSpPr>
+            <p:cNvPr id="12" name="文本框 11">
+              <a:extLst>
+                <a:ext uri="{FF2B5EF4-FFF2-40B4-BE49-F238E27FC236}">
+                  <a16:creationId xmlns:a16="http://schemas.microsoft.com/office/drawing/2014/main" id="{5BDDE5D5-D2AF-47AF-857E-3ACA15100480}"/>
+                </a:ext>
+              </a:extLst>
+            </p:cNvPr>
+            <p:cNvSpPr txBox="1"/>
+            <p:nvPr/>
+          </p:nvSpPr>
+          <p:spPr>
+            <a:xfrm>
+              <a:off x="6160477" y="4519069"/>
+              <a:ext cx="1078524" cy="400110"/>
+            </a:xfrm>
+            <a:prstGeom prst="rect">
+              <a:avLst/>
+            </a:prstGeom>
+            <a:noFill/>
+          </p:spPr>
+          <p:txBody>
+            <a:bodyPr wrap="square" rtlCol="0">
+              <a:spAutoFit/>
+            </a:bodyPr>
+            <a:lstStyle/>
+            <a:p>
+              <a:pPr algn="ctr"/>
+              <a:r>
+                <a:rPr lang="en-US" sz="2000" dirty="0"/>
+                <a:t>Extract</a:t>
+              </a:r>
+            </a:p>
+          </p:txBody>
+        </p:sp>
+        <p:sp>
+          <p:nvSpPr>
+            <p:cNvPr id="13" name="文本框 12">
+              <a:extLst>
+                <a:ext uri="{FF2B5EF4-FFF2-40B4-BE49-F238E27FC236}">
+                  <a16:creationId xmlns:a16="http://schemas.microsoft.com/office/drawing/2014/main" id="{112FD347-A713-4E77-9147-149334CE8096}"/>
+                </a:ext>
+              </a:extLst>
+            </p:cNvPr>
+            <p:cNvSpPr txBox="1"/>
+            <p:nvPr/>
+          </p:nvSpPr>
+          <p:spPr>
+            <a:xfrm>
+              <a:off x="7766538" y="5526793"/>
+              <a:ext cx="1078524" cy="400110"/>
+            </a:xfrm>
+            <a:prstGeom prst="rect">
+              <a:avLst/>
+            </a:prstGeom>
+            <a:noFill/>
+          </p:spPr>
+          <p:txBody>
+            <a:bodyPr wrap="square" rtlCol="0">
+              <a:spAutoFit/>
+            </a:bodyPr>
+            <a:lstStyle/>
+            <a:p>
+              <a:pPr algn="ctr"/>
+              <a:r>
+                <a:rPr lang="en-US" sz="2000" dirty="0"/>
+                <a:t>Apply</a:t>
+              </a:r>
+            </a:p>
+          </p:txBody>
+        </p:sp>
+        <p:sp>
+          <p:nvSpPr>
+            <p:cNvPr id="14" name="矩形 13">
+              <a:extLst>
+                <a:ext uri="{FF2B5EF4-FFF2-40B4-BE49-F238E27FC236}">
+                  <a16:creationId xmlns:a16="http://schemas.microsoft.com/office/drawing/2014/main" id="{60FB5D02-3DFD-494C-AF14-2A379297323F}"/>
+                </a:ext>
+              </a:extLst>
+            </p:cNvPr>
+            <p:cNvSpPr/>
+            <p:nvPr/>
+          </p:nvSpPr>
+          <p:spPr>
+            <a:xfrm>
+              <a:off x="2684587" y="5854578"/>
+              <a:ext cx="1606061" cy="644770"/>
+            </a:xfrm>
+            <a:prstGeom prst="rect">
+              <a:avLst/>
+            </a:prstGeom>
+          </p:spPr>
+          <p:style>
+            <a:lnRef idx="2">
+              <a:schemeClr val="dk1"/>
+            </a:lnRef>
+            <a:fillRef idx="1">
+              <a:schemeClr val="lt1"/>
+            </a:fillRef>
+            <a:effectRef idx="0">
+              <a:schemeClr val="dk1"/>
+            </a:effectRef>
+            <a:fontRef idx="minor">
+              <a:schemeClr val="dk1"/>
+            </a:fontRef>
+          </p:style>
+          <p:txBody>
+            <a:bodyPr rtlCol="0" anchor="ctr"/>
+            <a:lstStyle/>
+            <a:p>
+              <a:pPr algn="ctr"/>
+              <a:r>
+                <a:rPr lang="en-US" sz="2400" dirty="0"/>
+                <a:t>Repo</a:t>
+              </a:r>
+            </a:p>
+          </p:txBody>
+        </p:sp>
+        <p:cxnSp>
+          <p:nvCxnSpPr>
+            <p:cNvPr id="15" name="直接箭头连接符 14">
+              <a:extLst>
+                <a:ext uri="{FF2B5EF4-FFF2-40B4-BE49-F238E27FC236}">
+                  <a16:creationId xmlns:a16="http://schemas.microsoft.com/office/drawing/2014/main" id="{E29CCADE-13B1-4FF7-ACFC-60D1A8A36DF8}"/>
+                </a:ext>
+              </a:extLst>
+            </p:cNvPr>
+            <p:cNvCxnSpPr>
+              <a:stCxn id="14" idx="3"/>
+              <a:endCxn id="8" idx="1"/>
+            </p:cNvCxnSpPr>
+            <p:nvPr/>
+          </p:nvCxnSpPr>
+          <p:spPr>
+            <a:xfrm>
+              <a:off x="4290648" y="6176963"/>
+              <a:ext cx="1606061" cy="0"/>
+            </a:xfrm>
+            <a:prstGeom prst="straightConnector1">
+              <a:avLst/>
+            </a:prstGeom>
+            <a:ln>
+              <a:tailEnd type="triangle"/>
+            </a:ln>
+          </p:spPr>
+          <p:style>
+            <a:lnRef idx="1">
+              <a:schemeClr val="accent1"/>
+            </a:lnRef>
+            <a:fillRef idx="0">
+              <a:schemeClr val="accent1"/>
+            </a:fillRef>
+            <a:effectRef idx="0">
+              <a:schemeClr val="accent1"/>
+            </a:effectRef>
+            <a:fontRef idx="minor">
+              <a:schemeClr val="tx1"/>
+            </a:fontRef>
+          </p:style>
+        </p:cxnSp>
+        <p:sp>
+          <p:nvSpPr>
+            <p:cNvPr id="16" name="文本框 15">
+              <a:extLst>
+                <a:ext uri="{FF2B5EF4-FFF2-40B4-BE49-F238E27FC236}">
+                  <a16:creationId xmlns:a16="http://schemas.microsoft.com/office/drawing/2014/main" id="{BB41AAF8-5977-4634-9CDC-96882BFF3C22}"/>
+                </a:ext>
+              </a:extLst>
+            </p:cNvPr>
+            <p:cNvSpPr txBox="1"/>
+            <p:nvPr/>
+          </p:nvSpPr>
+          <p:spPr>
+            <a:xfrm>
+              <a:off x="4548554" y="5782077"/>
+              <a:ext cx="1078524" cy="400110"/>
+            </a:xfrm>
+            <a:prstGeom prst="rect">
+              <a:avLst/>
+            </a:prstGeom>
+            <a:noFill/>
+          </p:spPr>
+          <p:txBody>
+            <a:bodyPr wrap="square" rtlCol="0">
+              <a:spAutoFit/>
+            </a:bodyPr>
+            <a:lstStyle/>
+            <a:p>
+              <a:pPr algn="ctr"/>
+              <a:r>
+                <a:rPr lang="en-US" sz="2000" dirty="0"/>
+                <a:t>Search</a:t>
+              </a:r>
+            </a:p>
+          </p:txBody>
+        </p:sp>
+      </p:grpSp>
+      <p:sp>
+        <p:nvSpPr>
+          <p:cNvPr id="17" name="右大括号 16">
+            <a:extLst>
+              <a:ext uri="{FF2B5EF4-FFF2-40B4-BE49-F238E27FC236}">
+                <a16:creationId xmlns:a16="http://schemas.microsoft.com/office/drawing/2014/main" id="{7E6E7346-566F-42B8-B207-2B03AB1E0733}"/>
+              </a:ext>
+            </a:extLst>
+          </p:cNvPr>
+          <p:cNvSpPr/>
+          <p:nvPr/>
+        </p:nvSpPr>
+        <p:spPr>
+          <a:xfrm>
+            <a:off x="5720862" y="1930033"/>
+            <a:ext cx="492369" cy="1383324"/>
+          </a:xfrm>
+          <a:prstGeom prst="rightBrace">
+            <a:avLst/>
+          </a:prstGeom>
+        </p:spPr>
+        <p:style>
+          <a:lnRef idx="3">
+            <a:schemeClr val="dk1"/>
+          </a:lnRef>
+          <a:fillRef idx="0">
+            <a:schemeClr val="dk1"/>
+          </a:fillRef>
+          <a:effectRef idx="2">
+            <a:schemeClr val="dk1"/>
+          </a:effectRef>
+          <a:fontRef idx="minor">
+            <a:schemeClr val="tx1"/>
+          </a:fontRef>
+        </p:style>
+        <p:txBody>
+          <a:bodyPr rtlCol="0" anchor="ctr"/>
+          <a:lstStyle/>
+          <a:p>
+            <a:pPr algn="ctr"/>
+            <a:endParaRPr lang="en-US"/>
+          </a:p>
+        </p:txBody>
+      </p:sp>
+      <p:sp>
+        <p:nvSpPr>
+          <p:cNvPr id="18" name="文本框 17">
+            <a:extLst>
+              <a:ext uri="{FF2B5EF4-FFF2-40B4-BE49-F238E27FC236}">
+                <a16:creationId xmlns:a16="http://schemas.microsoft.com/office/drawing/2014/main" id="{B6489542-7619-4BB1-8F8F-50D285526187}"/>
+              </a:ext>
+            </a:extLst>
+          </p:cNvPr>
+          <p:cNvSpPr txBox="1"/>
+          <p:nvPr/>
+        </p:nvSpPr>
+        <p:spPr>
+          <a:xfrm>
+            <a:off x="6635261" y="2360085"/>
+            <a:ext cx="2567354" cy="523220"/>
+          </a:xfrm>
+          <a:prstGeom prst="rect">
+            <a:avLst/>
+          </a:prstGeom>
+          <a:noFill/>
+        </p:spPr>
+        <p:txBody>
+          <a:bodyPr wrap="square" rtlCol="0">
+            <a:spAutoFit/>
+          </a:bodyPr>
+          <a:lstStyle/>
+          <a:p>
+            <a:pPr algn="ctr"/>
+            <a:r>
+              <a:rPr lang="en-US" sz="2800" dirty="0"/>
+              <a:t>Automatically</a:t>
+            </a:r>
+          </a:p>
+        </p:txBody>
+      </p:sp>
+    </p:spTree>
+    <p:extLst>
+      <p:ext uri="{BB962C8B-B14F-4D97-AF65-F5344CB8AC3E}">
+        <p14:creationId xmlns:p14="http://schemas.microsoft.com/office/powerpoint/2010/main" val="4263862926"/>
+      </p:ext>
+    </p:extLst>
+  </p:cSld>
+  <p:clrMapOvr>
+    <a:masterClrMapping/>
+  </p:clrMapOvr>
+</p:sld>
+</file>
+
+<file path=ppt/slides/slide23.xml><?xml version="1.0" encoding="utf-8"?>
+<p:sld xmlns:a="http://schemas.openxmlformats.org/drawingml/2006/main" xmlns:r="http://schemas.openxmlformats.org/officeDocument/2006/relationships" xmlns:p="http://schemas.openxmlformats.org/presentationml/2006/main">
+  <p:cSld>
+    <p:spTree>
+      <p:nvGrpSpPr>
+        <p:cNvPr id="1" name=""/>
+        <p:cNvGrpSpPr/>
+        <p:nvPr/>
+      </p:nvGrpSpPr>
+      <p:grpSpPr>
+        <a:xfrm>
+          <a:off x="0" y="0"/>
+          <a:ext cx="0" cy="0"/>
+          <a:chOff x="0" y="0"/>
+          <a:chExt cx="0" cy="0"/>
+        </a:xfrm>
+      </p:grpSpPr>
+      <p:sp>
+        <p:nvSpPr>
+          <p:cNvPr id="2" name="标题 1">
+            <a:extLst>
+              <a:ext uri="{FF2B5EF4-FFF2-40B4-BE49-F238E27FC236}">
+                <a16:creationId xmlns:a16="http://schemas.microsoft.com/office/drawing/2014/main" id="{841164D6-F021-4139-AE2A-E53FD5B6D7B5}"/>
+              </a:ext>
+            </a:extLst>
+          </p:cNvPr>
+          <p:cNvSpPr>
+            <a:spLocks noGrp="1"/>
+          </p:cNvSpPr>
+          <p:nvPr>
+            <p:ph type="title"/>
+          </p:nvPr>
+        </p:nvSpPr>
+        <p:spPr/>
+        <p:txBody>
+          <a:bodyPr/>
+          <a:lstStyle/>
+          <a:p>
+            <a:r>
+              <a:rPr lang="en-US" dirty="0"/>
+              <a:t>Conclusion</a:t>
+            </a:r>
+          </a:p>
+        </p:txBody>
+      </p:sp>
+      <p:sp>
+        <p:nvSpPr>
+          <p:cNvPr id="3" name="内容占位符 2">
+            <a:extLst>
+              <a:ext uri="{FF2B5EF4-FFF2-40B4-BE49-F238E27FC236}">
+                <a16:creationId xmlns:a16="http://schemas.microsoft.com/office/drawing/2014/main" id="{FD201C03-6E12-47DC-8C59-404958540F77}"/>
+              </a:ext>
+            </a:extLst>
+          </p:cNvPr>
+          <p:cNvSpPr>
+            <a:spLocks noGrp="1"/>
+          </p:cNvSpPr>
+          <p:nvPr>
+            <p:ph idx="1"/>
+          </p:nvPr>
+        </p:nvSpPr>
+        <p:spPr/>
+        <p:txBody>
+          <a:bodyPr>
+            <a:normAutofit/>
+          </a:bodyPr>
+          <a:lstStyle/>
+          <a:p>
+            <a:r>
+              <a:rPr lang="en-US" dirty="0"/>
+              <a:t>We conduct an empirical study on 98,325 commits that are collected from six popular open-source projects</a:t>
+            </a:r>
+          </a:p>
+          <a:p>
+            <a:r>
+              <a:rPr lang="en-US" dirty="0"/>
+              <a:t>We implement a set of tools that collect and identify concurrency-related commits automatically</a:t>
+            </a:r>
+          </a:p>
+          <a:p>
+            <a:r>
+              <a:rPr lang="en-US" dirty="0"/>
+              <a:t>We manually analyze 696 commits</a:t>
+            </a:r>
+          </a:p>
+          <a:p>
+            <a:r>
+              <a:rPr lang="en-US" dirty="0"/>
+              <a:t>We summarize five change patterns</a:t>
+            </a:r>
+          </a:p>
+          <a:p>
+            <a:r>
+              <a:rPr lang="en-US" dirty="0"/>
+              <a:t>We find that maintaining concurrent code is not a one-direction migration</a:t>
+            </a:r>
+          </a:p>
+          <a:p>
+            <a:r>
+              <a:rPr lang="en-US" dirty="0"/>
+              <a:t>We apply our change patterns in real code</a:t>
+            </a:r>
+          </a:p>
+        </p:txBody>
+      </p:sp>
+    </p:spTree>
+    <p:extLst>
+      <p:ext uri="{BB962C8B-B14F-4D97-AF65-F5344CB8AC3E}">
+        <p14:creationId xmlns:p14="http://schemas.microsoft.com/office/powerpoint/2010/main" val="929634962"/>
       </p:ext>
     </p:extLst>
   </p:cSld>
@@ -4264,7 +9249,7 @@
             </a:r>
             <a:r>
               <a:rPr lang="fr-FR" dirty="0"/>
-              <a:t>how programmers maintain concurrent code. They sampled 25 commits.</a:t>
+              <a:t>how programmers maintain concurrent code. They sampled only 25 commits.</a:t>
             </a:r>
             <a:endParaRPr lang="en-US" dirty="0"/>
           </a:p>
@@ -4781,11 +9766,542 @@
             <a:pPr lvl="1"/>
             <a:r>
               <a:rPr lang="en-US" dirty="0"/>
-              <a:t>Apply our extract change patterns to update concurrent code automatically</a:t>
-            </a:r>
-          </a:p>
-        </p:txBody>
-      </p:sp>
+              <a:t>Can we apply our extract change patterns to update concurrent code automatically?</a:t>
+            </a:r>
+          </a:p>
+        </p:txBody>
+      </p:sp>
+      <p:grpSp>
+        <p:nvGrpSpPr>
+          <p:cNvPr id="28" name="组合 27">
+            <a:extLst>
+              <a:ext uri="{FF2B5EF4-FFF2-40B4-BE49-F238E27FC236}">
+                <a16:creationId xmlns:a16="http://schemas.microsoft.com/office/drawing/2014/main" id="{C2371A70-2399-4129-B99E-158731858948}"/>
+              </a:ext>
+            </a:extLst>
+          </p:cNvPr>
+          <p:cNvGrpSpPr/>
+          <p:nvPr/>
+        </p:nvGrpSpPr>
+        <p:grpSpPr>
+          <a:xfrm>
+            <a:off x="2684587" y="4519069"/>
+            <a:ext cx="8030305" cy="1980279"/>
+            <a:chOff x="2684587" y="4519069"/>
+            <a:chExt cx="8030305" cy="1980279"/>
+          </a:xfrm>
+        </p:grpSpPr>
+        <p:sp>
+          <p:nvSpPr>
+            <p:cNvPr id="6" name="矩形 5">
+              <a:extLst>
+                <a:ext uri="{FF2B5EF4-FFF2-40B4-BE49-F238E27FC236}">
+                  <a16:creationId xmlns:a16="http://schemas.microsoft.com/office/drawing/2014/main" id="{2752312A-0CDB-4A95-AA34-8177A45EC7AB}"/>
+                </a:ext>
+              </a:extLst>
+            </p:cNvPr>
+            <p:cNvSpPr/>
+            <p:nvPr/>
+          </p:nvSpPr>
+          <p:spPr>
+            <a:xfrm>
+              <a:off x="4290648" y="4601185"/>
+              <a:ext cx="1606061" cy="644770"/>
+            </a:xfrm>
+            <a:prstGeom prst="rect">
+              <a:avLst/>
+            </a:prstGeom>
+          </p:spPr>
+          <p:style>
+            <a:lnRef idx="2">
+              <a:schemeClr val="accent1"/>
+            </a:lnRef>
+            <a:fillRef idx="1">
+              <a:schemeClr val="lt1"/>
+            </a:fillRef>
+            <a:effectRef idx="0">
+              <a:schemeClr val="accent1"/>
+            </a:effectRef>
+            <a:fontRef idx="minor">
+              <a:schemeClr val="dk1"/>
+            </a:fontRef>
+          </p:style>
+          <p:txBody>
+            <a:bodyPr rtlCol="0" anchor="ctr"/>
+            <a:lstStyle/>
+            <a:p>
+              <a:pPr algn="ctr"/>
+              <a:r>
+                <a:rPr lang="en-US" sz="2400" dirty="0"/>
+                <a:t>History</a:t>
+              </a:r>
+            </a:p>
+          </p:txBody>
+        </p:sp>
+        <p:sp>
+          <p:nvSpPr>
+            <p:cNvPr id="7" name="矩形 6">
+              <a:extLst>
+                <a:ext uri="{FF2B5EF4-FFF2-40B4-BE49-F238E27FC236}">
+                  <a16:creationId xmlns:a16="http://schemas.microsoft.com/office/drawing/2014/main" id="{C479755E-0EC8-4A16-AB68-FCE76E0E3B78}"/>
+                </a:ext>
+              </a:extLst>
+            </p:cNvPr>
+            <p:cNvSpPr/>
+            <p:nvPr/>
+          </p:nvSpPr>
+          <p:spPr>
+            <a:xfrm>
+              <a:off x="7502770" y="4601185"/>
+              <a:ext cx="1606061" cy="644770"/>
+            </a:xfrm>
+            <a:prstGeom prst="rect">
+              <a:avLst/>
+            </a:prstGeom>
+          </p:spPr>
+          <p:style>
+            <a:lnRef idx="2">
+              <a:schemeClr val="accent6"/>
+            </a:lnRef>
+            <a:fillRef idx="1">
+              <a:schemeClr val="lt1"/>
+            </a:fillRef>
+            <a:effectRef idx="0">
+              <a:schemeClr val="accent6"/>
+            </a:effectRef>
+            <a:fontRef idx="minor">
+              <a:schemeClr val="dk1"/>
+            </a:fontRef>
+          </p:style>
+          <p:txBody>
+            <a:bodyPr rtlCol="0" anchor="ctr"/>
+            <a:lstStyle/>
+            <a:p>
+              <a:pPr algn="ctr"/>
+              <a:r>
+                <a:rPr lang="en-US" sz="2400" dirty="0"/>
+                <a:t>Patterns</a:t>
+              </a:r>
+            </a:p>
+          </p:txBody>
+        </p:sp>
+        <p:cxnSp>
+          <p:nvCxnSpPr>
+            <p:cNvPr id="9" name="直接箭头连接符 8">
+              <a:extLst>
+                <a:ext uri="{FF2B5EF4-FFF2-40B4-BE49-F238E27FC236}">
+                  <a16:creationId xmlns:a16="http://schemas.microsoft.com/office/drawing/2014/main" id="{EF0C9C1B-9DFE-46B0-935C-B679D2AA4805}"/>
+                </a:ext>
+              </a:extLst>
+            </p:cNvPr>
+            <p:cNvCxnSpPr>
+              <a:stCxn id="6" idx="3"/>
+              <a:endCxn id="7" idx="1"/>
+            </p:cNvCxnSpPr>
+            <p:nvPr/>
+          </p:nvCxnSpPr>
+          <p:spPr>
+            <a:xfrm>
+              <a:off x="5896709" y="4923570"/>
+              <a:ext cx="1606061" cy="0"/>
+            </a:xfrm>
+            <a:prstGeom prst="straightConnector1">
+              <a:avLst/>
+            </a:prstGeom>
+            <a:ln>
+              <a:tailEnd type="triangle"/>
+            </a:ln>
+          </p:spPr>
+          <p:style>
+            <a:lnRef idx="1">
+              <a:schemeClr val="accent1"/>
+            </a:lnRef>
+            <a:fillRef idx="0">
+              <a:schemeClr val="accent1"/>
+            </a:fillRef>
+            <a:effectRef idx="0">
+              <a:schemeClr val="accent1"/>
+            </a:effectRef>
+            <a:fontRef idx="minor">
+              <a:schemeClr val="tx1"/>
+            </a:fontRef>
+          </p:style>
+        </p:cxnSp>
+        <p:sp>
+          <p:nvSpPr>
+            <p:cNvPr id="10" name="矩形 9">
+              <a:extLst>
+                <a:ext uri="{FF2B5EF4-FFF2-40B4-BE49-F238E27FC236}">
+                  <a16:creationId xmlns:a16="http://schemas.microsoft.com/office/drawing/2014/main" id="{B620C8FE-044D-436F-B980-BC7BE24DA7D6}"/>
+                </a:ext>
+              </a:extLst>
+            </p:cNvPr>
+            <p:cNvSpPr/>
+            <p:nvPr/>
+          </p:nvSpPr>
+          <p:spPr>
+            <a:xfrm>
+              <a:off x="5896709" y="5854578"/>
+              <a:ext cx="1606061" cy="644770"/>
+            </a:xfrm>
+            <a:prstGeom prst="rect">
+              <a:avLst/>
+            </a:prstGeom>
+          </p:spPr>
+          <p:style>
+            <a:lnRef idx="2">
+              <a:schemeClr val="dk1"/>
+            </a:lnRef>
+            <a:fillRef idx="1">
+              <a:schemeClr val="lt1"/>
+            </a:fillRef>
+            <a:effectRef idx="0">
+              <a:schemeClr val="dk1"/>
+            </a:effectRef>
+            <a:fontRef idx="minor">
+              <a:schemeClr val="dk1"/>
+            </a:fontRef>
+          </p:style>
+          <p:txBody>
+            <a:bodyPr rtlCol="0" anchor="ctr"/>
+            <a:lstStyle/>
+            <a:p>
+              <a:pPr algn="ctr"/>
+              <a:r>
+                <a:rPr lang="en-US" sz="2400" dirty="0"/>
+                <a:t>Code</a:t>
+              </a:r>
+            </a:p>
+          </p:txBody>
+        </p:sp>
+        <p:sp>
+          <p:nvSpPr>
+            <p:cNvPr id="11" name="矩形 10">
+              <a:extLst>
+                <a:ext uri="{FF2B5EF4-FFF2-40B4-BE49-F238E27FC236}">
+                  <a16:creationId xmlns:a16="http://schemas.microsoft.com/office/drawing/2014/main" id="{7488F768-C40B-49E2-8B56-5600EB71220B}"/>
+                </a:ext>
+              </a:extLst>
+            </p:cNvPr>
+            <p:cNvSpPr/>
+            <p:nvPr/>
+          </p:nvSpPr>
+          <p:spPr>
+            <a:xfrm>
+              <a:off x="9108831" y="5854578"/>
+              <a:ext cx="1606061" cy="644770"/>
+            </a:xfrm>
+            <a:prstGeom prst="rect">
+              <a:avLst/>
+            </a:prstGeom>
+          </p:spPr>
+          <p:style>
+            <a:lnRef idx="2">
+              <a:schemeClr val="dk1"/>
+            </a:lnRef>
+            <a:fillRef idx="1">
+              <a:schemeClr val="lt1"/>
+            </a:fillRef>
+            <a:effectRef idx="0">
+              <a:schemeClr val="dk1"/>
+            </a:effectRef>
+            <a:fontRef idx="minor">
+              <a:schemeClr val="dk1"/>
+            </a:fontRef>
+          </p:style>
+          <p:txBody>
+            <a:bodyPr rtlCol="0" anchor="ctr"/>
+            <a:lstStyle/>
+            <a:p>
+              <a:pPr algn="ctr"/>
+              <a:r>
+                <a:rPr lang="en-US" sz="2400" dirty="0"/>
+                <a:t>Code’</a:t>
+              </a:r>
+            </a:p>
+          </p:txBody>
+        </p:sp>
+        <p:cxnSp>
+          <p:nvCxnSpPr>
+            <p:cNvPr id="15" name="直接箭头连接符 14">
+              <a:extLst>
+                <a:ext uri="{FF2B5EF4-FFF2-40B4-BE49-F238E27FC236}">
+                  <a16:creationId xmlns:a16="http://schemas.microsoft.com/office/drawing/2014/main" id="{8EF52B99-AF86-4BE4-B9E3-9F789274CB8F}"/>
+                </a:ext>
+              </a:extLst>
+            </p:cNvPr>
+            <p:cNvCxnSpPr>
+              <a:stCxn id="10" idx="3"/>
+              <a:endCxn id="11" idx="1"/>
+            </p:cNvCxnSpPr>
+            <p:nvPr/>
+          </p:nvCxnSpPr>
+          <p:spPr>
+            <a:xfrm>
+              <a:off x="7502770" y="6176963"/>
+              <a:ext cx="1606061" cy="0"/>
+            </a:xfrm>
+            <a:prstGeom prst="straightConnector1">
+              <a:avLst/>
+            </a:prstGeom>
+            <a:ln>
+              <a:tailEnd type="triangle"/>
+            </a:ln>
+          </p:spPr>
+          <p:style>
+            <a:lnRef idx="1">
+              <a:schemeClr val="accent1"/>
+            </a:lnRef>
+            <a:fillRef idx="0">
+              <a:schemeClr val="accent1"/>
+            </a:fillRef>
+            <a:effectRef idx="0">
+              <a:schemeClr val="accent1"/>
+            </a:effectRef>
+            <a:fontRef idx="minor">
+              <a:schemeClr val="tx1"/>
+            </a:fontRef>
+          </p:style>
+        </p:cxnSp>
+        <p:cxnSp>
+          <p:nvCxnSpPr>
+            <p:cNvPr id="19" name="直接箭头连接符 18">
+              <a:extLst>
+                <a:ext uri="{FF2B5EF4-FFF2-40B4-BE49-F238E27FC236}">
+                  <a16:creationId xmlns:a16="http://schemas.microsoft.com/office/drawing/2014/main" id="{FC4B15FA-30E8-47A2-AAFB-810A9BED7B98}"/>
+                </a:ext>
+              </a:extLst>
+            </p:cNvPr>
+            <p:cNvCxnSpPr>
+              <a:stCxn id="7" idx="2"/>
+            </p:cNvCxnSpPr>
+            <p:nvPr/>
+          </p:nvCxnSpPr>
+          <p:spPr>
+            <a:xfrm flipH="1">
+              <a:off x="8305800" y="5245955"/>
+              <a:ext cx="1" cy="931008"/>
+            </a:xfrm>
+            <a:prstGeom prst="straightConnector1">
+              <a:avLst/>
+            </a:prstGeom>
+            <a:ln>
+              <a:tailEnd type="triangle"/>
+            </a:ln>
+          </p:spPr>
+          <p:style>
+            <a:lnRef idx="1">
+              <a:schemeClr val="accent1"/>
+            </a:lnRef>
+            <a:fillRef idx="0">
+              <a:schemeClr val="accent1"/>
+            </a:fillRef>
+            <a:effectRef idx="0">
+              <a:schemeClr val="accent1"/>
+            </a:effectRef>
+            <a:fontRef idx="minor">
+              <a:schemeClr val="tx1"/>
+            </a:fontRef>
+          </p:style>
+        </p:cxnSp>
+        <p:sp>
+          <p:nvSpPr>
+            <p:cNvPr id="20" name="文本框 19">
+              <a:extLst>
+                <a:ext uri="{FF2B5EF4-FFF2-40B4-BE49-F238E27FC236}">
+                  <a16:creationId xmlns:a16="http://schemas.microsoft.com/office/drawing/2014/main" id="{11279BCD-6737-4CE9-83AF-7BE4F178D604}"/>
+                </a:ext>
+              </a:extLst>
+            </p:cNvPr>
+            <p:cNvSpPr txBox="1"/>
+            <p:nvPr/>
+          </p:nvSpPr>
+          <p:spPr>
+            <a:xfrm>
+              <a:off x="6160477" y="4519069"/>
+              <a:ext cx="1078524" cy="400110"/>
+            </a:xfrm>
+            <a:prstGeom prst="rect">
+              <a:avLst/>
+            </a:prstGeom>
+            <a:noFill/>
+          </p:spPr>
+          <p:txBody>
+            <a:bodyPr wrap="square" rtlCol="0">
+              <a:spAutoFit/>
+            </a:bodyPr>
+            <a:lstStyle/>
+            <a:p>
+              <a:pPr algn="ctr"/>
+              <a:r>
+                <a:rPr lang="en-US" sz="2000" dirty="0"/>
+                <a:t>Extract</a:t>
+              </a:r>
+            </a:p>
+          </p:txBody>
+        </p:sp>
+        <p:sp>
+          <p:nvSpPr>
+            <p:cNvPr id="21" name="文本框 20">
+              <a:extLst>
+                <a:ext uri="{FF2B5EF4-FFF2-40B4-BE49-F238E27FC236}">
+                  <a16:creationId xmlns:a16="http://schemas.microsoft.com/office/drawing/2014/main" id="{5EE18194-B225-49FA-8801-323A014DC3EE}"/>
+                </a:ext>
+              </a:extLst>
+            </p:cNvPr>
+            <p:cNvSpPr txBox="1"/>
+            <p:nvPr/>
+          </p:nvSpPr>
+          <p:spPr>
+            <a:xfrm>
+              <a:off x="7766538" y="5526793"/>
+              <a:ext cx="1078524" cy="400110"/>
+            </a:xfrm>
+            <a:prstGeom prst="rect">
+              <a:avLst/>
+            </a:prstGeom>
+            <a:noFill/>
+          </p:spPr>
+          <p:txBody>
+            <a:bodyPr wrap="square" rtlCol="0">
+              <a:spAutoFit/>
+            </a:bodyPr>
+            <a:lstStyle/>
+            <a:p>
+              <a:pPr algn="ctr"/>
+              <a:r>
+                <a:rPr lang="en-US" sz="2000" dirty="0"/>
+                <a:t>Apply</a:t>
+              </a:r>
+            </a:p>
+          </p:txBody>
+        </p:sp>
+        <p:sp>
+          <p:nvSpPr>
+            <p:cNvPr id="24" name="矩形 23">
+              <a:extLst>
+                <a:ext uri="{FF2B5EF4-FFF2-40B4-BE49-F238E27FC236}">
+                  <a16:creationId xmlns:a16="http://schemas.microsoft.com/office/drawing/2014/main" id="{E748EE78-46BF-4CDB-87E5-A8032F90DC75}"/>
+                </a:ext>
+              </a:extLst>
+            </p:cNvPr>
+            <p:cNvSpPr/>
+            <p:nvPr/>
+          </p:nvSpPr>
+          <p:spPr>
+            <a:xfrm>
+              <a:off x="2684587" y="5854578"/>
+              <a:ext cx="1606061" cy="644770"/>
+            </a:xfrm>
+            <a:prstGeom prst="rect">
+              <a:avLst/>
+            </a:prstGeom>
+          </p:spPr>
+          <p:style>
+            <a:lnRef idx="2">
+              <a:schemeClr val="dk1"/>
+            </a:lnRef>
+            <a:fillRef idx="1">
+              <a:schemeClr val="lt1"/>
+            </a:fillRef>
+            <a:effectRef idx="0">
+              <a:schemeClr val="dk1"/>
+            </a:effectRef>
+            <a:fontRef idx="minor">
+              <a:schemeClr val="dk1"/>
+            </a:fontRef>
+          </p:style>
+          <p:txBody>
+            <a:bodyPr rtlCol="0" anchor="ctr"/>
+            <a:lstStyle/>
+            <a:p>
+              <a:pPr algn="ctr"/>
+              <a:r>
+                <a:rPr lang="en-US" sz="2400" dirty="0"/>
+                <a:t>Repo</a:t>
+              </a:r>
+            </a:p>
+          </p:txBody>
+        </p:sp>
+        <p:cxnSp>
+          <p:nvCxnSpPr>
+            <p:cNvPr id="26" name="直接箭头连接符 25">
+              <a:extLst>
+                <a:ext uri="{FF2B5EF4-FFF2-40B4-BE49-F238E27FC236}">
+                  <a16:creationId xmlns:a16="http://schemas.microsoft.com/office/drawing/2014/main" id="{880CB9C7-09A5-4929-A33E-4FD026A8D423}"/>
+                </a:ext>
+              </a:extLst>
+            </p:cNvPr>
+            <p:cNvCxnSpPr>
+              <a:stCxn id="24" idx="3"/>
+              <a:endCxn id="10" idx="1"/>
+            </p:cNvCxnSpPr>
+            <p:nvPr/>
+          </p:nvCxnSpPr>
+          <p:spPr>
+            <a:xfrm>
+              <a:off x="4290648" y="6176963"/>
+              <a:ext cx="1606061" cy="0"/>
+            </a:xfrm>
+            <a:prstGeom prst="straightConnector1">
+              <a:avLst/>
+            </a:prstGeom>
+            <a:ln>
+              <a:tailEnd type="triangle"/>
+            </a:ln>
+          </p:spPr>
+          <p:style>
+            <a:lnRef idx="1">
+              <a:schemeClr val="accent1"/>
+            </a:lnRef>
+            <a:fillRef idx="0">
+              <a:schemeClr val="accent1"/>
+            </a:fillRef>
+            <a:effectRef idx="0">
+              <a:schemeClr val="accent1"/>
+            </a:effectRef>
+            <a:fontRef idx="minor">
+              <a:schemeClr val="tx1"/>
+            </a:fontRef>
+          </p:style>
+        </p:cxnSp>
+        <p:sp>
+          <p:nvSpPr>
+            <p:cNvPr id="27" name="文本框 26">
+              <a:extLst>
+                <a:ext uri="{FF2B5EF4-FFF2-40B4-BE49-F238E27FC236}">
+                  <a16:creationId xmlns:a16="http://schemas.microsoft.com/office/drawing/2014/main" id="{C263F313-5E74-48DE-9293-CF6336661460}"/>
+                </a:ext>
+              </a:extLst>
+            </p:cNvPr>
+            <p:cNvSpPr txBox="1"/>
+            <p:nvPr/>
+          </p:nvSpPr>
+          <p:spPr>
+            <a:xfrm>
+              <a:off x="4548554" y="5782077"/>
+              <a:ext cx="1078524" cy="400110"/>
+            </a:xfrm>
+            <a:prstGeom prst="rect">
+              <a:avLst/>
+            </a:prstGeom>
+            <a:noFill/>
+          </p:spPr>
+          <p:txBody>
+            <a:bodyPr wrap="square" rtlCol="0">
+              <a:spAutoFit/>
+            </a:bodyPr>
+            <a:lstStyle/>
+            <a:p>
+              <a:pPr algn="ctr"/>
+              <a:r>
+                <a:rPr lang="en-US" sz="2000" dirty="0"/>
+                <a:t>Search</a:t>
+              </a:r>
+            </a:p>
+          </p:txBody>
+        </p:sp>
+      </p:grpSp>
     </p:spTree>
     <p:extLst>
       <p:ext uri="{BB962C8B-B14F-4D97-AF65-F5344CB8AC3E}">
@@ -4871,9 +10387,30 @@
             </a:r>
           </a:p>
           <a:p>
+            <a:pPr lvl="1"/>
+            <a:r>
+              <a:rPr lang="en-US" dirty="0"/>
+              <a:t>We develop tools to help collect and analysis data</a:t>
+            </a:r>
+          </a:p>
+          <a:p>
             <a:r>
               <a:rPr lang="en-US" dirty="0"/>
               <a:t>The changes on concurrent code can be complicated</a:t>
+            </a:r>
+          </a:p>
+          <a:p>
+            <a:pPr lvl="1"/>
+            <a:r>
+              <a:rPr lang="en-US" dirty="0"/>
+              <a:t>Concurrent programming is complex</a:t>
+            </a:r>
+          </a:p>
+          <a:p>
+            <a:pPr lvl="1"/>
+            <a:r>
+              <a:rPr lang="en-US" dirty="0"/>
+              <a:t>Commits are incomplete code</a:t>
             </a:r>
             <a:br>
               <a:rPr lang="en-US" dirty="0"/>
@@ -5741,6 +11278,13 @@
             </a:r>
           </a:p>
           <a:p>
+            <a:pPr lvl="1"/>
+            <a:r>
+              <a:rPr lang="en-US" dirty="0"/>
+              <a:t>Git show command</a:t>
+            </a:r>
+          </a:p>
+          <a:p>
             <a:r>
               <a:rPr lang="en-US" dirty="0"/>
               <a:t>Step 2. Identifying commits for the follow-up analysis</a:t>
